--- a/Workshop1.pptx
+++ b/Workshop1.pptx
@@ -5,7 +5,7 @@
     <p:sldMasterId id="2147483648" r:id="rId1"/>
   </p:sldMasterIdLst>
   <p:notesMasterIdLst>
-    <p:NotesMasterId r:id="rId53"/>
+    <p:NotesMasterId r:id="rId54"/>
   </p:notesMasterIdLst>
   <p:sldIdLst>
     <p:sldId id="256" r:id="rId2"/>
@@ -59,6 +59,7 @@
     <p:sldId id="304" r:id="rId50"/>
     <p:sldId id="305" r:id="rId51"/>
     <p:sldId id="306" r:id="rId52"/>
+    <p:sldId id="307" r:id="rId53"/>
   </p:sldIdLst>
   <p:sldSz cx="12192000" cy="6858000"/>
   <p:notesSz cx="6858000" cy="9144000"/>
@@ -690,7 +691,7 @@
           <a:p>
             <a:fld id="{18BDFEC3-8487-43E8-A154-7C12CBC1FFF2}" type="slidenum">
               <a:rPr lang="en-US"/>
-              <a:t>10</a:t>
+              <a:t>11</a:t>
             </a:fld>
             <a:endParaRPr lang="en-US"/>
           </a:p>
@@ -1212,7 +1213,7 @@
           <a:p>
             <a:fld id="{18BDFEC3-8487-43E8-A154-7C12CBC1FFF2}" type="slidenum">
               <a:rPr lang="en-US"/>
-              <a:t>11</a:t>
+              <a:t>12</a:t>
             </a:fld>
             <a:endParaRPr lang="en-US"/>
           </a:p>
@@ -1326,7 +1327,7 @@
           <a:p>
             <a:fld id="{18BDFEC3-8487-43E8-A154-7C12CBC1FFF2}" type="slidenum">
               <a:rPr lang="en-US"/>
-              <a:t>12</a:t>
+              <a:t>13</a:t>
             </a:fld>
             <a:endParaRPr lang="en-US"/>
           </a:p>
@@ -1440,7 +1441,7 @@
           <a:p>
             <a:fld id="{18BDFEC3-8487-43E8-A154-7C12CBC1FFF2}" type="slidenum">
               <a:rPr lang="en-US"/>
-              <a:t>18</a:t>
+              <a:t>19</a:t>
             </a:fld>
             <a:endParaRPr lang="en-US"/>
           </a:p>
@@ -1554,7 +1555,7 @@
           <a:p>
             <a:fld id="{18BDFEC3-8487-43E8-A154-7C12CBC1FFF2}" type="slidenum">
               <a:rPr lang="en-US"/>
-              <a:t>21</a:t>
+              <a:t>22</a:t>
             </a:fld>
             <a:endParaRPr lang="en-US"/>
           </a:p>
@@ -1708,7 +1709,7 @@
           <a:p>
             <a:fld id="{18BDFEC3-8487-43E8-A154-7C12CBC1FFF2}" type="slidenum">
               <a:rPr lang="en-US"/>
-              <a:t>46</a:t>
+              <a:t>47</a:t>
             </a:fld>
             <a:endParaRPr lang="en-US"/>
           </a:p>
@@ -1822,7 +1823,7 @@
           <a:p>
             <a:fld id="{18BDFEC3-8487-43E8-A154-7C12CBC1FFF2}" type="slidenum">
               <a:rPr lang="en-US"/>
-              <a:t>49</a:t>
+              <a:t>50</a:t>
             </a:fld>
             <a:endParaRPr lang="en-US"/>
           </a:p>
@@ -2040,7 +2041,7 @@
           <a:p>
             <a:fld id="{18BDFEC3-8487-43E8-A154-7C12CBC1FFF2}" type="slidenum">
               <a:rPr lang="en-US"/>
-              <a:t>50</a:t>
+              <a:t>51</a:t>
             </a:fld>
             <a:endParaRPr lang="en-US"/>
           </a:p>
@@ -2210,7 +2211,7 @@
           <a:p>
             <a:fld id="{18BDFEC3-8487-43E8-A154-7C12CBC1FFF2}" type="slidenum">
               <a:rPr lang="en-US"/>
-              <a:t>51</a:t>
+              <a:t>52</a:t>
             </a:fld>
             <a:endParaRPr lang="en-US"/>
           </a:p>
@@ -5593,6 +5594,153 @@
             </a:r>
             <a:r>
               <a:rPr/>
+              <a:t>R</a:t>
+            </a:r>
+            <a:r>
+              <a:rPr/>
+              <a:t> </a:t>
+            </a:r>
+            <a:r>
+              <a:rPr/>
+              <a:t>on</a:t>
+            </a:r>
+            <a:r>
+              <a:rPr/>
+              <a:t> </a:t>
+            </a:r>
+            <a:r>
+              <a:rPr/>
+              <a:t>it’s</a:t>
+            </a:r>
+            <a:r>
+              <a:rPr/>
+              <a:t> </a:t>
+            </a:r>
+            <a:r>
+              <a:rPr/>
+              <a:t>own</a:t>
+            </a:r>
+            <a:r>
+              <a:rPr/>
+              <a:t> </a:t>
+            </a:r>
+            <a:r>
+              <a:rPr/>
+              <a:t>looks</a:t>
+            </a:r>
+            <a:r>
+              <a:rPr/>
+              <a:t> </a:t>
+            </a:r>
+            <a:r>
+              <a:rPr/>
+              <a:t>like</a:t>
+            </a:r>
+          </a:p>
+        </p:txBody>
+      </p:sp>
+      <p:pic>
+        <p:nvPicPr>
+          <p:cNvPr descr="Images/RConsole.png" id="0" name="Picture 1"/>
+          <p:cNvPicPr>
+            <a:picLocks noGrp="1" noChangeAspect="1"/>
+          </p:cNvPicPr>
+          <p:nvPr/>
+        </p:nvPicPr>
+        <p:blipFill>
+          <a:blip r:embed="rId2"/>
+          <a:stretch>
+            <a:fillRect/>
+          </a:stretch>
+        </p:blipFill>
+        <p:spPr bwMode="auto">
+          <a:xfrm>
+            <a:off x="2984500" y="1816100"/>
+            <a:ext cx="6210300" cy="4343400"/>
+          </a:xfrm>
+          <a:prstGeom prst="rect">
+            <a:avLst/>
+          </a:prstGeom>
+          <a:noFill/>
+          <a:ln w="9525">
+            <a:noFill/>
+            <a:headEnd/>
+            <a:tailEnd/>
+          </a:ln>
+        </p:spPr>
+      </p:pic>
+    </p:spTree>
+  </p:cSld>
+</p:sld>
+</file>
+
+<file path=ppt/slides/slide11.xml><?xml version="1.0" encoding="utf-8"?>
+<p:sld xmlns:a="http://schemas.openxmlformats.org/drawingml/2006/main" xmlns:r="http://schemas.openxmlformats.org/officeDocument/2006/relationships" xmlns:p="http://schemas.openxmlformats.org/presentationml/2006/main">
+  <p:cSld>
+    <p:spTree>
+      <p:nvGrpSpPr>
+        <p:cNvPr id="1" name=""/>
+        <p:cNvGrpSpPr/>
+        <p:nvPr/>
+      </p:nvGrpSpPr>
+      <p:grpSpPr>
+        <a:xfrm>
+          <a:off x="0" y="0"/>
+          <a:ext cx="0" cy="0"/>
+          <a:chOff x="0" y="0"/>
+          <a:chExt cx="0" cy="0"/>
+        </a:xfrm>
+      </p:grpSpPr>
+      <p:sp>
+        <p:nvSpPr>
+          <p:cNvPr id="2" name="Title 1">
+            <a:extLst>
+              <a:ext uri="{FF2B5EF4-FFF2-40B4-BE49-F238E27FC236}">
+                <a16:creationId xmlns:a16="http://schemas.microsoft.com/office/drawing/2014/main" id="{5567D468-EE70-CD4E-A3AC-039CC11EF1FB}"/>
+              </a:ext>
+            </a:extLst>
+          </p:cNvPr>
+          <p:cNvSpPr>
+            <a:spLocks noGrp="1"/>
+          </p:cNvSpPr>
+          <p:nvPr>
+            <p:ph type="title"/>
+          </p:nvPr>
+        </p:nvSpPr>
+        <p:spPr/>
+        <p:txBody>
+          <a:bodyPr/>
+          <a:lstStyle/>
+          <a:p>
+            <a:pPr lvl="0" marL="0" indent="0">
+              <a:buNone/>
+            </a:pPr>
+            <a:r>
+              <a:rPr/>
+              <a:t>This</a:t>
+            </a:r>
+            <a:r>
+              <a:rPr/>
+              <a:t> </a:t>
+            </a:r>
+            <a:r>
+              <a:rPr/>
+              <a:t>is</a:t>
+            </a:r>
+            <a:r>
+              <a:rPr/>
+              <a:t> </a:t>
+            </a:r>
+            <a:r>
+              <a:rPr/>
+              <a:t>what</a:t>
+            </a:r>
+            <a:r>
+              <a:rPr/>
+              <a:t> </a:t>
+            </a:r>
+            <a:r>
+              <a:rPr/>
               <a:t>RStudio</a:t>
             </a:r>
             <a:r>
@@ -5697,7 +5845,7 @@
 </p:sld>
 </file>
 
-<file path=ppt/slides/slide11.xml><?xml version="1.0" encoding="utf-8"?>
+<file path=ppt/slides/slide12.xml><?xml version="1.0" encoding="utf-8"?>
 <p:sld xmlns:a="http://schemas.openxmlformats.org/drawingml/2006/main" xmlns:r="http://schemas.openxmlformats.org/officeDocument/2006/relationships" xmlns:p="http://schemas.openxmlformats.org/presentationml/2006/main">
   <p:cSld>
     <p:spTree>
@@ -5820,7 +5968,7 @@
 </p:sld>
 </file>
 
-<file path=ppt/slides/slide12.xml><?xml version="1.0" encoding="utf-8"?>
+<file path=ppt/slides/slide13.xml><?xml version="1.0" encoding="utf-8"?>
 <p:sld xmlns:a="http://schemas.openxmlformats.org/drawingml/2006/main" xmlns:r="http://schemas.openxmlformats.org/officeDocument/2006/relationships" xmlns:p="http://schemas.openxmlformats.org/presentationml/2006/main">
   <p:cSld>
     <p:spTree>
@@ -5935,7 +6083,7 @@
 </p:sld>
 </file>
 
-<file path=ppt/slides/slide13.xml><?xml version="1.0" encoding="utf-8"?>
+<file path=ppt/slides/slide14.xml><?xml version="1.0" encoding="utf-8"?>
 <p:sld xmlns:a="http://schemas.openxmlformats.org/drawingml/2006/main" xmlns:r="http://schemas.openxmlformats.org/officeDocument/2006/relationships" xmlns:p="http://schemas.openxmlformats.org/presentationml/2006/main">
   <p:cSld>
     <p:spTree>
@@ -6042,155 +6190,6 @@
 </p:sld>
 </file>
 
-<file path=ppt/slides/slide14.xml><?xml version="1.0" encoding="utf-8"?>
-<p:sld xmlns:a="http://schemas.openxmlformats.org/drawingml/2006/main" xmlns:r="http://schemas.openxmlformats.org/officeDocument/2006/relationships" xmlns:p="http://schemas.openxmlformats.org/presentationml/2006/main">
-  <p:cSld>
-    <p:spTree>
-      <p:nvGrpSpPr>
-        <p:cNvPr id="1" name=""/>
-        <p:cNvGrpSpPr/>
-        <p:nvPr/>
-      </p:nvGrpSpPr>
-      <p:grpSpPr>
-        <a:xfrm>
-          <a:off x="0" y="0"/>
-          <a:ext cx="0" cy="0"/>
-          <a:chOff x="0" y="0"/>
-          <a:chExt cx="0" cy="0"/>
-        </a:xfrm>
-      </p:grpSpPr>
-      <p:sp>
-        <p:nvSpPr>
-          <p:cNvPr id="2" name="Title 1">
-            <a:extLst>
-              <a:ext uri="{FF2B5EF4-FFF2-40B4-BE49-F238E27FC236}">
-                <a16:creationId xmlns:a16="http://schemas.microsoft.com/office/drawing/2014/main" id="{5567D468-EE70-CD4E-A3AC-039CC11EF1FB}"/>
-              </a:ext>
-            </a:extLst>
-          </p:cNvPr>
-          <p:cNvSpPr>
-            <a:spLocks noGrp="1"/>
-          </p:cNvSpPr>
-          <p:nvPr>
-            <p:ph type="title"/>
-          </p:nvPr>
-        </p:nvSpPr>
-        <p:spPr/>
-        <p:txBody>
-          <a:bodyPr/>
-          <a:lstStyle/>
-          <a:p>
-            <a:pPr lvl="0" marL="0" indent="0">
-              <a:buNone/>
-            </a:pPr>
-            <a:r>
-              <a:rPr/>
-              <a:t>Using</a:t>
-            </a:r>
-            <a:r>
-              <a:rPr/>
-              <a:t> </a:t>
-            </a:r>
-            <a:r>
-              <a:rPr/>
-              <a:t>the</a:t>
-            </a:r>
-            <a:r>
-              <a:rPr/>
-              <a:t> </a:t>
-            </a:r>
-            <a:r>
-              <a:rPr/>
-              <a:t>console</a:t>
-            </a:r>
-          </a:p>
-        </p:txBody>
-      </p:sp>
-      <p:sp>
-        <p:nvSpPr>
-          <p:cNvPr id="3" name="Content Placeholder 2">
-            <a:extLst>
-              <a:ext uri="{FF2B5EF4-FFF2-40B4-BE49-F238E27FC236}">
-                <a16:creationId xmlns:a16="http://schemas.microsoft.com/office/drawing/2014/main" id="{D10DDA37-E46B-B641-BC9F-636CB92A2C08}"/>
-              </a:ext>
-            </a:extLst>
-          </p:cNvPr>
-          <p:cNvSpPr>
-            <a:spLocks noGrp="1"/>
-          </p:cNvSpPr>
-          <p:nvPr>
-            <p:ph idx="1"/>
-          </p:nvPr>
-        </p:nvSpPr>
-        <p:spPr/>
-        <p:txBody>
-          <a:bodyPr/>
-          <a:lstStyle/>
-          <a:p>
-            <a:pPr lvl="1"/>
-            <a:r>
-              <a:rPr/>
-              <a:t>Bottom left window.</a:t>
-            </a:r>
-          </a:p>
-          <a:p>
-            <a:pPr lvl="1"/>
-            <a:r>
-              <a:rPr/>
-              <a:t>This is R!</a:t>
-            </a:r>
-          </a:p>
-          <a:p>
-            <a:pPr lvl="1"/>
-            <a:r>
-              <a:rPr/>
-              <a:t>This is your prompt to type </a:t>
-            </a:r>
-            <a:r>
-              <a:rPr sz="1800">
-                <a:latin typeface="Courier"/>
-              </a:rPr>
-              <a:t>&gt;</a:t>
-            </a:r>
-            <a:r>
-              <a:rPr/>
-              <a:t>.</a:t>
-            </a:r>
-          </a:p>
-          <a:p>
-            <a:pPr lvl="1"/>
-            <a:r>
-              <a:rPr/>
-              <a:t>Type </a:t>
-            </a:r>
-            <a:r>
-              <a:rPr sz="1800">
-                <a:latin typeface="Courier"/>
-              </a:rPr>
-              <a:t>2 + 2</a:t>
-            </a:r>
-            <a:r>
-              <a:rPr/>
-              <a:t> then hit </a:t>
-            </a:r>
-            <a:r>
-              <a:rPr sz="1800">
-                <a:latin typeface="Courier"/>
-              </a:rPr>
-              <a:t>Enter</a:t>
-            </a:r>
-            <a:r>
-              <a:rPr/>
-              <a:t>.</a:t>
-            </a:r>
-          </a:p>
-        </p:txBody>
-      </p:sp>
-    </p:spTree>
-  </p:cSld>
-</p:sld>
-</file>
-
 <file path=ppt/slides/slide15.xml><?xml version="1.0" encoding="utf-8"?>
 <p:sld xmlns:a="http://schemas.openxmlformats.org/drawingml/2006/main" xmlns:r="http://schemas.openxmlformats.org/officeDocument/2006/relationships" xmlns:p="http://schemas.openxmlformats.org/presentationml/2006/main">
   <p:cSld>
@@ -6234,15 +6233,23 @@
             </a:pPr>
             <a:r>
               <a:rPr/>
-              <a:t>Console</a:t>
-            </a:r>
-            <a:r>
-              <a:rPr/>
-              <a:t> </a:t>
-            </a:r>
-            <a:r>
-              <a:rPr/>
-              <a:t>output</a:t>
+              <a:t>Using</a:t>
+            </a:r>
+            <a:r>
+              <a:rPr/>
+              <a:t> </a:t>
+            </a:r>
+            <a:r>
+              <a:rPr/>
+              <a:t>the</a:t>
+            </a:r>
+            <a:r>
+              <a:rPr/>
+              <a:t> </a:t>
+            </a:r>
+            <a:r>
+              <a:rPr/>
+              <a:t>console</a:t>
             </a:r>
           </a:p>
         </p:txBody>
@@ -6268,75 +6275,26 @@
           <a:bodyPr/>
           <a:lstStyle/>
           <a:p>
-            <a:pPr lvl="0" marL="0" indent="0">
-              <a:buNone/>
-            </a:pPr>
-            <a:r>
-              <a:rPr/>
-              <a:t>You should see:</a:t>
-            </a:r>
-          </a:p>
-          <a:p>
-            <a:pPr lvl="0" marL="1270000" indent="0">
-              <a:buNone/>
-            </a:pPr>
-            <a:r>
-              <a:rPr sz="1800">
-                <a:solidFill>
-                  <a:srgbClr val="40A070"/>
-                </a:solidFill>
-                <a:latin typeface="Courier"/>
-              </a:rPr>
-              <a:t>2</a:t>
-            </a:r>
-            <a:r>
-              <a:rPr sz="1800">
-                <a:latin typeface="Courier"/>
-              </a:rPr>
-              <a:t> </a:t>
-            </a:r>
-            <a:r>
-              <a:rPr sz="1800">
-                <a:solidFill>
-                  <a:srgbClr val="666666"/>
-                </a:solidFill>
-                <a:latin typeface="Courier"/>
-              </a:rPr>
-              <a:t>+</a:t>
-            </a:r>
-            <a:r>
-              <a:rPr sz="1800">
-                <a:solidFill>
-                  <a:srgbClr val="4070A0"/>
-                </a:solidFill>
-                <a:latin typeface="Courier"/>
-              </a:rPr>
-              <a:t> </a:t>
-            </a:r>
-            <a:r>
-              <a:rPr sz="1800">
-                <a:solidFill>
-                  <a:srgbClr val="40A070"/>
-                </a:solidFill>
-                <a:latin typeface="Courier"/>
-              </a:rPr>
-              <a:t>2</a:t>
-            </a:r>
-          </a:p>
-          <a:p>
-            <a:pPr lvl="0" marL="1270000" indent="0">
-              <a:buNone/>
-            </a:pPr>
-            <a:r>
-              <a:rPr sz="1800">
-                <a:latin typeface="Courier"/>
-              </a:rPr>
-              <a:t>## [1] 4</a:t>
-            </a:r>
-          </a:p>
-          <a:p>
             <a:pPr lvl="1"/>
             <a:r>
+              <a:rPr/>
+              <a:t>Bottom left window.</a:t>
+            </a:r>
+          </a:p>
+          <a:p>
+            <a:pPr lvl="1"/>
+            <a:r>
+              <a:rPr/>
+              <a:t>This is R!</a:t>
+            </a:r>
+          </a:p>
+          <a:p>
+            <a:pPr lvl="1"/>
+            <a:r>
+              <a:rPr/>
+              <a:t>This is your prompt to type </a:t>
+            </a:r>
+            <a:r>
               <a:rPr sz="1800">
                 <a:latin typeface="Courier"/>
               </a:rPr>
@@ -6344,12 +6302,16 @@
             </a:r>
             <a:r>
               <a:rPr/>
-              <a:t> is the command prompt</a:t>
+              <a:t>.</a:t>
             </a:r>
           </a:p>
           <a:p>
             <a:pPr lvl="1"/>
             <a:r>
+              <a:rPr/>
+              <a:t>Type </a:t>
+            </a:r>
+            <a:r>
               <a:rPr sz="1800">
                 <a:latin typeface="Courier"/>
               </a:rPr>
@@ -6357,42 +6319,17 @@
             </a:r>
             <a:r>
               <a:rPr/>
-              <a:t> is the command</a:t>
-            </a:r>
-          </a:p>
-          <a:p>
-            <a:pPr lvl="1"/>
-            <a:r>
-              <a:rPr sz="1800">
-                <a:latin typeface="Courier"/>
-              </a:rPr>
-              <a:t>4</a:t>
-            </a:r>
-            <a:r>
-              <a:rPr/>
-              <a:t> is the output from R.</a:t>
-            </a:r>
-          </a:p>
-          <a:p>
-            <a:pPr lvl="1"/>
-            <a:r>
-              <a:rPr sz="1800">
-                <a:latin typeface="Courier"/>
-              </a:rPr>
-              <a:t>[1]</a:t>
-            </a:r>
-            <a:r>
-              <a:rPr/>
-              <a:t> is telling you that 4 is the first value in a sequence returned by R.</a:t>
-            </a:r>
-          </a:p>
-          <a:p>
-            <a:pPr lvl="0" marL="0" indent="0">
-              <a:buNone/>
-            </a:pPr>
-            <a:r>
-              <a:rPr/>
-              <a:t>::: notes Say that the ## sign is just printed on the slide as an indicator that we are seeing output rather than code entered. They shouldn’t see the symbol on their consoles.</a:t>
+              <a:t> then hit </a:t>
+            </a:r>
+            <a:r>
+              <a:rPr sz="1800">
+                <a:latin typeface="Courier"/>
+              </a:rPr>
+              <a:t>Enter</a:t>
+            </a:r>
+            <a:r>
+              <a:rPr/>
+              <a:t>.</a:t>
             </a:r>
           </a:p>
         </p:txBody>
@@ -6403,6 +6340,217 @@
 </file>
 
 <file path=ppt/slides/slide16.xml><?xml version="1.0" encoding="utf-8"?>
+<p:sld xmlns:a="http://schemas.openxmlformats.org/drawingml/2006/main" xmlns:r="http://schemas.openxmlformats.org/officeDocument/2006/relationships" xmlns:p="http://schemas.openxmlformats.org/presentationml/2006/main">
+  <p:cSld>
+    <p:spTree>
+      <p:nvGrpSpPr>
+        <p:cNvPr id="1" name=""/>
+        <p:cNvGrpSpPr/>
+        <p:nvPr/>
+      </p:nvGrpSpPr>
+      <p:grpSpPr>
+        <a:xfrm>
+          <a:off x="0" y="0"/>
+          <a:ext cx="0" cy="0"/>
+          <a:chOff x="0" y="0"/>
+          <a:chExt cx="0" cy="0"/>
+        </a:xfrm>
+      </p:grpSpPr>
+      <p:sp>
+        <p:nvSpPr>
+          <p:cNvPr id="2" name="Title 1">
+            <a:extLst>
+              <a:ext uri="{FF2B5EF4-FFF2-40B4-BE49-F238E27FC236}">
+                <a16:creationId xmlns:a16="http://schemas.microsoft.com/office/drawing/2014/main" id="{5567D468-EE70-CD4E-A3AC-039CC11EF1FB}"/>
+              </a:ext>
+            </a:extLst>
+          </p:cNvPr>
+          <p:cNvSpPr>
+            <a:spLocks noGrp="1"/>
+          </p:cNvSpPr>
+          <p:nvPr>
+            <p:ph type="title"/>
+          </p:nvPr>
+        </p:nvSpPr>
+        <p:spPr/>
+        <p:txBody>
+          <a:bodyPr/>
+          <a:lstStyle/>
+          <a:p>
+            <a:pPr lvl="0" marL="0" indent="0">
+              <a:buNone/>
+            </a:pPr>
+            <a:r>
+              <a:rPr/>
+              <a:t>Console</a:t>
+            </a:r>
+            <a:r>
+              <a:rPr/>
+              <a:t> </a:t>
+            </a:r>
+            <a:r>
+              <a:rPr/>
+              <a:t>output</a:t>
+            </a:r>
+          </a:p>
+        </p:txBody>
+      </p:sp>
+      <p:sp>
+        <p:nvSpPr>
+          <p:cNvPr id="3" name="Content Placeholder 2">
+            <a:extLst>
+              <a:ext uri="{FF2B5EF4-FFF2-40B4-BE49-F238E27FC236}">
+                <a16:creationId xmlns:a16="http://schemas.microsoft.com/office/drawing/2014/main" id="{D10DDA37-E46B-B641-BC9F-636CB92A2C08}"/>
+              </a:ext>
+            </a:extLst>
+          </p:cNvPr>
+          <p:cNvSpPr>
+            <a:spLocks noGrp="1"/>
+          </p:cNvSpPr>
+          <p:nvPr>
+            <p:ph idx="1"/>
+          </p:nvPr>
+        </p:nvSpPr>
+        <p:spPr/>
+        <p:txBody>
+          <a:bodyPr/>
+          <a:lstStyle/>
+          <a:p>
+            <a:pPr lvl="0" marL="0" indent="0">
+              <a:buNone/>
+            </a:pPr>
+            <a:r>
+              <a:rPr/>
+              <a:t>You should see:</a:t>
+            </a:r>
+          </a:p>
+          <a:p>
+            <a:pPr lvl="0" marL="1270000" indent="0">
+              <a:buNone/>
+            </a:pPr>
+            <a:r>
+              <a:rPr sz="1800">
+                <a:solidFill>
+                  <a:srgbClr val="40A070"/>
+                </a:solidFill>
+                <a:latin typeface="Courier"/>
+              </a:rPr>
+              <a:t>2</a:t>
+            </a:r>
+            <a:r>
+              <a:rPr sz="1800">
+                <a:latin typeface="Courier"/>
+              </a:rPr>
+              <a:t> </a:t>
+            </a:r>
+            <a:r>
+              <a:rPr sz="1800">
+                <a:solidFill>
+                  <a:srgbClr val="666666"/>
+                </a:solidFill>
+                <a:latin typeface="Courier"/>
+              </a:rPr>
+              <a:t>+</a:t>
+            </a:r>
+            <a:r>
+              <a:rPr sz="1800">
+                <a:solidFill>
+                  <a:srgbClr val="4070A0"/>
+                </a:solidFill>
+                <a:latin typeface="Courier"/>
+              </a:rPr>
+              <a:t> </a:t>
+            </a:r>
+            <a:r>
+              <a:rPr sz="1800">
+                <a:solidFill>
+                  <a:srgbClr val="40A070"/>
+                </a:solidFill>
+                <a:latin typeface="Courier"/>
+              </a:rPr>
+              <a:t>2</a:t>
+            </a:r>
+          </a:p>
+          <a:p>
+            <a:pPr lvl="0" marL="1270000" indent="0">
+              <a:buNone/>
+            </a:pPr>
+            <a:r>
+              <a:rPr sz="1800">
+                <a:latin typeface="Courier"/>
+              </a:rPr>
+              <a:t>## [1] 4</a:t>
+            </a:r>
+          </a:p>
+          <a:p>
+            <a:pPr lvl="1"/>
+            <a:r>
+              <a:rPr sz="1800">
+                <a:latin typeface="Courier"/>
+              </a:rPr>
+              <a:t>&gt;</a:t>
+            </a:r>
+            <a:r>
+              <a:rPr/>
+              <a:t> is the command prompt</a:t>
+            </a:r>
+          </a:p>
+          <a:p>
+            <a:pPr lvl="1"/>
+            <a:r>
+              <a:rPr sz="1800">
+                <a:latin typeface="Courier"/>
+              </a:rPr>
+              <a:t>2 + 2</a:t>
+            </a:r>
+            <a:r>
+              <a:rPr/>
+              <a:t> is the command</a:t>
+            </a:r>
+          </a:p>
+          <a:p>
+            <a:pPr lvl="1"/>
+            <a:r>
+              <a:rPr sz="1800">
+                <a:latin typeface="Courier"/>
+              </a:rPr>
+              <a:t>4</a:t>
+            </a:r>
+            <a:r>
+              <a:rPr/>
+              <a:t> is the output from R.</a:t>
+            </a:r>
+          </a:p>
+          <a:p>
+            <a:pPr lvl="1"/>
+            <a:r>
+              <a:rPr sz="1800">
+                <a:latin typeface="Courier"/>
+              </a:rPr>
+              <a:t>[1]</a:t>
+            </a:r>
+            <a:r>
+              <a:rPr/>
+              <a:t> is telling you that 4 is the first value in a sequence returned by R.</a:t>
+            </a:r>
+          </a:p>
+          <a:p>
+            <a:pPr lvl="0" marL="0" indent="0">
+              <a:buNone/>
+            </a:pPr>
+            <a:r>
+              <a:rPr/>
+              <a:t>::: notes Say that the ## sign is just printed on the slide as an indicator that we are seeing output rather than code entered. They shouldn’t see the symbol on their consoles.</a:t>
+            </a:r>
+          </a:p>
+        </p:txBody>
+      </p:sp>
+    </p:spTree>
+  </p:cSld>
+</p:sld>
+</file>
+
+<file path=ppt/slides/slide17.xml><?xml version="1.0" encoding="utf-8"?>
 <p:sld xmlns:a="http://schemas.openxmlformats.org/drawingml/2006/main" xmlns:r="http://schemas.openxmlformats.org/officeDocument/2006/relationships" xmlns:p="http://schemas.openxmlformats.org/presentationml/2006/main">
   <p:cSld>
     <p:spTree>
@@ -6501,178 +6649,6 @@
 </p:sld>
 </file>
 
-<file path=ppt/slides/slide17.xml><?xml version="1.0" encoding="utf-8"?>
-<p:sld xmlns:a="http://schemas.openxmlformats.org/drawingml/2006/main" xmlns:r="http://schemas.openxmlformats.org/officeDocument/2006/relationships" xmlns:p="http://schemas.openxmlformats.org/presentationml/2006/main">
-  <p:cSld>
-    <p:spTree>
-      <p:nvGrpSpPr>
-        <p:cNvPr id="1" name=""/>
-        <p:cNvGrpSpPr/>
-        <p:nvPr/>
-      </p:nvGrpSpPr>
-      <p:grpSpPr>
-        <a:xfrm>
-          <a:off x="0" y="0"/>
-          <a:ext cx="0" cy="0"/>
-          <a:chOff x="0" y="0"/>
-          <a:chExt cx="0" cy="0"/>
-        </a:xfrm>
-      </p:grpSpPr>
-      <p:sp>
-        <p:nvSpPr>
-          <p:cNvPr id="2" name="Title 1">
-            <a:extLst>
-              <a:ext uri="{FF2B5EF4-FFF2-40B4-BE49-F238E27FC236}">
-                <a16:creationId xmlns:a16="http://schemas.microsoft.com/office/drawing/2014/main" id="{5567D468-EE70-CD4E-A3AC-039CC11EF1FB}"/>
-              </a:ext>
-            </a:extLst>
-          </p:cNvPr>
-          <p:cNvSpPr>
-            <a:spLocks noGrp="1"/>
-          </p:cNvSpPr>
-          <p:nvPr>
-            <p:ph type="title"/>
-          </p:nvPr>
-        </p:nvSpPr>
-        <p:spPr/>
-        <p:txBody>
-          <a:bodyPr/>
-          <a:lstStyle/>
-          <a:p>
-            <a:pPr lvl="0" marL="0" indent="0">
-              <a:buNone/>
-            </a:pPr>
-            <a:r>
-              <a:rPr/>
-              <a:t>Using</a:t>
-            </a:r>
-            <a:r>
-              <a:rPr/>
-              <a:t> </a:t>
-            </a:r>
-            <a:r>
-              <a:rPr/>
-              <a:t>the</a:t>
-            </a:r>
-            <a:r>
-              <a:rPr/>
-              <a:t> </a:t>
-            </a:r>
-            <a:r>
-              <a:rPr/>
-              <a:t>Source</a:t>
-            </a:r>
-          </a:p>
-        </p:txBody>
-      </p:sp>
-      <p:sp>
-        <p:nvSpPr>
-          <p:cNvPr id="3" name="Content Placeholder 2">
-            <a:extLst>
-              <a:ext uri="{FF2B5EF4-FFF2-40B4-BE49-F238E27FC236}">
-                <a16:creationId xmlns:a16="http://schemas.microsoft.com/office/drawing/2014/main" id="{D10DDA37-E46B-B641-BC9F-636CB92A2C08}"/>
-              </a:ext>
-            </a:extLst>
-          </p:cNvPr>
-          <p:cNvSpPr>
-            <a:spLocks noGrp="1"/>
-          </p:cNvSpPr>
-          <p:nvPr>
-            <p:ph idx="1"/>
-          </p:nvPr>
-        </p:nvSpPr>
-        <p:spPr/>
-        <p:txBody>
-          <a:bodyPr/>
-          <a:lstStyle/>
-          <a:p>
-            <a:pPr lvl="1"/>
-            <a:r>
-              <a:rPr/>
-              <a:t>Type </a:t>
-            </a:r>
-            <a:r>
-              <a:rPr sz="1800">
-                <a:latin typeface="Courier"/>
-              </a:rPr>
-              <a:t>2 + 2</a:t>
-            </a:r>
-            <a:r>
-              <a:rPr/>
-              <a:t>, then </a:t>
-            </a:r>
-            <a:r>
-              <a:rPr sz="1800">
-                <a:latin typeface="Courier"/>
-              </a:rPr>
-              <a:t>Enter</a:t>
-            </a:r>
-            <a:r>
-              <a:rPr/>
-              <a:t>.</a:t>
-            </a:r>
-          </a:p>
-          <a:p>
-            <a:pPr lvl="1"/>
-            <a:r>
-              <a:rPr/>
-              <a:t>What happens?</a:t>
-            </a:r>
-          </a:p>
-          <a:p>
-            <a:pPr lvl="1"/>
-            <a:r>
-              <a:rPr/>
-              <a:t>To ask R to run code</a:t>
-            </a:r>
-          </a:p>
-          <a:p>
-            <a:pPr lvl="1"/>
-            <a:r>
-              <a:rPr/>
-              <a:t>Highlight the code and:</a:t>
-            </a:r>
-          </a:p>
-          <a:p>
-            <a:pPr lvl="2"/>
-            <a:r>
-              <a:rPr/>
-              <a:t>MacOS: </a:t>
-            </a:r>
-            <a:r>
-              <a:rPr sz="1800">
-                <a:latin typeface="Courier"/>
-              </a:rPr>
-              <a:t>Cmd + Enter</a:t>
-            </a:r>
-          </a:p>
-          <a:p>
-            <a:pPr lvl="2"/>
-            <a:r>
-              <a:rPr/>
-              <a:t>Windows: </a:t>
-            </a:r>
-            <a:r>
-              <a:rPr sz="1800">
-                <a:latin typeface="Courier"/>
-              </a:rPr>
-              <a:t>Ctrl + Enter</a:t>
-            </a:r>
-          </a:p>
-          <a:p>
-            <a:pPr lvl="1"/>
-            <a:r>
-              <a:rPr/>
-              <a:t>Notice the output in the console.</a:t>
-            </a:r>
-          </a:p>
-        </p:txBody>
-      </p:sp>
-    </p:spTree>
-  </p:cSld>
-</p:sld>
-</file>
-
 <file path=ppt/slides/slide18.xml><?xml version="1.0" encoding="utf-8"?>
 <p:sld xmlns:a="http://schemas.openxmlformats.org/drawingml/2006/main" xmlns:r="http://schemas.openxmlformats.org/officeDocument/2006/relationships" xmlns:p="http://schemas.openxmlformats.org/presentationml/2006/main">
   <p:cSld>
@@ -6716,23 +6692,23 @@
             </a:pPr>
             <a:r>
               <a:rPr/>
-              <a:t>Saving</a:t>
-            </a:r>
-            <a:r>
-              <a:rPr/>
-              <a:t> </a:t>
-            </a:r>
-            <a:r>
-              <a:rPr/>
-              <a:t>your</a:t>
-            </a:r>
-            <a:r>
-              <a:rPr/>
-              <a:t> </a:t>
-            </a:r>
-            <a:r>
-              <a:rPr/>
-              <a:t>work</a:t>
+              <a:t>Using</a:t>
+            </a:r>
+            <a:r>
+              <a:rPr/>
+              <a:t> </a:t>
+            </a:r>
+            <a:r>
+              <a:rPr/>
+              <a:t>the</a:t>
+            </a:r>
+            <a:r>
+              <a:rPr/>
+              <a:t> </a:t>
+            </a:r>
+            <a:r>
+              <a:rPr/>
+              <a:t>Source</a:t>
             </a:r>
           </a:p>
         </p:txBody>
@@ -6761,90 +6737,81 @@
             <a:pPr lvl="1"/>
             <a:r>
               <a:rPr/>
-              <a:t>Click the </a:t>
-            </a:r>
-            <a:r>
-              <a:rPr sz="1800">
-                <a:latin typeface="Courier"/>
-              </a:rPr>
-              <a:t>save</a:t>
-            </a:r>
-            <a:r>
-              <a:rPr/>
-              <a:t> icon</a:t>
+              <a:t>Type </a:t>
+            </a:r>
+            <a:r>
+              <a:rPr sz="1800">
+                <a:latin typeface="Courier"/>
+              </a:rPr>
+              <a:t>2 + 2</a:t>
+            </a:r>
+            <a:r>
+              <a:rPr/>
+              <a:t>, then </a:t>
+            </a:r>
+            <a:r>
+              <a:rPr sz="1800">
+                <a:latin typeface="Courier"/>
+              </a:rPr>
+              <a:t>Enter</a:t>
+            </a:r>
+            <a:r>
+              <a:rPr/>
+              <a:t>.</a:t>
+            </a:r>
+          </a:p>
+          <a:p>
+            <a:pPr lvl="1"/>
+            <a:r>
+              <a:rPr/>
+              <a:t>What happens?</a:t>
+            </a:r>
+          </a:p>
+          <a:p>
+            <a:pPr lvl="1"/>
+            <a:r>
+              <a:rPr/>
+              <a:t>To ask R to run code</a:t>
+            </a:r>
+          </a:p>
+          <a:p>
+            <a:pPr lvl="1"/>
+            <a:r>
+              <a:rPr/>
+              <a:t>Highlight the code and:</a:t>
             </a:r>
           </a:p>
           <a:p>
             <a:pPr lvl="2"/>
             <a:r>
               <a:rPr/>
-              <a:t>Save the file under a meaningful name.</a:t>
+              <a:t>MacOS: </a:t>
+            </a:r>
+            <a:r>
+              <a:rPr sz="1800">
+                <a:latin typeface="Courier"/>
+              </a:rPr>
+              <a:t>Cmd + Enter</a:t>
             </a:r>
           </a:p>
           <a:p>
             <a:pPr lvl="2"/>
             <a:r>
               <a:rPr/>
-              <a:t>Save it somewhere you can find it again.</a:t>
-            </a:r>
-          </a:p>
-          <a:p>
-            <a:pPr lvl="2"/>
-            <a:r>
-              <a:rPr/>
-              <a:t>.R is the file extension for R scripts.</a:t>
+              <a:t>Windows: </a:t>
+            </a:r>
+            <a:r>
+              <a:rPr sz="1800">
+                <a:latin typeface="Courier"/>
+              </a:rPr>
+              <a:t>Ctrl + Enter</a:t>
             </a:r>
           </a:p>
           <a:p>
             <a:pPr lvl="1"/>
             <a:r>
               <a:rPr/>
-              <a:t>Close the Source window</a:t>
-            </a:r>
-          </a:p>
-          <a:p>
-            <a:pPr lvl="1"/>
-            <a:r>
-              <a:rPr/>
-              <a:t>Close R Studio</a:t>
-            </a:r>
-          </a:p>
-          <a:p>
-            <a:pPr lvl="1"/>
-            <a:r>
-              <a:rPr/>
-              <a:t>Restart R Studio and click the </a:t>
-            </a:r>
-            <a:r>
-              <a:rPr sz="1800">
-                <a:latin typeface="Courier"/>
-              </a:rPr>
-              <a:t>open</a:t>
-            </a:r>
-            <a:r>
-              <a:rPr/>
-              <a:t> icon</a:t>
-            </a:r>
-          </a:p>
-          <a:p>
-            <a:pPr lvl="1"/>
-            <a:r>
-              <a:rPr/>
-              <a:t>Find your file and open</a:t>
-            </a:r>
-          </a:p>
-          <a:p>
-            <a:pPr lvl="1"/>
-            <a:r>
-              <a:rPr/>
-              <a:t>Your code still there</a:t>
-            </a:r>
-          </a:p>
-          <a:p>
-            <a:pPr lvl="1"/>
-            <a:r>
-              <a:rPr/>
-              <a:t>You can run it again.</a:t>
+              <a:t>Notice the output in the console.</a:t>
             </a:r>
           </a:p>
         </p:txBody>
@@ -6897,23 +6864,23 @@
             </a:pPr>
             <a:r>
               <a:rPr/>
-              <a:t>R</a:t>
-            </a:r>
-            <a:r>
-              <a:rPr/>
-              <a:t> </a:t>
-            </a:r>
-            <a:r>
-              <a:rPr/>
-              <a:t>building</a:t>
-            </a:r>
-            <a:r>
-              <a:rPr/>
-              <a:t> </a:t>
-            </a:r>
-            <a:r>
-              <a:rPr/>
-              <a:t>blocks</a:t>
+              <a:t>Saving</a:t>
+            </a:r>
+            <a:r>
+              <a:rPr/>
+              <a:t> </a:t>
+            </a:r>
+            <a:r>
+              <a:rPr/>
+              <a:t>your</a:t>
+            </a:r>
+            <a:r>
+              <a:rPr/>
+              <a:t> </a:t>
+            </a:r>
+            <a:r>
+              <a:rPr/>
+              <a:t>work</a:t>
             </a:r>
           </a:p>
         </p:txBody>
@@ -6942,42 +6909,90 @@
             <a:pPr lvl="1"/>
             <a:r>
               <a:rPr/>
-              <a:t>Names</a:t>
+              <a:t>Click the </a:t>
+            </a:r>
+            <a:r>
+              <a:rPr sz="1800">
+                <a:latin typeface="Courier"/>
+              </a:rPr>
+              <a:t>save</a:t>
+            </a:r>
+            <a:r>
+              <a:rPr/>
+              <a:t> icon</a:t>
+            </a:r>
+          </a:p>
+          <a:p>
+            <a:pPr lvl="2"/>
+            <a:r>
+              <a:rPr/>
+              <a:t>Save the file under a meaningful name.</a:t>
+            </a:r>
+          </a:p>
+          <a:p>
+            <a:pPr lvl="2"/>
+            <a:r>
+              <a:rPr/>
+              <a:t>Save it somewhere you can find it again.</a:t>
+            </a:r>
+          </a:p>
+          <a:p>
+            <a:pPr lvl="2"/>
+            <a:r>
+              <a:rPr/>
+              <a:t>.R is the file extension for R scripts.</a:t>
             </a:r>
           </a:p>
           <a:p>
             <a:pPr lvl="1"/>
             <a:r>
               <a:rPr/>
-              <a:t>Data</a:t>
-            </a:r>
-          </a:p>
-          <a:p>
-            <a:pPr lvl="2"/>
-            <a:r>
-              <a:rPr/>
-              <a:t>Vectors</a:t>
-            </a:r>
-          </a:p>
-          <a:p>
-            <a:pPr lvl="2"/>
-            <a:r>
-              <a:rPr/>
-              <a:t>Data Frames</a:t>
+              <a:t>Close the Source window</a:t>
             </a:r>
           </a:p>
           <a:p>
             <a:pPr lvl="1"/>
             <a:r>
               <a:rPr/>
-              <a:t>Functions</a:t>
-            </a:r>
-          </a:p>
-          <a:p>
-            <a:pPr lvl="2"/>
-            <a:r>
-              <a:rPr/>
-              <a:t>Stored in packages</a:t>
+              <a:t>Close R Studio</a:t>
+            </a:r>
+          </a:p>
+          <a:p>
+            <a:pPr lvl="1"/>
+            <a:r>
+              <a:rPr/>
+              <a:t>Restart R Studio and click the </a:t>
+            </a:r>
+            <a:r>
+              <a:rPr sz="1800">
+                <a:latin typeface="Courier"/>
+              </a:rPr>
+              <a:t>open</a:t>
+            </a:r>
+            <a:r>
+              <a:rPr/>
+              <a:t> icon</a:t>
+            </a:r>
+          </a:p>
+          <a:p>
+            <a:pPr lvl="1"/>
+            <a:r>
+              <a:rPr/>
+              <a:t>Find your file and open</a:t>
+            </a:r>
+          </a:p>
+          <a:p>
+            <a:pPr lvl="1"/>
+            <a:r>
+              <a:rPr/>
+              <a:t>Your code still there</a:t>
+            </a:r>
+          </a:p>
+          <a:p>
+            <a:pPr lvl="1"/>
+            <a:r>
+              <a:rPr/>
+              <a:t>You can run it again.</a:t>
             </a:r>
           </a:p>
         </p:txBody>
@@ -7004,87 +7019,36 @@
           <a:chExt cx="0" cy="0"/>
         </a:xfrm>
       </p:grpSpPr>
-      <p:sp>
-        <p:nvSpPr>
-          <p:cNvPr id="2" name="Title 1">
-            <a:extLst>
-              <a:ext uri="{FF2B5EF4-FFF2-40B4-BE49-F238E27FC236}">
-                <a16:creationId xmlns:a16="http://schemas.microsoft.com/office/drawing/2014/main" id="{5567D468-EE70-CD4E-A3AC-039CC11EF1FB}"/>
-              </a:ext>
-            </a:extLst>
-          </p:cNvPr>
-          <p:cNvSpPr>
-            <a:spLocks noGrp="1"/>
-          </p:cNvSpPr>
-          <p:nvPr>
-            <p:ph type="title"/>
-          </p:nvPr>
-        </p:nvSpPr>
-        <p:spPr/>
-        <p:txBody>
-          <a:bodyPr/>
-          <a:lstStyle/>
-          <a:p>
-            <a:pPr lvl="0" marL="0" indent="0">
-              <a:buNone/>
-            </a:pPr>
-            <a:r>
-              <a:rPr/>
-              <a:t>Disclaimer</a:t>
-            </a:r>
-          </a:p>
-        </p:txBody>
-      </p:sp>
-      <p:sp>
-        <p:nvSpPr>
-          <p:cNvPr id="3" name="Content Placeholder 2">
-            <a:extLst>
-              <a:ext uri="{FF2B5EF4-FFF2-40B4-BE49-F238E27FC236}">
-                <a16:creationId xmlns:a16="http://schemas.microsoft.com/office/drawing/2014/main" id="{D10DDA37-E46B-B641-BC9F-636CB92A2C08}"/>
-              </a:ext>
-            </a:extLst>
-          </p:cNvPr>
-          <p:cNvSpPr>
-            <a:spLocks noGrp="1"/>
-          </p:cNvSpPr>
-          <p:nvPr>
-            <p:ph idx="1"/>
-          </p:nvPr>
-        </p:nvSpPr>
-        <p:spPr/>
-        <p:txBody>
-          <a:bodyPr/>
-          <a:lstStyle/>
-          <a:p>
-            <a:pPr lvl="1"/>
-            <a:r>
-              <a:rPr/>
-              <a:t>Much of the following material can be sourced from open access resources</a:t>
-            </a:r>
-          </a:p>
-          <a:p>
-            <a:pPr lvl="2"/>
-            <a:r>
-              <a:rPr/>
-              <a:t>Software Carpentry</a:t>
-            </a:r>
-          </a:p>
-          <a:p>
-            <a:pPr lvl="2"/>
-            <a:r>
-              <a:rPr/>
-              <a:t>Stack Overflow</a:t>
-            </a:r>
-          </a:p>
-          <a:p>
-            <a:pPr lvl="1"/>
-            <a:r>
-              <a:rPr/>
-              <a:t>Initially collated by members of the DataSciBC (www.datascibc.org)</a:t>
-            </a:r>
-          </a:p>
-        </p:txBody>
-      </p:sp>
+      <p:pic>
+        <p:nvPicPr>
+          <p:cNvPr descr="Images/Clinician%20Coders%20Branding_FINAL_CMYK_Colour.png" id="0" name="Picture 1"/>
+          <p:cNvPicPr>
+            <a:picLocks noGrp="1" noChangeAspect="1"/>
+          </p:cNvPicPr>
+          <p:nvPr/>
+        </p:nvPicPr>
+        <p:blipFill>
+          <a:blip r:embed="rId2"/>
+          <a:stretch>
+            <a:fillRect/>
+          </a:stretch>
+        </p:blipFill>
+        <p:spPr bwMode="auto">
+          <a:xfrm>
+            <a:off x="838200" y="2260600"/>
+            <a:ext cx="10515600" cy="3454400"/>
+          </a:xfrm>
+          <a:prstGeom prst="rect">
+            <a:avLst/>
+          </a:prstGeom>
+          <a:noFill/>
+          <a:ln w="9525">
+            <a:noFill/>
+            <a:headEnd/>
+            <a:tailEnd/>
+          </a:ln>
+        </p:spPr>
+      </p:pic>
     </p:spTree>
   </p:cSld>
 </p:sld>
@@ -7133,31 +7097,23 @@
             </a:pPr>
             <a:r>
               <a:rPr/>
-              <a:t>3</a:t>
-            </a:r>
-            <a:r>
-              <a:rPr/>
-              <a:t> </a:t>
-            </a:r>
-            <a:r>
-              <a:rPr/>
-              <a:t>Main</a:t>
-            </a:r>
-            <a:r>
-              <a:rPr/>
-              <a:t> </a:t>
-            </a:r>
-            <a:r>
-              <a:rPr/>
-              <a:t>Building</a:t>
-            </a:r>
-            <a:r>
-              <a:rPr/>
-              <a:t> </a:t>
-            </a:r>
-            <a:r>
-              <a:rPr/>
-              <a:t>Blocks</a:t>
+              <a:t>R</a:t>
+            </a:r>
+            <a:r>
+              <a:rPr/>
+              <a:t> </a:t>
+            </a:r>
+            <a:r>
+              <a:rPr/>
+              <a:t>building</a:t>
+            </a:r>
+            <a:r>
+              <a:rPr/>
+              <a:t> </a:t>
+            </a:r>
+            <a:r>
+              <a:rPr/>
+              <a:t>blocks</a:t>
             </a:r>
           </a:p>
         </p:txBody>
@@ -7190,66 +7146,38 @@
             </a:r>
           </a:p>
           <a:p>
+            <a:pPr lvl="1"/>
+            <a:r>
+              <a:rPr/>
+              <a:t>Data</a:t>
+            </a:r>
+          </a:p>
+          <a:p>
             <a:pPr lvl="2"/>
             <a:r>
               <a:rPr/>
-              <a:t>Everything needs a name in R: tables, plots, data files</a:t>
+              <a:t>Vectors</a:t>
+            </a:r>
+          </a:p>
+          <a:p>
+            <a:pPr lvl="2"/>
+            <a:r>
+              <a:rPr/>
+              <a:t>Data Frames</a:t>
             </a:r>
           </a:p>
           <a:p>
             <a:pPr lvl="1"/>
             <a:r>
               <a:rPr/>
-              <a:t>Data</a:t>
+              <a:t>Functions</a:t>
             </a:r>
           </a:p>
           <a:p>
             <a:pPr lvl="2"/>
             <a:r>
               <a:rPr/>
-              <a:t>Data comes in different forms: Real Numbers/Counting Numbers/Characters etc.</a:t>
-            </a:r>
-          </a:p>
-          <a:p>
-            <a:pPr lvl="2"/>
-            <a:r>
-              <a:rPr/>
-              <a:t>Data is stored in vectors</a:t>
-            </a:r>
-          </a:p>
-          <a:p>
-            <a:pPr lvl="2"/>
-            <a:r>
-              <a:rPr/>
-              <a:t>Vectors are stored in data frames</a:t>
-            </a:r>
-          </a:p>
-          <a:p>
-            <a:pPr lvl="1"/>
-            <a:r>
-              <a:rPr/>
-              <a:t>Functions</a:t>
-            </a:r>
-          </a:p>
-          <a:p>
-            <a:pPr lvl="2"/>
-            <a:r>
-              <a:rPr/>
-              <a:t>Little factories</a:t>
-            </a:r>
-          </a:p>
-          <a:p>
-            <a:pPr lvl="2"/>
-            <a:r>
-              <a:rPr/>
-              <a:t>Take an input (raw material) use function (factory) get an output (product)</a:t>
-            </a:r>
-          </a:p>
-          <a:p>
-            <a:pPr lvl="2"/>
-            <a:r>
-              <a:rPr/>
-              <a:t>Functions are collated into packages</a:t>
+              <a:t>Stored in packages</a:t>
             </a:r>
           </a:p>
         </p:txBody>
@@ -7302,202 +7230,123 @@
             </a:pPr>
             <a:r>
               <a:rPr/>
+              <a:t>3</a:t>
+            </a:r>
+            <a:r>
+              <a:rPr/>
+              <a:t> </a:t>
+            </a:r>
+            <a:r>
+              <a:rPr/>
+              <a:t>Main</a:t>
+            </a:r>
+            <a:r>
+              <a:rPr/>
+              <a:t> </a:t>
+            </a:r>
+            <a:r>
+              <a:rPr/>
+              <a:t>Building</a:t>
+            </a:r>
+            <a:r>
+              <a:rPr/>
+              <a:t> </a:t>
+            </a:r>
+            <a:r>
+              <a:rPr/>
+              <a:t>Blocks</a:t>
+            </a:r>
+          </a:p>
+        </p:txBody>
+      </p:sp>
+      <p:sp>
+        <p:nvSpPr>
+          <p:cNvPr id="3" name="Content Placeholder 2">
+            <a:extLst>
+              <a:ext uri="{FF2B5EF4-FFF2-40B4-BE49-F238E27FC236}">
+                <a16:creationId xmlns:a16="http://schemas.microsoft.com/office/drawing/2014/main" id="{D10DDA37-E46B-B641-BC9F-636CB92A2C08}"/>
+              </a:ext>
+            </a:extLst>
+          </p:cNvPr>
+          <p:cNvSpPr>
+            <a:spLocks noGrp="1"/>
+          </p:cNvSpPr>
+          <p:nvPr>
+            <p:ph idx="1"/>
+          </p:nvPr>
+        </p:nvSpPr>
+        <p:spPr/>
+        <p:txBody>
+          <a:bodyPr/>
+          <a:lstStyle/>
+          <a:p>
+            <a:pPr lvl="1"/>
+            <a:r>
+              <a:rPr/>
               <a:t>Names</a:t>
             </a:r>
           </a:p>
-        </p:txBody>
-      </p:sp>
-      <p:sp>
-        <p:nvSpPr>
-          <p:cNvPr id="3" name="Content Placeholder 2">
-            <a:extLst>
-              <a:ext uri="{FF2B5EF4-FFF2-40B4-BE49-F238E27FC236}">
-                <a16:creationId xmlns:a16="http://schemas.microsoft.com/office/drawing/2014/main" id="{D10DDA37-E46B-B641-BC9F-636CB92A2C08}"/>
-              </a:ext>
-            </a:extLst>
-          </p:cNvPr>
-          <p:cNvSpPr>
-            <a:spLocks noGrp="1"/>
-          </p:cNvSpPr>
-          <p:nvPr>
-            <p:ph idx="1"/>
-          </p:nvPr>
-        </p:nvSpPr>
-        <p:spPr/>
-        <p:txBody>
-          <a:bodyPr/>
-          <a:lstStyle/>
+          <a:p>
+            <a:pPr lvl="2"/>
+            <a:r>
+              <a:rPr/>
+              <a:t>Everything needs a name in R: tables, plots, data files</a:t>
+            </a:r>
+          </a:p>
           <a:p>
             <a:pPr lvl="1"/>
             <a:r>
               <a:rPr/>
-              <a:t>You assign names to objects in R.</a:t>
+              <a:t>Data</a:t>
+            </a:r>
+          </a:p>
+          <a:p>
+            <a:pPr lvl="2"/>
+            <a:r>
+              <a:rPr/>
+              <a:t>Data comes in different forms: Real Numbers/Counting Numbers/Characters etc.</a:t>
+            </a:r>
+          </a:p>
+          <a:p>
+            <a:pPr lvl="2"/>
+            <a:r>
+              <a:rPr/>
+              <a:t>Data is stored in vectors</a:t>
+            </a:r>
+          </a:p>
+          <a:p>
+            <a:pPr lvl="2"/>
+            <a:r>
+              <a:rPr/>
+              <a:t>Vectors are stored in data frames</a:t>
             </a:r>
           </a:p>
           <a:p>
             <a:pPr lvl="1"/>
             <a:r>
               <a:rPr/>
-              <a:t>This is the assignment operator </a:t>
-            </a:r>
-            <a:r>
-              <a:rPr sz="1800">
-                <a:latin typeface="Courier"/>
-              </a:rPr>
-              <a:t>&lt;-</a:t>
-            </a:r>
-          </a:p>
-          <a:p>
-            <a:pPr lvl="1"/>
-            <a:r>
-              <a:rPr/>
-              <a:t>Shortcut:</a:t>
+              <a:t>Functions</a:t>
             </a:r>
           </a:p>
           <a:p>
             <a:pPr lvl="2"/>
             <a:r>
               <a:rPr/>
-              <a:t>Mac OSX: </a:t>
-            </a:r>
-            <a:r>
-              <a:rPr sz="1800">
-                <a:latin typeface="Courier"/>
-              </a:rPr>
-              <a:t>Option + -</a:t>
+              <a:t>Little factories</a:t>
             </a:r>
           </a:p>
           <a:p>
             <a:pPr lvl="2"/>
             <a:r>
               <a:rPr/>
-              <a:t>Windows: </a:t>
-            </a:r>
-            <a:r>
-              <a:rPr sz="1800">
-                <a:latin typeface="Courier"/>
-              </a:rPr>
-              <a:t>Alt + -</a:t>
-            </a:r>
-          </a:p>
-          <a:p>
-            <a:pPr lvl="1"/>
-            <a:r>
-              <a:rPr/>
-              <a:t>Return the stored value by typing the name.</a:t>
-            </a:r>
-          </a:p>
-          <a:p>
-            <a:pPr lvl="0" marL="1270000" indent="0">
-              <a:buNone/>
-            </a:pPr>
-            <a:r>
-              <a:rPr sz="1800">
-                <a:latin typeface="Courier"/>
-              </a:rPr>
-              <a:t>practice &lt;-</a:t>
-            </a:r>
-            <a:r>
-              <a:rPr sz="1800">
-                <a:solidFill>
-                  <a:srgbClr val="4070A0"/>
-                </a:solidFill>
-                <a:latin typeface="Courier"/>
-              </a:rPr>
-              <a:t> </a:t>
-            </a:r>
-            <a:r>
-              <a:rPr sz="1800">
-                <a:solidFill>
-                  <a:srgbClr val="40A070"/>
-                </a:solidFill>
-                <a:latin typeface="Courier"/>
-              </a:rPr>
-              <a:t>2</a:t>
-            </a:r>
-            <a:r>
-              <a:rPr sz="1800">
-                <a:latin typeface="Courier"/>
-              </a:rPr>
-              <a:t> </a:t>
-            </a:r>
-            <a:r>
-              <a:rPr sz="1800">
-                <a:solidFill>
-                  <a:srgbClr val="666666"/>
-                </a:solidFill>
-                <a:latin typeface="Courier"/>
-              </a:rPr>
-              <a:t>+</a:t>
-            </a:r>
-            <a:r>
-              <a:rPr sz="1800">
-                <a:solidFill>
-                  <a:srgbClr val="4070A0"/>
-                </a:solidFill>
-                <a:latin typeface="Courier"/>
-              </a:rPr>
-              <a:t> </a:t>
-            </a:r>
-            <a:r>
-              <a:rPr sz="1800">
-                <a:solidFill>
-                  <a:srgbClr val="40A070"/>
-                </a:solidFill>
-                <a:latin typeface="Courier"/>
-              </a:rPr>
-              <a:t>2</a:t>
-            </a:r>
-            <a:r>
-              <a:rPr sz="1800">
-                <a:latin typeface="Courier"/>
-              </a:rPr>
-              <a:t> </a:t>
-            </a:r>
-            <a:r>
-              <a:rPr sz="1800">
-                <a:solidFill>
-                  <a:srgbClr val="666666"/>
-                </a:solidFill>
-                <a:latin typeface="Courier"/>
-              </a:rPr>
-              <a:t>+</a:t>
-            </a:r>
-            <a:r>
-              <a:rPr sz="1800">
-                <a:solidFill>
-                  <a:srgbClr val="4070A0"/>
-                </a:solidFill>
-                <a:latin typeface="Courier"/>
-              </a:rPr>
-              <a:t> </a:t>
-            </a:r>
-            <a:r>
-              <a:rPr sz="1800">
-                <a:solidFill>
-                  <a:srgbClr val="40A070"/>
-                </a:solidFill>
-                <a:latin typeface="Courier"/>
-              </a:rPr>
-              <a:t>6</a:t>
-            </a:r>
-            <a:br/>
-            <a:r>
-              <a:rPr sz="1800">
-                <a:latin typeface="Courier"/>
-              </a:rPr>
-              <a:t>practice</a:t>
-            </a:r>
-          </a:p>
-          <a:p>
-            <a:pPr lvl="0" marL="1270000" indent="0">
-              <a:buNone/>
-            </a:pPr>
-            <a:r>
-              <a:rPr sz="1800">
-                <a:latin typeface="Courier"/>
-              </a:rPr>
-              <a:t>## [1] 10</a:t>
+              <a:t>Take an input (raw material) use function (factory) get an output (product)</a:t>
+            </a:r>
+          </a:p>
+          <a:p>
+            <a:pPr lvl="2"/>
+            <a:r>
+              <a:rPr/>
+              <a:t>Functions are collated into packages</a:t>
             </a:r>
           </a:p>
         </p:txBody>
@@ -7579,14 +7428,60 @@
             <a:pPr lvl="1"/>
             <a:r>
               <a:rPr/>
-              <a:t>You can store any object under a name.</a:t>
+              <a:t>You assign names to objects in R.</a:t>
             </a:r>
           </a:p>
           <a:p>
             <a:pPr lvl="1"/>
             <a:r>
               <a:rPr/>
-              <a:t>This example stores a string. You need to use quote marks to assign it.</a:t>
+              <a:t>This is the assignment operator </a:t>
+            </a:r>
+            <a:r>
+              <a:rPr sz="1800">
+                <a:latin typeface="Courier"/>
+              </a:rPr>
+              <a:t>&lt;-</a:t>
+            </a:r>
+          </a:p>
+          <a:p>
+            <a:pPr lvl="1"/>
+            <a:r>
+              <a:rPr/>
+              <a:t>Shortcut:</a:t>
+            </a:r>
+          </a:p>
+          <a:p>
+            <a:pPr lvl="2"/>
+            <a:r>
+              <a:rPr/>
+              <a:t>Mac OSX: </a:t>
+            </a:r>
+            <a:r>
+              <a:rPr sz="1800">
+                <a:latin typeface="Courier"/>
+              </a:rPr>
+              <a:t>Option + -</a:t>
+            </a:r>
+          </a:p>
+          <a:p>
+            <a:pPr lvl="2"/>
+            <a:r>
+              <a:rPr/>
+              <a:t>Windows: </a:t>
+            </a:r>
+            <a:r>
+              <a:rPr sz="1800">
+                <a:latin typeface="Courier"/>
+              </a:rPr>
+              <a:t>Alt + -</a:t>
+            </a:r>
+          </a:p>
+          <a:p>
+            <a:pPr lvl="1"/>
+            <a:r>
+              <a:rPr/>
+              <a:t>Return the stored value by typing the name.</a:t>
             </a:r>
           </a:p>
           <a:p>
@@ -7597,7 +7492,7 @@
               <a:rPr sz="1800">
                 <a:latin typeface="Courier"/>
               </a:rPr>
-              <a:t>say_hello &lt;-</a:t>
+              <a:t>practice &lt;-</a:t>
             </a:r>
             <a:r>
               <a:rPr sz="1800">
@@ -7606,49 +7501,31 @@
                 </a:solidFill>
                 <a:latin typeface="Courier"/>
               </a:rPr>
-              <a:t> "hello"</a:t>
-            </a:r>
-            <a:r>
-              <a:rPr sz="1800">
-                <a:latin typeface="Courier"/>
-              </a:rPr>
-              <a:t> </a:t>
-            </a:r>
-            <a:br/>
-            <a:r>
-              <a:rPr sz="1800">
-                <a:latin typeface="Courier"/>
-              </a:rPr>
-              <a:t>say_hello</a:t>
-            </a:r>
-          </a:p>
-          <a:p>
-            <a:pPr lvl="0" marL="1270000" indent="0">
-              <a:buNone/>
-            </a:pPr>
-            <a:r>
-              <a:rPr sz="1800">
-                <a:latin typeface="Courier"/>
-              </a:rPr>
-              <a:t>## [1] "hello"</a:t>
-            </a:r>
-          </a:p>
-          <a:p>
-            <a:pPr lvl="1"/>
-            <a:r>
-              <a:rPr/>
-              <a:t>Note that R does not like spaces in names.</a:t>
-            </a:r>
-          </a:p>
-          <a:p>
-            <a:pPr lvl="0" marL="1270000" indent="0">
-              <a:buNone/>
-            </a:pPr>
-            <a:r>
-              <a:rPr sz="1800">
-                <a:latin typeface="Courier"/>
-              </a:rPr>
-              <a:t>say hello &lt;-</a:t>
+              <a:t> </a:t>
+            </a:r>
+            <a:r>
+              <a:rPr sz="1800">
+                <a:solidFill>
+                  <a:srgbClr val="40A070"/>
+                </a:solidFill>
+                <a:latin typeface="Courier"/>
+              </a:rPr>
+              <a:t>2</a:t>
+            </a:r>
+            <a:r>
+              <a:rPr sz="1800">
+                <a:latin typeface="Courier"/>
+              </a:rPr>
+              <a:t> </a:t>
+            </a:r>
+            <a:r>
+              <a:rPr sz="1800">
+                <a:solidFill>
+                  <a:srgbClr val="666666"/>
+                </a:solidFill>
+                <a:latin typeface="Courier"/>
+              </a:rPr>
+              <a:t>+</a:t>
             </a:r>
             <a:r>
               <a:rPr sz="1800">
@@ -7657,7 +7534,56 @@
                 </a:solidFill>
                 <a:latin typeface="Courier"/>
               </a:rPr>
-              <a:t> "hello"</a:t>
+              <a:t> </a:t>
+            </a:r>
+            <a:r>
+              <a:rPr sz="1800">
+                <a:solidFill>
+                  <a:srgbClr val="40A070"/>
+                </a:solidFill>
+                <a:latin typeface="Courier"/>
+              </a:rPr>
+              <a:t>2</a:t>
+            </a:r>
+            <a:r>
+              <a:rPr sz="1800">
+                <a:latin typeface="Courier"/>
+              </a:rPr>
+              <a:t> </a:t>
+            </a:r>
+            <a:r>
+              <a:rPr sz="1800">
+                <a:solidFill>
+                  <a:srgbClr val="666666"/>
+                </a:solidFill>
+                <a:latin typeface="Courier"/>
+              </a:rPr>
+              <a:t>+</a:t>
+            </a:r>
+            <a:r>
+              <a:rPr sz="1800">
+                <a:solidFill>
+                  <a:srgbClr val="4070A0"/>
+                </a:solidFill>
+                <a:latin typeface="Courier"/>
+              </a:rPr>
+              <a:t> </a:t>
+            </a:r>
+            <a:r>
+              <a:rPr sz="1800">
+                <a:solidFill>
+                  <a:srgbClr val="40A070"/>
+                </a:solidFill>
+                <a:latin typeface="Courier"/>
+              </a:rPr>
+              <a:t>6</a:t>
+            </a:r>
+            <a:br/>
+            <a:r>
+              <a:rPr sz="1800">
+                <a:latin typeface="Courier"/>
+              </a:rPr>
+              <a:t>practice</a:t>
             </a:r>
           </a:p>
           <a:p>
@@ -7668,9 +7594,7 @@
               <a:rPr sz="1800">
                 <a:latin typeface="Courier"/>
               </a:rPr>
-              <a:t>## Error: &lt;text&gt;:1:5: unexpected symbol
-## 1: say hello
-##         ^</a:t>
+              <a:t>## [1] 10</a:t>
             </a:r>
           </a:p>
         </p:txBody>
@@ -7723,7 +7647,7 @@
             </a:pPr>
             <a:r>
               <a:rPr/>
-              <a:t>Data</a:t>
+              <a:t>Names</a:t>
             </a:r>
           </a:p>
         </p:txBody>
@@ -7752,35 +7676,92 @@
             <a:pPr lvl="1"/>
             <a:r>
               <a:rPr/>
-              <a:t>R is a statistical computing language</a:t>
+              <a:t>You can store any object under a name.</a:t>
             </a:r>
           </a:p>
           <a:p>
             <a:pPr lvl="1"/>
             <a:r>
               <a:rPr/>
-              <a:t>It is built around an understanding of data</a:t>
+              <a:t>This example stores a string. You need to use quote marks to assign it.</a:t>
+            </a:r>
+          </a:p>
+          <a:p>
+            <a:pPr lvl="0" marL="1270000" indent="0">
+              <a:buNone/>
+            </a:pPr>
+            <a:r>
+              <a:rPr sz="1800">
+                <a:latin typeface="Courier"/>
+              </a:rPr>
+              <a:t>say_hello &lt;-</a:t>
+            </a:r>
+            <a:r>
+              <a:rPr sz="1800">
+                <a:solidFill>
+                  <a:srgbClr val="4070A0"/>
+                </a:solidFill>
+                <a:latin typeface="Courier"/>
+              </a:rPr>
+              <a:t> "hello"</a:t>
+            </a:r>
+            <a:br/>
+            <a:r>
+              <a:rPr sz="1800">
+                <a:latin typeface="Courier"/>
+              </a:rPr>
+              <a:t>say_hello</a:t>
+            </a:r>
+          </a:p>
+          <a:p>
+            <a:pPr lvl="0" marL="1270000" indent="0">
+              <a:buNone/>
+            </a:pPr>
+            <a:r>
+              <a:rPr sz="1800">
+                <a:latin typeface="Courier"/>
+              </a:rPr>
+              <a:t>## [1] "hello"</a:t>
             </a:r>
           </a:p>
           <a:p>
             <a:pPr lvl="1"/>
             <a:r>
               <a:rPr/>
-              <a:t>Statistics uses:</a:t>
-            </a:r>
-          </a:p>
-          <a:p>
-            <a:pPr lvl="2"/>
-            <a:r>
-              <a:rPr/>
-              <a:t>Vectors</a:t>
-            </a:r>
-          </a:p>
-          <a:p>
-            <a:pPr lvl="2"/>
-            <a:r>
-              <a:rPr/>
-              <a:t>Data frames</a:t>
+              <a:t>Note that R does not like spaces in names.</a:t>
+            </a:r>
+          </a:p>
+          <a:p>
+            <a:pPr lvl="0" marL="1270000" indent="0">
+              <a:buNone/>
+            </a:pPr>
+            <a:r>
+              <a:rPr sz="1800">
+                <a:latin typeface="Courier"/>
+              </a:rPr>
+              <a:t>say hello &lt;-</a:t>
+            </a:r>
+            <a:r>
+              <a:rPr sz="1800">
+                <a:solidFill>
+                  <a:srgbClr val="4070A0"/>
+                </a:solidFill>
+                <a:latin typeface="Courier"/>
+              </a:rPr>
+              <a:t> "hello"</a:t>
+            </a:r>
+          </a:p>
+          <a:p>
+            <a:pPr lvl="0" marL="1270000" indent="0">
+              <a:buNone/>
+            </a:pPr>
+            <a:r>
+              <a:rPr sz="1800">
+                <a:latin typeface="Courier"/>
+              </a:rPr>
+              <a:t>## Error: &lt;text&gt;:1:5: unexpected symbol
+## 1: say hello
+##         ^</a:t>
             </a:r>
           </a:p>
         </p:txBody>
@@ -7833,108 +7814,64 @@
             </a:pPr>
             <a:r>
               <a:rPr/>
+              <a:t>Data</a:t>
+            </a:r>
+          </a:p>
+        </p:txBody>
+      </p:sp>
+      <p:sp>
+        <p:nvSpPr>
+          <p:cNvPr id="3" name="Content Placeholder 2">
+            <a:extLst>
+              <a:ext uri="{FF2B5EF4-FFF2-40B4-BE49-F238E27FC236}">
+                <a16:creationId xmlns:a16="http://schemas.microsoft.com/office/drawing/2014/main" id="{D10DDA37-E46B-B641-BC9F-636CB92A2C08}"/>
+              </a:ext>
+            </a:extLst>
+          </p:cNvPr>
+          <p:cNvSpPr>
+            <a:spLocks noGrp="1"/>
+          </p:cNvSpPr>
+          <p:nvPr>
+            <p:ph idx="1"/>
+          </p:nvPr>
+        </p:nvSpPr>
+        <p:spPr/>
+        <p:txBody>
+          <a:bodyPr/>
+          <a:lstStyle/>
+          <a:p>
+            <a:pPr lvl="1"/>
+            <a:r>
+              <a:rPr/>
+              <a:t>R is a statistical computing language</a:t>
+            </a:r>
+          </a:p>
+          <a:p>
+            <a:pPr lvl="1"/>
+            <a:r>
+              <a:rPr/>
+              <a:t>It is built around an understanding of data</a:t>
+            </a:r>
+          </a:p>
+          <a:p>
+            <a:pPr lvl="1"/>
+            <a:r>
+              <a:rPr/>
+              <a:t>Statistics uses:</a:t>
+            </a:r>
+          </a:p>
+          <a:p>
+            <a:pPr lvl="2"/>
+            <a:r>
+              <a:rPr/>
               <a:t>Vectors</a:t>
             </a:r>
           </a:p>
-        </p:txBody>
-      </p:sp>
-      <p:sp>
-        <p:nvSpPr>
-          <p:cNvPr id="3" name="Content Placeholder 2">
-            <a:extLst>
-              <a:ext uri="{FF2B5EF4-FFF2-40B4-BE49-F238E27FC236}">
-                <a16:creationId xmlns:a16="http://schemas.microsoft.com/office/drawing/2014/main" id="{D10DDA37-E46B-B641-BC9F-636CB92A2C08}"/>
-              </a:ext>
-            </a:extLst>
-          </p:cNvPr>
-          <p:cNvSpPr>
-            <a:spLocks noGrp="1"/>
-          </p:cNvSpPr>
-          <p:nvPr>
-            <p:ph idx="1"/>
-          </p:nvPr>
-        </p:nvSpPr>
-        <p:spPr/>
-        <p:txBody>
-          <a:bodyPr/>
-          <a:lstStyle/>
-          <a:p>
-            <a:pPr lvl="1"/>
-            <a:r>
-              <a:rPr/>
-              <a:t>A vector contains elements of the same datatype.</a:t>
-            </a:r>
-          </a:p>
           <a:p>
             <a:pPr lvl="2"/>
             <a:r>
               <a:rPr/>
-              <a:t>A vector of integers - an example would be age</a:t>
-            </a:r>
-          </a:p>
-          <a:p>
-            <a:pPr lvl="0" marL="1270000" indent="0">
-              <a:buNone/>
-            </a:pPr>
-            <a:r>
-              <a:rPr sz="1800">
-                <a:latin typeface="Courier"/>
-              </a:rPr>
-              <a:t>## [1] 50 25 32 67 46 19 48</a:t>
-            </a:r>
-          </a:p>
-          <a:p>
-            <a:pPr lvl="2"/>
-            <a:r>
-              <a:rPr/>
-              <a:t>A vector of real numbers - an example would be temperature.</a:t>
-            </a:r>
-          </a:p>
-          <a:p>
-            <a:pPr lvl="0" marL="1270000" indent="0">
-              <a:buNone/>
-            </a:pPr>
-            <a:r>
-              <a:rPr sz="1800">
-                <a:latin typeface="Courier"/>
-              </a:rPr>
-              <a:t>## [1] 37.5 37.1 37.3 38.3 37.4 38.9</a:t>
-            </a:r>
-          </a:p>
-          <a:p>
-            <a:pPr lvl="2"/>
-            <a:r>
-              <a:rPr/>
-              <a:t>A vector of characters - an example would be name.</a:t>
-            </a:r>
-          </a:p>
-          <a:p>
-            <a:pPr lvl="0" marL="1270000" indent="0">
-              <a:buNone/>
-            </a:pPr>
-            <a:r>
-              <a:rPr sz="1800">
-                <a:latin typeface="Courier"/>
-              </a:rPr>
-              <a:t>## [1] "Adam"  "Sally" "Eve"   "John"  "James"</a:t>
-            </a:r>
-          </a:p>
-          <a:p>
-            <a:pPr lvl="2"/>
-            <a:r>
-              <a:rPr/>
-              <a:t>A vector of logicals - an example would be ‘are the blood results avaiblable?’</a:t>
-            </a:r>
-          </a:p>
-          <a:p>
-            <a:pPr lvl="0" marL="1270000" indent="0">
-              <a:buNone/>
-            </a:pPr>
-            <a:r>
-              <a:rPr sz="1800">
-                <a:latin typeface="Courier"/>
-              </a:rPr>
-              <a:t>## [1]  TRUE FALSE FALSE  TRUE  TRUE</a:t>
+              <a:t>Data frames</a:t>
             </a:r>
           </a:p>
         </p:txBody>
@@ -7987,15 +7924,7 @@
             </a:pPr>
             <a:r>
               <a:rPr/>
-              <a:t>Naming</a:t>
-            </a:r>
-            <a:r>
-              <a:rPr/>
-              <a:t> </a:t>
-            </a:r>
-            <a:r>
-              <a:rPr/>
-              <a:t>vectors.</a:t>
+              <a:t>Vectors</a:t>
             </a:r>
           </a:p>
         </p:txBody>
@@ -8021,22 +7950,35 @@
           <a:bodyPr/>
           <a:lstStyle/>
           <a:p>
-            <a:pPr lvl="0" marL="0" indent="0">
+            <a:pPr lvl="1"/>
+            <a:r>
+              <a:rPr/>
+              <a:t>A vector contains elements of the same datatype.</a:t>
+            </a:r>
+          </a:p>
+          <a:p>
+            <a:pPr lvl="2"/>
+            <a:r>
+              <a:rPr/>
+              <a:t>A vector of integers - an example would be age</a:t>
+            </a:r>
+          </a:p>
+          <a:p>
+            <a:pPr lvl="0" marL="1270000" indent="0">
               <a:buNone/>
             </a:pPr>
             <a:r>
-              <a:rPr/>
-              <a:t>The </a:t>
-            </a:r>
-            <a:r>
-              <a:rPr sz="1800">
-                <a:latin typeface="Courier"/>
-              </a:rPr>
-              <a:t>c()</a:t>
-            </a:r>
-            <a:r>
-              <a:rPr/>
-              <a:t> function combines individual values into a single vector.</a:t>
+              <a:rPr sz="1800">
+                <a:latin typeface="Courier"/>
+              </a:rPr>
+              <a:t>## [1] 50 25 32 67 46 19 48</a:t>
+            </a:r>
+          </a:p>
+          <a:p>
+            <a:pPr lvl="2"/>
+            <a:r>
+              <a:rPr/>
+              <a:t>A vector of real numbers - an example would be temperature.</a:t>
             </a:r>
           </a:p>
           <a:p>
@@ -8044,141 +7986,17 @@
               <a:buNone/>
             </a:pPr>
             <a:r>
-              <a:rPr sz="1800" i="1">
-                <a:solidFill>
-                  <a:srgbClr val="60A0B0"/>
-                </a:solidFill>
-                <a:latin typeface="Courier"/>
-              </a:rPr>
-              <a:t># Storing several ages in one vector.</a:t>
-            </a:r>
-            <a:br/>
-            <a:r>
-              <a:rPr sz="1800">
-                <a:latin typeface="Courier"/>
-              </a:rPr>
-              <a:t>age &lt;-</a:t>
-            </a:r>
-            <a:r>
-              <a:rPr sz="1800">
-                <a:solidFill>
-                  <a:srgbClr val="4070A0"/>
-                </a:solidFill>
-                <a:latin typeface="Courier"/>
-              </a:rPr>
-              <a:t> </a:t>
-            </a:r>
-            <a:r>
-              <a:rPr sz="1800" b="1">
-                <a:solidFill>
-                  <a:srgbClr val="007020"/>
-                </a:solidFill>
-                <a:latin typeface="Courier"/>
-              </a:rPr>
-              <a:t>c</a:t>
-            </a:r>
-            <a:r>
-              <a:rPr sz="1800">
-                <a:latin typeface="Courier"/>
-              </a:rPr>
-              <a:t>(</a:t>
-            </a:r>
-            <a:r>
-              <a:rPr sz="1800">
-                <a:solidFill>
-                  <a:srgbClr val="40A070"/>
-                </a:solidFill>
-                <a:latin typeface="Courier"/>
-              </a:rPr>
-              <a:t>50</a:t>
-            </a:r>
-            <a:r>
-              <a:rPr sz="1800">
-                <a:latin typeface="Courier"/>
-              </a:rPr>
-              <a:t>, </a:t>
-            </a:r>
-            <a:r>
-              <a:rPr sz="1800">
-                <a:solidFill>
-                  <a:srgbClr val="40A070"/>
-                </a:solidFill>
-                <a:latin typeface="Courier"/>
-              </a:rPr>
-              <a:t>25</a:t>
-            </a:r>
-            <a:r>
-              <a:rPr sz="1800">
-                <a:latin typeface="Courier"/>
-              </a:rPr>
-              <a:t>, </a:t>
-            </a:r>
-            <a:r>
-              <a:rPr sz="1800">
-                <a:solidFill>
-                  <a:srgbClr val="40A070"/>
-                </a:solidFill>
-                <a:latin typeface="Courier"/>
-              </a:rPr>
-              <a:t>32</a:t>
-            </a:r>
-            <a:r>
-              <a:rPr sz="1800">
-                <a:latin typeface="Courier"/>
-              </a:rPr>
-              <a:t>, </a:t>
-            </a:r>
-            <a:r>
-              <a:rPr sz="1800">
-                <a:solidFill>
-                  <a:srgbClr val="40A070"/>
-                </a:solidFill>
-                <a:latin typeface="Courier"/>
-              </a:rPr>
-              <a:t>67</a:t>
-            </a:r>
-            <a:r>
-              <a:rPr sz="1800">
-                <a:latin typeface="Courier"/>
-              </a:rPr>
-              <a:t>, </a:t>
-            </a:r>
-            <a:r>
-              <a:rPr sz="1800">
-                <a:solidFill>
-                  <a:srgbClr val="40A070"/>
-                </a:solidFill>
-                <a:latin typeface="Courier"/>
-              </a:rPr>
-              <a:t>46</a:t>
-            </a:r>
-            <a:r>
-              <a:rPr sz="1800">
-                <a:latin typeface="Courier"/>
-              </a:rPr>
-              <a:t>, </a:t>
-            </a:r>
-            <a:r>
-              <a:rPr sz="1800">
-                <a:solidFill>
-                  <a:srgbClr val="40A070"/>
-                </a:solidFill>
-                <a:latin typeface="Courier"/>
-              </a:rPr>
-              <a:t>19</a:t>
-            </a:r>
-            <a:r>
-              <a:rPr sz="1800">
-                <a:latin typeface="Courier"/>
-              </a:rPr>
-              <a:t>)</a:t>
-            </a:r>
-            <a:br/>
-            <a:r>
-              <a:rPr sz="1800">
-                <a:latin typeface="Courier"/>
-              </a:rPr>
-              <a:t>age</a:t>
+              <a:rPr sz="1800">
+                <a:latin typeface="Courier"/>
+              </a:rPr>
+              <a:t>## [1] 37.5 37.1 37.3 38.3 37.4 38.9</a:t>
+            </a:r>
+          </a:p>
+          <a:p>
+            <a:pPr lvl="2"/>
+            <a:r>
+              <a:rPr/>
+              <a:t>A vector of characters - an example would be name.</a:t>
             </a:r>
           </a:p>
           <a:p>
@@ -8189,7 +8007,14 @@
               <a:rPr sz="1800">
                 <a:latin typeface="Courier"/>
               </a:rPr>
-              <a:t>## [1] 50 25 32 67 46 19</a:t>
+              <a:t>## [1] "Adam"  "Sally" "Eve"   "John"  "James"</a:t>
+            </a:r>
+          </a:p>
+          <a:p>
+            <a:pPr lvl="2"/>
+            <a:r>
+              <a:rPr/>
+              <a:t>A vector of logicals - an example would be ‘are the blood results avaiblable?’</a:t>
             </a:r>
           </a:p>
           <a:p>
@@ -8197,152 +8022,10 @@
               <a:buNone/>
             </a:pPr>
             <a:r>
-              <a:rPr sz="1800" i="1">
-                <a:solidFill>
-                  <a:srgbClr val="60A0B0"/>
-                </a:solidFill>
-                <a:latin typeface="Courier"/>
-              </a:rPr>
-              <a:t># Storing several names in one vector. </a:t>
-            </a:r>
-            <a:br/>
-            <a:r>
-              <a:rPr sz="1800">
-                <a:latin typeface="Courier"/>
-              </a:rPr>
-              <a:t>name &lt;-</a:t>
-            </a:r>
-            <a:r>
-              <a:rPr sz="1800">
-                <a:solidFill>
-                  <a:srgbClr val="4070A0"/>
-                </a:solidFill>
-                <a:latin typeface="Courier"/>
-              </a:rPr>
-              <a:t> </a:t>
-            </a:r>
-            <a:r>
-              <a:rPr sz="1800" b="1">
-                <a:solidFill>
-                  <a:srgbClr val="007020"/>
-                </a:solidFill>
-                <a:latin typeface="Courier"/>
-              </a:rPr>
-              <a:t>c</a:t>
-            </a:r>
-            <a:r>
-              <a:rPr sz="1800">
-                <a:latin typeface="Courier"/>
-              </a:rPr>
-              <a:t>(</a:t>
-            </a:r>
-            <a:r>
-              <a:rPr sz="1800">
-                <a:solidFill>
-                  <a:srgbClr val="4070A0"/>
-                </a:solidFill>
-                <a:latin typeface="Courier"/>
-              </a:rPr>
-              <a:t>"Adam"</a:t>
-            </a:r>
-            <a:r>
-              <a:rPr sz="1800">
-                <a:latin typeface="Courier"/>
-              </a:rPr>
-              <a:t>, </a:t>
-            </a:r>
-            <a:r>
-              <a:rPr sz="1800">
-                <a:solidFill>
-                  <a:srgbClr val="4070A0"/>
-                </a:solidFill>
-                <a:latin typeface="Courier"/>
-              </a:rPr>
-              <a:t>"Sally"</a:t>
-            </a:r>
-            <a:r>
-              <a:rPr sz="1800">
-                <a:latin typeface="Courier"/>
-              </a:rPr>
-              <a:t>, </a:t>
-            </a:r>
-            <a:r>
-              <a:rPr sz="1800">
-                <a:solidFill>
-                  <a:srgbClr val="4070A0"/>
-                </a:solidFill>
-                <a:latin typeface="Courier"/>
-              </a:rPr>
-              <a:t>"Eve"</a:t>
-            </a:r>
-            <a:r>
-              <a:rPr sz="1800">
-                <a:latin typeface="Courier"/>
-              </a:rPr>
-              <a:t>, </a:t>
-            </a:r>
-            <a:r>
-              <a:rPr sz="1800">
-                <a:solidFill>
-                  <a:srgbClr val="4070A0"/>
-                </a:solidFill>
-                <a:latin typeface="Courier"/>
-              </a:rPr>
-              <a:t>"John"</a:t>
-            </a:r>
-            <a:r>
-              <a:rPr sz="1800">
-                <a:latin typeface="Courier"/>
-              </a:rPr>
-              <a:t>, </a:t>
-            </a:r>
-            <a:r>
-              <a:rPr sz="1800">
-                <a:solidFill>
-                  <a:srgbClr val="4070A0"/>
-                </a:solidFill>
-                <a:latin typeface="Courier"/>
-              </a:rPr>
-              <a:t>"James"</a:t>
-            </a:r>
-            <a:r>
-              <a:rPr sz="1800">
-                <a:latin typeface="Courier"/>
-              </a:rPr>
-              <a:t>, </a:t>
-            </a:r>
-            <a:r>
-              <a:rPr sz="1800">
-                <a:solidFill>
-                  <a:srgbClr val="4070A0"/>
-                </a:solidFill>
-                <a:latin typeface="Courier"/>
-              </a:rPr>
-              <a:t>"Jennifer"</a:t>
-            </a:r>
-            <a:r>
-              <a:rPr sz="1800">
-                <a:latin typeface="Courier"/>
-              </a:rPr>
-              <a:t>)</a:t>
-            </a:r>
-            <a:br/>
-            <a:r>
-              <a:rPr sz="1800">
-                <a:latin typeface="Courier"/>
-              </a:rPr>
-              <a:t>name</a:t>
-            </a:r>
-          </a:p>
-          <a:p>
-            <a:pPr lvl="0" marL="1270000" indent="0">
-              <a:buNone/>
-            </a:pPr>
-            <a:r>
-              <a:rPr sz="1800">
-                <a:latin typeface="Courier"/>
-              </a:rPr>
-              <a:t>## [1] "Adam"     "Sally"    "Eve"      "John"     "James"    "Jennifer"</a:t>
+              <a:rPr sz="1800">
+                <a:latin typeface="Courier"/>
+              </a:rPr>
+              <a:t>## [1]  TRUE FALSE FALSE  TRUE  TRUE</a:t>
             </a:r>
           </a:p>
         </p:txBody>
@@ -8395,39 +8078,15 @@
             </a:pPr>
             <a:r>
               <a:rPr/>
-              <a:t>Recalling</a:t>
-            </a:r>
-            <a:r>
-              <a:rPr/>
-              <a:t> </a:t>
-            </a:r>
-            <a:r>
-              <a:rPr/>
-              <a:t>elements</a:t>
-            </a:r>
-            <a:r>
-              <a:rPr/>
-              <a:t> </a:t>
-            </a:r>
-            <a:r>
-              <a:rPr/>
-              <a:t>of</a:t>
-            </a:r>
-            <a:r>
-              <a:rPr/>
-              <a:t> </a:t>
-            </a:r>
-            <a:r>
-              <a:rPr/>
-              <a:t>a</a:t>
-            </a:r>
-            <a:r>
-              <a:rPr/>
-              <a:t> </a:t>
-            </a:r>
-            <a:r>
-              <a:rPr/>
-              <a:t>vector</a:t>
+              <a:t>Naming</a:t>
+            </a:r>
+            <a:r>
+              <a:rPr/>
+              <a:t> </a:t>
+            </a:r>
+            <a:r>
+              <a:rPr/>
+              <a:t>vectors.</a:t>
             </a:r>
           </a:p>
         </p:txBody>
@@ -8453,27 +8112,22 @@
           <a:bodyPr/>
           <a:lstStyle/>
           <a:p>
-            <a:pPr lvl="1"/>
-            <a:r>
-              <a:rPr/>
-              <a:t>R creates an index for each element of the vector.</a:t>
-            </a:r>
-          </a:p>
-          <a:p>
-            <a:pPr lvl="1"/>
-            <a:r>
-              <a:rPr/>
-              <a:t>It allocates a number to each element within the vector from left to right, starting with </a:t>
-            </a:r>
-            <a:r>
-              <a:rPr sz="1800">
-                <a:latin typeface="Courier"/>
-              </a:rPr>
-              <a:t>1</a:t>
-            </a:r>
-            <a:r>
-              <a:rPr/>
-              <a:t>.</a:t>
+            <a:pPr lvl="0" marL="0" indent="0">
+              <a:buNone/>
+            </a:pPr>
+            <a:r>
+              <a:rPr/>
+              <a:t>The </a:t>
+            </a:r>
+            <a:r>
+              <a:rPr sz="1800">
+                <a:latin typeface="Courier"/>
+              </a:rPr>
+              <a:t>c()</a:t>
+            </a:r>
+            <a:r>
+              <a:rPr/>
+              <a:t> function combines individual values into a single vector.</a:t>
             </a:r>
           </a:p>
           <a:p>
@@ -8487,14 +8141,38 @@
                 </a:solidFill>
                 <a:latin typeface="Courier"/>
               </a:rPr>
-              <a:t># The age of the second person.</a:t>
+              <a:t># Storing several ages in one vector.</a:t>
             </a:r>
             <a:br/>
             <a:r>
               <a:rPr sz="1800">
                 <a:latin typeface="Courier"/>
               </a:rPr>
-              <a:t>age[</a:t>
+              <a:t>age &lt;-</a:t>
+            </a:r>
+            <a:r>
+              <a:rPr sz="1800">
+                <a:solidFill>
+                  <a:srgbClr val="4070A0"/>
+                </a:solidFill>
+                <a:latin typeface="Courier"/>
+              </a:rPr>
+              <a:t> </a:t>
+            </a:r>
+            <a:r>
+              <a:rPr sz="1800" b="1">
+                <a:solidFill>
+                  <a:srgbClr val="007020"/>
+                </a:solidFill>
+                <a:latin typeface="Courier"/>
+              </a:rPr>
+              <a:t>c</a:t>
+            </a:r>
+            <a:r>
+              <a:rPr sz="1800">
+                <a:latin typeface="Courier"/>
+              </a:rPr>
+              <a:t>(</a:t>
             </a:r>
             <a:r>
               <a:rPr sz="1800">
@@ -8503,13 +8181,95 @@
                 </a:solidFill>
                 <a:latin typeface="Courier"/>
               </a:rPr>
-              <a:t>2</a:t>
-            </a:r>
-            <a:r>
-              <a:rPr sz="1800">
-                <a:latin typeface="Courier"/>
-              </a:rPr>
-              <a:t>] </a:t>
+              <a:t>50</a:t>
+            </a:r>
+            <a:r>
+              <a:rPr sz="1800">
+                <a:latin typeface="Courier"/>
+              </a:rPr>
+              <a:t>, </a:t>
+            </a:r>
+            <a:r>
+              <a:rPr sz="1800">
+                <a:solidFill>
+                  <a:srgbClr val="40A070"/>
+                </a:solidFill>
+                <a:latin typeface="Courier"/>
+              </a:rPr>
+              <a:t>25</a:t>
+            </a:r>
+            <a:r>
+              <a:rPr sz="1800">
+                <a:latin typeface="Courier"/>
+              </a:rPr>
+              <a:t>, </a:t>
+            </a:r>
+            <a:r>
+              <a:rPr sz="1800">
+                <a:solidFill>
+                  <a:srgbClr val="40A070"/>
+                </a:solidFill>
+                <a:latin typeface="Courier"/>
+              </a:rPr>
+              <a:t>32</a:t>
+            </a:r>
+            <a:r>
+              <a:rPr sz="1800">
+                <a:latin typeface="Courier"/>
+              </a:rPr>
+              <a:t>, </a:t>
+            </a:r>
+            <a:r>
+              <a:rPr sz="1800">
+                <a:solidFill>
+                  <a:srgbClr val="40A070"/>
+                </a:solidFill>
+                <a:latin typeface="Courier"/>
+              </a:rPr>
+              <a:t>67</a:t>
+            </a:r>
+            <a:r>
+              <a:rPr sz="1800">
+                <a:latin typeface="Courier"/>
+              </a:rPr>
+              <a:t>, </a:t>
+            </a:r>
+            <a:r>
+              <a:rPr sz="1800">
+                <a:solidFill>
+                  <a:srgbClr val="40A070"/>
+                </a:solidFill>
+                <a:latin typeface="Courier"/>
+              </a:rPr>
+              <a:t>46</a:t>
+            </a:r>
+            <a:r>
+              <a:rPr sz="1800">
+                <a:latin typeface="Courier"/>
+              </a:rPr>
+              <a:t>, </a:t>
+            </a:r>
+            <a:r>
+              <a:rPr sz="1800">
+                <a:solidFill>
+                  <a:srgbClr val="40A070"/>
+                </a:solidFill>
+                <a:latin typeface="Courier"/>
+              </a:rPr>
+              <a:t>19</a:t>
+            </a:r>
+            <a:r>
+              <a:rPr sz="1800">
+                <a:latin typeface="Courier"/>
+              </a:rPr>
+              <a:t>)</a:t>
+            </a:r>
+            <a:br/>
+            <a:r>
+              <a:rPr sz="1800">
+                <a:latin typeface="Courier"/>
+              </a:rPr>
+              <a:t>age</a:t>
             </a:r>
           </a:p>
           <a:p>
@@ -8520,7 +8280,7 @@
               <a:rPr sz="1800">
                 <a:latin typeface="Courier"/>
               </a:rPr>
-              <a:t>## [1] 25</a:t>
+              <a:t>## [1] 50 25 32 67 46 19</a:t>
             </a:r>
           </a:p>
           <a:p>
@@ -8534,29 +8294,135 @@
                 </a:solidFill>
                 <a:latin typeface="Courier"/>
               </a:rPr>
-              <a:t># The age of the fourth person.</a:t>
+              <a:t># Storing several names in one vector.</a:t>
             </a:r>
             <a:br/>
             <a:r>
               <a:rPr sz="1800">
                 <a:latin typeface="Courier"/>
               </a:rPr>
-              <a:t>age[</a:t>
+              <a:t>name &lt;-</a:t>
             </a:r>
             <a:r>
               <a:rPr sz="1800">
                 <a:solidFill>
-                  <a:srgbClr val="40A070"/>
+                  <a:srgbClr val="4070A0"/>
                 </a:solidFill>
                 <a:latin typeface="Courier"/>
               </a:rPr>
-              <a:t>4</a:t>
-            </a:r>
-            <a:r>
-              <a:rPr sz="1800">
-                <a:latin typeface="Courier"/>
-              </a:rPr>
-              <a:t>]</a:t>
+              <a:t> </a:t>
+            </a:r>
+            <a:r>
+              <a:rPr sz="1800" b="1">
+                <a:solidFill>
+                  <a:srgbClr val="007020"/>
+                </a:solidFill>
+                <a:latin typeface="Courier"/>
+              </a:rPr>
+              <a:t>c</a:t>
+            </a:r>
+            <a:r>
+              <a:rPr sz="1800">
+                <a:latin typeface="Courier"/>
+              </a:rPr>
+              <a:t>(</a:t>
+            </a:r>
+            <a:r>
+              <a:rPr sz="1800">
+                <a:solidFill>
+                  <a:srgbClr val="4070A0"/>
+                </a:solidFill>
+                <a:latin typeface="Courier"/>
+              </a:rPr>
+              <a:t>"Adam"</a:t>
+            </a:r>
+            <a:r>
+              <a:rPr sz="1800">
+                <a:latin typeface="Courier"/>
+              </a:rPr>
+              <a:t>, </a:t>
+            </a:r>
+            <a:r>
+              <a:rPr sz="1800">
+                <a:solidFill>
+                  <a:srgbClr val="4070A0"/>
+                </a:solidFill>
+                <a:latin typeface="Courier"/>
+              </a:rPr>
+              <a:t>"Sally"</a:t>
+            </a:r>
+            <a:r>
+              <a:rPr sz="1800">
+                <a:latin typeface="Courier"/>
+              </a:rPr>
+              <a:t>, </a:t>
+            </a:r>
+            <a:r>
+              <a:rPr sz="1800">
+                <a:solidFill>
+                  <a:srgbClr val="4070A0"/>
+                </a:solidFill>
+                <a:latin typeface="Courier"/>
+              </a:rPr>
+              <a:t>"Eve"</a:t>
+            </a:r>
+            <a:r>
+              <a:rPr sz="1800">
+                <a:latin typeface="Courier"/>
+              </a:rPr>
+              <a:t>, </a:t>
+            </a:r>
+            <a:r>
+              <a:rPr sz="1800">
+                <a:solidFill>
+                  <a:srgbClr val="4070A0"/>
+                </a:solidFill>
+                <a:latin typeface="Courier"/>
+              </a:rPr>
+              <a:t>"John"</a:t>
+            </a:r>
+            <a:r>
+              <a:rPr sz="1800">
+                <a:latin typeface="Courier"/>
+              </a:rPr>
+              <a:t>, </a:t>
+            </a:r>
+            <a:r>
+              <a:rPr sz="1800">
+                <a:solidFill>
+                  <a:srgbClr val="4070A0"/>
+                </a:solidFill>
+                <a:latin typeface="Courier"/>
+              </a:rPr>
+              <a:t>"James"</a:t>
+            </a:r>
+            <a:r>
+              <a:rPr sz="1800">
+                <a:latin typeface="Courier"/>
+              </a:rPr>
+              <a:t>, </a:t>
+            </a:r>
+            <a:r>
+              <a:rPr sz="1800">
+                <a:solidFill>
+                  <a:srgbClr val="4070A0"/>
+                </a:solidFill>
+                <a:latin typeface="Courier"/>
+              </a:rPr>
+              <a:t>"Jennifer"</a:t>
+            </a:r>
+            <a:r>
+              <a:rPr sz="1800">
+                <a:latin typeface="Courier"/>
+              </a:rPr>
+              <a:t>)</a:t>
+            </a:r>
+            <a:br/>
+            <a:r>
+              <a:rPr sz="1800">
+                <a:latin typeface="Courier"/>
+              </a:rPr>
+              <a:t>name</a:t>
             </a:r>
           </a:p>
           <a:p>
@@ -8567,54 +8433,7 @@
               <a:rPr sz="1800">
                 <a:latin typeface="Courier"/>
               </a:rPr>
-              <a:t>## [1] 67</a:t>
-            </a:r>
-          </a:p>
-          <a:p>
-            <a:pPr lvl="0" marL="1270000" indent="0">
-              <a:buNone/>
-            </a:pPr>
-            <a:r>
-              <a:rPr sz="1800" i="1">
-                <a:solidFill>
-                  <a:srgbClr val="60A0B0"/>
-                </a:solidFill>
-                <a:latin typeface="Courier"/>
-              </a:rPr>
-              <a:t># The name of the fifth person.</a:t>
-            </a:r>
-            <a:br/>
-            <a:r>
-              <a:rPr sz="1800">
-                <a:latin typeface="Courier"/>
-              </a:rPr>
-              <a:t>name[</a:t>
-            </a:r>
-            <a:r>
-              <a:rPr sz="1800">
-                <a:solidFill>
-                  <a:srgbClr val="40A070"/>
-                </a:solidFill>
-                <a:latin typeface="Courier"/>
-              </a:rPr>
-              <a:t>5</a:t>
-            </a:r>
-            <a:r>
-              <a:rPr sz="1800">
-                <a:latin typeface="Courier"/>
-              </a:rPr>
-              <a:t>]</a:t>
-            </a:r>
-          </a:p>
-          <a:p>
-            <a:pPr lvl="0" marL="1270000" indent="0">
-              <a:buNone/>
-            </a:pPr>
-            <a:r>
-              <a:rPr sz="1800">
-                <a:latin typeface="Courier"/>
-              </a:rPr>
-              <a:t>## [1] "James"</a:t>
+              <a:t>## [1] "Adam"     "Sally"    "Eve"      "John"     "James"    "Jennifer"</a:t>
             </a:r>
           </a:p>
         </p:txBody>
@@ -8667,15 +8486,39 @@
             </a:pPr>
             <a:r>
               <a:rPr/>
-              <a:t>Data</a:t>
-            </a:r>
-            <a:r>
-              <a:rPr/>
-              <a:t> </a:t>
-            </a:r>
-            <a:r>
-              <a:rPr/>
-              <a:t>Frames.</a:t>
+              <a:t>Recalling</a:t>
+            </a:r>
+            <a:r>
+              <a:rPr/>
+              <a:t> </a:t>
+            </a:r>
+            <a:r>
+              <a:rPr/>
+              <a:t>elements</a:t>
+            </a:r>
+            <a:r>
+              <a:rPr/>
+              <a:t> </a:t>
+            </a:r>
+            <a:r>
+              <a:rPr/>
+              <a:t>of</a:t>
+            </a:r>
+            <a:r>
+              <a:rPr/>
+              <a:t> </a:t>
+            </a:r>
+            <a:r>
+              <a:rPr/>
+              <a:t>a</a:t>
+            </a:r>
+            <a:r>
+              <a:rPr/>
+              <a:t> </a:t>
+            </a:r>
+            <a:r>
+              <a:rPr/>
+              <a:t>vector</a:t>
             </a:r>
           </a:p>
         </p:txBody>
@@ -8704,7 +8547,24 @@
             <a:pPr lvl="1"/>
             <a:r>
               <a:rPr/>
-              <a:t>You are already familiar with data frames</a:t>
+              <a:t>R creates an index for each element of the vector.</a:t>
+            </a:r>
+          </a:p>
+          <a:p>
+            <a:pPr lvl="1"/>
+            <a:r>
+              <a:rPr/>
+              <a:t>It allocates a number to each element within the vector from left to right, starting with </a:t>
+            </a:r>
+            <a:r>
+              <a:rPr sz="1800">
+                <a:latin typeface="Courier"/>
+              </a:rPr>
+              <a:t>1</a:t>
+            </a:r>
+            <a:r>
+              <a:rPr/>
+              <a:t>.</a:t>
             </a:r>
           </a:p>
           <a:p>
@@ -8712,37 +8572,140 @@
               <a:buNone/>
             </a:pPr>
             <a:r>
-              <a:rPr sz="1800">
-                <a:latin typeface="Courier"/>
-              </a:rPr>
-              <a:t>##       name age gender
-## 1     Adam  50   male
-## 2    Sally  25 female
-## 3      Eve  32 female
-## 4     John  67   male
-## 5    James  46   male
-## 6 Jennifer  19 female</a:t>
-            </a:r>
-          </a:p>
-          <a:p>
-            <a:pPr lvl="1"/>
-            <a:r>
-              <a:rPr/>
-              <a:t>A data frame is a series of vectors aligned to form a table</a:t>
-            </a:r>
-          </a:p>
-          <a:p>
-            <a:pPr lvl="1"/>
-            <a:r>
-              <a:rPr/>
-              <a:t>Each vector becomes a column in the table</a:t>
-            </a:r>
-          </a:p>
-          <a:p>
-            <a:pPr lvl="1"/>
-            <a:r>
-              <a:rPr/>
-              <a:t>A properly formatted excel spreadsheet is essentially a data frame</a:t>
+              <a:rPr sz="1800" i="1">
+                <a:solidFill>
+                  <a:srgbClr val="60A0B0"/>
+                </a:solidFill>
+                <a:latin typeface="Courier"/>
+              </a:rPr>
+              <a:t># The age of the second person.</a:t>
+            </a:r>
+            <a:br/>
+            <a:r>
+              <a:rPr sz="1800">
+                <a:latin typeface="Courier"/>
+              </a:rPr>
+              <a:t>age[</a:t>
+            </a:r>
+            <a:r>
+              <a:rPr sz="1800">
+                <a:solidFill>
+                  <a:srgbClr val="40A070"/>
+                </a:solidFill>
+                <a:latin typeface="Courier"/>
+              </a:rPr>
+              <a:t>2</a:t>
+            </a:r>
+            <a:r>
+              <a:rPr sz="1800">
+                <a:latin typeface="Courier"/>
+              </a:rPr>
+              <a:t>]</a:t>
+            </a:r>
+          </a:p>
+          <a:p>
+            <a:pPr lvl="0" marL="1270000" indent="0">
+              <a:buNone/>
+            </a:pPr>
+            <a:r>
+              <a:rPr sz="1800">
+                <a:latin typeface="Courier"/>
+              </a:rPr>
+              <a:t>## [1] 25</a:t>
+            </a:r>
+          </a:p>
+          <a:p>
+            <a:pPr lvl="0" marL="1270000" indent="0">
+              <a:buNone/>
+            </a:pPr>
+            <a:r>
+              <a:rPr sz="1800" i="1">
+                <a:solidFill>
+                  <a:srgbClr val="60A0B0"/>
+                </a:solidFill>
+                <a:latin typeface="Courier"/>
+              </a:rPr>
+              <a:t># The age of the fourth person.</a:t>
+            </a:r>
+            <a:br/>
+            <a:r>
+              <a:rPr sz="1800">
+                <a:latin typeface="Courier"/>
+              </a:rPr>
+              <a:t>age[</a:t>
+            </a:r>
+            <a:r>
+              <a:rPr sz="1800">
+                <a:solidFill>
+                  <a:srgbClr val="40A070"/>
+                </a:solidFill>
+                <a:latin typeface="Courier"/>
+              </a:rPr>
+              <a:t>4</a:t>
+            </a:r>
+            <a:r>
+              <a:rPr sz="1800">
+                <a:latin typeface="Courier"/>
+              </a:rPr>
+              <a:t>]</a:t>
+            </a:r>
+          </a:p>
+          <a:p>
+            <a:pPr lvl="0" marL="1270000" indent="0">
+              <a:buNone/>
+            </a:pPr>
+            <a:r>
+              <a:rPr sz="1800">
+                <a:latin typeface="Courier"/>
+              </a:rPr>
+              <a:t>## [1] 67</a:t>
+            </a:r>
+          </a:p>
+          <a:p>
+            <a:pPr lvl="0" marL="1270000" indent="0">
+              <a:buNone/>
+            </a:pPr>
+            <a:r>
+              <a:rPr sz="1800" i="1">
+                <a:solidFill>
+                  <a:srgbClr val="60A0B0"/>
+                </a:solidFill>
+                <a:latin typeface="Courier"/>
+              </a:rPr>
+              <a:t># The name of the fifth person.</a:t>
+            </a:r>
+            <a:br/>
+            <a:r>
+              <a:rPr sz="1800">
+                <a:latin typeface="Courier"/>
+              </a:rPr>
+              <a:t>name[</a:t>
+            </a:r>
+            <a:r>
+              <a:rPr sz="1800">
+                <a:solidFill>
+                  <a:srgbClr val="40A070"/>
+                </a:solidFill>
+                <a:latin typeface="Courier"/>
+              </a:rPr>
+              <a:t>5</a:t>
+            </a:r>
+            <a:r>
+              <a:rPr sz="1800">
+                <a:latin typeface="Courier"/>
+              </a:rPr>
+              <a:t>]</a:t>
+            </a:r>
+          </a:p>
+          <a:p>
+            <a:pPr lvl="0" marL="1270000" indent="0">
+              <a:buNone/>
+            </a:pPr>
+            <a:r>
+              <a:rPr sz="1800">
+                <a:latin typeface="Courier"/>
+              </a:rPr>
+              <a:t>## [1] "James"</a:t>
             </a:r>
           </a:p>
         </p:txBody>
@@ -8795,47 +8758,15 @@
             </a:pPr>
             <a:r>
               <a:rPr/>
-              <a:t>Creating</a:t>
-            </a:r>
-            <a:r>
-              <a:rPr/>
-              <a:t> </a:t>
-            </a:r>
-            <a:r>
-              <a:rPr/>
-              <a:t>a</a:t>
-            </a:r>
-            <a:r>
-              <a:rPr/>
-              <a:t> </a:t>
-            </a:r>
-            <a:r>
-              <a:rPr/>
-              <a:t>data</a:t>
-            </a:r>
-            <a:r>
-              <a:rPr/>
-              <a:t> </a:t>
-            </a:r>
-            <a:r>
-              <a:rPr/>
-              <a:t>frame</a:t>
-            </a:r>
-            <a:r>
-              <a:rPr/>
-              <a:t> </a:t>
-            </a:r>
-            <a:r>
-              <a:rPr/>
-              <a:t>-</a:t>
-            </a:r>
-            <a:r>
-              <a:rPr/>
-              <a:t> </a:t>
-            </a:r>
-            <a:r>
-              <a:rPr/>
-              <a:t>excercise</a:t>
+              <a:t>Data</a:t>
+            </a:r>
+            <a:r>
+              <a:rPr/>
+              <a:t> </a:t>
+            </a:r>
+            <a:r>
+              <a:rPr/>
+              <a:t>Frames.</a:t>
             </a:r>
           </a:p>
         </p:txBody>
@@ -8864,62 +8795,45 @@
             <a:pPr lvl="1"/>
             <a:r>
               <a:rPr/>
-              <a:t>Create and name vectors containing information about these 6 patients.</a:t>
-            </a:r>
-          </a:p>
-          <a:p>
-            <a:pPr lvl="2"/>
-            <a:r>
-              <a:rPr sz="1800">
-                <a:latin typeface="Courier"/>
-              </a:rPr>
-              <a:t>Name: "Adam", "Sally", "Eve", "John", "James", "Jennifer"</a:t>
-            </a:r>
-          </a:p>
-          <a:p>
-            <a:pPr lvl="2"/>
-            <a:r>
-              <a:rPr sz="1800">
-                <a:latin typeface="Courier"/>
-              </a:rPr>
-              <a:t>Age: 50, 25, 32, 67, 46, 19</a:t>
-            </a:r>
-          </a:p>
-          <a:p>
-            <a:pPr lvl="2"/>
-            <a:r>
-              <a:rPr sz="1800">
-                <a:latin typeface="Courier"/>
-              </a:rPr>
-              <a:t>Gender: "male", "female", "female", "male", "male", "female"</a:t>
+              <a:t>You are already familiar with data frames</a:t>
+            </a:r>
+          </a:p>
+          <a:p>
+            <a:pPr lvl="0" marL="1270000" indent="0">
+              <a:buNone/>
+            </a:pPr>
+            <a:r>
+              <a:rPr sz="1800">
+                <a:latin typeface="Courier"/>
+              </a:rPr>
+              <a:t>##       name age gender
+## 1     Adam  50   male
+## 2    Sally  25 female
+## 3      Eve  32 female
+## 4     John  67   male
+## 5    James  46   male
+## 6 Jennifer  19 female</a:t>
             </a:r>
           </a:p>
           <a:p>
             <a:pPr lvl="1"/>
             <a:r>
               <a:rPr/>
-              <a:t>Quotation marks are not needed for names in R, but are when your data is a string e.g. “male”, “female”</a:t>
+              <a:t>A data frame is a series of vectors aligned to form a table</a:t>
             </a:r>
           </a:p>
           <a:p>
             <a:pPr lvl="1"/>
             <a:r>
               <a:rPr/>
-              <a:t>As a rule:</a:t>
-            </a:r>
-          </a:p>
-          <a:p>
-            <a:pPr lvl="2"/>
-            <a:r>
-              <a:rPr/>
-              <a:t>Characters on the left side of the assignment operator. No quote marks.</a:t>
-            </a:r>
-          </a:p>
-          <a:p>
-            <a:pPr lvl="2"/>
-            <a:r>
-              <a:rPr/>
-              <a:t>Characters on the right side of the assignment operator. Use quote marks if storing letters.</a:t>
+              <a:t>Each vector becomes a column in the table</a:t>
+            </a:r>
+          </a:p>
+          <a:p>
+            <a:pPr lvl="1"/>
+            <a:r>
+              <a:rPr/>
+              <a:t>A properly formatted excel spreadsheet is essentially a data frame</a:t>
             </a:r>
           </a:p>
         </p:txBody>
@@ -9012,7 +8926,7 @@
             </a:r>
             <a:r>
               <a:rPr/>
-              <a:t>exercise</a:t>
+              <a:t>excercise</a:t>
             </a:r>
           </a:p>
         </p:txBody>
@@ -9041,56 +8955,62 @@
             <a:pPr lvl="1"/>
             <a:r>
               <a:rPr/>
-              <a:t>Combine these vectors into a data frame using </a:t>
-            </a:r>
-            <a:r>
-              <a:rPr sz="1800">
-                <a:latin typeface="Courier"/>
-              </a:rPr>
-              <a:t>data.frame()</a:t>
+              <a:t>Create and name vectors containing information about these 6 patients.</a:t>
             </a:r>
           </a:p>
           <a:p>
             <a:pPr lvl="2"/>
             <a:r>
-              <a:rPr/>
-              <a:t>Hint, the vector names need to go inside the </a:t>
-            </a:r>
-            <a:r>
-              <a:rPr sz="1800">
-                <a:latin typeface="Courier"/>
-              </a:rPr>
-              <a:t>()</a:t>
+              <a:rPr sz="1800">
+                <a:latin typeface="Courier"/>
+              </a:rPr>
+              <a:t>Name: "Adam", "Sally", "Eve", "John", "James", "Jennifer"</a:t>
+            </a:r>
+          </a:p>
+          <a:p>
+            <a:pPr lvl="2"/>
+            <a:r>
+              <a:rPr sz="1800">
+                <a:latin typeface="Courier"/>
+              </a:rPr>
+              <a:t>Age: 50, 25, 32, 67, 46, 19</a:t>
+            </a:r>
+          </a:p>
+          <a:p>
+            <a:pPr lvl="2"/>
+            <a:r>
+              <a:rPr sz="1800">
+                <a:latin typeface="Courier"/>
+              </a:rPr>
+              <a:t>Gender: "male", "female", "female", "male", "male", "female"</a:t>
             </a:r>
           </a:p>
           <a:p>
             <a:pPr lvl="1"/>
             <a:r>
               <a:rPr/>
-              <a:t>Save the data frame under the name </a:t>
-            </a:r>
-            <a:r>
-              <a:rPr sz="1800">
-                <a:latin typeface="Courier"/>
-              </a:rPr>
-              <a:t>patients</a:t>
+              <a:t>Quotation marks are not needed for names in R, but are when your data is a string e.g. “male”, “female”</a:t>
             </a:r>
           </a:p>
           <a:p>
             <a:pPr lvl="1"/>
             <a:r>
               <a:rPr/>
-              <a:t>Print the data frame called </a:t>
-            </a:r>
-            <a:r>
-              <a:rPr sz="1800">
-                <a:latin typeface="Courier"/>
-              </a:rPr>
-              <a:t>patients</a:t>
-            </a:r>
-            <a:r>
-              <a:rPr/>
-              <a:t> to your console</a:t>
+              <a:t>As a rule:</a:t>
+            </a:r>
+          </a:p>
+          <a:p>
+            <a:pPr lvl="2"/>
+            <a:r>
+              <a:rPr/>
+              <a:t>Characters on the left side of the assignment operator. No quote marks.</a:t>
+            </a:r>
+          </a:p>
+          <a:p>
+            <a:pPr lvl="2"/>
+            <a:r>
+              <a:rPr/>
+              <a:t>Characters on the right side of the assignment operator. Use quote marks if storing letters.</a:t>
             </a:r>
           </a:p>
         </p:txBody>
@@ -9143,7 +9063,7 @@
             </a:pPr>
             <a:r>
               <a:rPr/>
-              <a:t>Content</a:t>
+              <a:t>Disclaimer</a:t>
             </a:r>
           </a:p>
         </p:txBody>
@@ -9172,28 +9092,28 @@
             <a:pPr lvl="1"/>
             <a:r>
               <a:rPr/>
-              <a:t>Motivation for R: what and why?</a:t>
+              <a:t>Much of the following material can be sourced from open access resources</a:t>
+            </a:r>
+          </a:p>
+          <a:p>
+            <a:pPr lvl="2"/>
+            <a:r>
+              <a:rPr/>
+              <a:t>Software Carpentry</a:t>
+            </a:r>
+          </a:p>
+          <a:p>
+            <a:pPr lvl="2"/>
+            <a:r>
+              <a:rPr/>
+              <a:t>Stack Overflow</a:t>
             </a:r>
           </a:p>
           <a:p>
             <a:pPr lvl="1"/>
             <a:r>
               <a:rPr/>
-              <a:t>R studio: a tour</a:t>
-            </a:r>
-          </a:p>
-          <a:p>
-            <a:pPr lvl="1"/>
-            <a:r>
-              <a:rPr/>
-              <a:t>R building blocks</a:t>
-            </a:r>
-          </a:p>
-          <a:p>
-            <a:pPr lvl="1"/>
-            <a:r>
-              <a:rPr/>
-              <a:t>Using/Writing functions</a:t>
+              <a:t>Initially collated by members of the DataSciBC (www.datascibc.org)</a:t>
             </a:r>
           </a:p>
         </p:txBody>
@@ -9286,7 +9206,7 @@
             </a:r>
             <a:r>
               <a:rPr/>
-              <a:t>solution</a:t>
+              <a:t>exercise</a:t>
             </a:r>
           </a:p>
         </p:txBody>
@@ -9312,425 +9232,59 @@
           <a:bodyPr/>
           <a:lstStyle/>
           <a:p>
-            <a:pPr lvl="0" marL="1270000" indent="0">
-              <a:buNone/>
-            </a:pPr>
-            <a:r>
-              <a:rPr sz="1800" i="1">
-                <a:solidFill>
-                  <a:srgbClr val="60A0B0"/>
-                </a:solidFill>
-                <a:latin typeface="Courier"/>
-              </a:rPr>
-              <a:t># Creating individual vectors.</a:t>
-            </a:r>
-            <a:br/>
-            <a:br/>
-            <a:r>
-              <a:rPr sz="1800">
-                <a:latin typeface="Courier"/>
-              </a:rPr>
-              <a:t>name &lt;-</a:t>
-            </a:r>
-            <a:r>
-              <a:rPr sz="1800">
-                <a:solidFill>
-                  <a:srgbClr val="4070A0"/>
-                </a:solidFill>
-                <a:latin typeface="Courier"/>
-              </a:rPr>
-              <a:t> </a:t>
-            </a:r>
-            <a:r>
-              <a:rPr sz="1800" b="1">
-                <a:solidFill>
-                  <a:srgbClr val="007020"/>
-                </a:solidFill>
-                <a:latin typeface="Courier"/>
-              </a:rPr>
-              <a:t>c</a:t>
-            </a:r>
-            <a:r>
-              <a:rPr sz="1800">
-                <a:latin typeface="Courier"/>
-              </a:rPr>
-              <a:t>(</a:t>
-            </a:r>
-            <a:r>
-              <a:rPr sz="1800">
-                <a:solidFill>
-                  <a:srgbClr val="4070A0"/>
-                </a:solidFill>
-                <a:latin typeface="Courier"/>
-              </a:rPr>
-              <a:t>"Adam"</a:t>
-            </a:r>
-            <a:r>
-              <a:rPr sz="1800">
-                <a:latin typeface="Courier"/>
-              </a:rPr>
-              <a:t>, </a:t>
-            </a:r>
-            <a:r>
-              <a:rPr sz="1800">
-                <a:solidFill>
-                  <a:srgbClr val="4070A0"/>
-                </a:solidFill>
-                <a:latin typeface="Courier"/>
-              </a:rPr>
-              <a:t>"Sally"</a:t>
-            </a:r>
-            <a:r>
-              <a:rPr sz="1800">
-                <a:latin typeface="Courier"/>
-              </a:rPr>
-              <a:t>, </a:t>
-            </a:r>
-            <a:r>
-              <a:rPr sz="1800">
-                <a:solidFill>
-                  <a:srgbClr val="4070A0"/>
-                </a:solidFill>
-                <a:latin typeface="Courier"/>
-              </a:rPr>
-              <a:t>"Eve"</a:t>
-            </a:r>
-            <a:r>
-              <a:rPr sz="1800">
-                <a:latin typeface="Courier"/>
-              </a:rPr>
-              <a:t>, </a:t>
-            </a:r>
-            <a:r>
-              <a:rPr sz="1800">
-                <a:solidFill>
-                  <a:srgbClr val="4070A0"/>
-                </a:solidFill>
-                <a:latin typeface="Courier"/>
-              </a:rPr>
-              <a:t>"John"</a:t>
-            </a:r>
-            <a:r>
-              <a:rPr sz="1800">
-                <a:latin typeface="Courier"/>
-              </a:rPr>
-              <a:t>, </a:t>
-            </a:r>
-            <a:r>
-              <a:rPr sz="1800">
-                <a:solidFill>
-                  <a:srgbClr val="4070A0"/>
-                </a:solidFill>
-                <a:latin typeface="Courier"/>
-              </a:rPr>
-              <a:t>"James"</a:t>
-            </a:r>
-            <a:r>
-              <a:rPr sz="1800">
-                <a:latin typeface="Courier"/>
-              </a:rPr>
-              <a:t>, </a:t>
-            </a:r>
-            <a:r>
-              <a:rPr sz="1800">
-                <a:solidFill>
-                  <a:srgbClr val="4070A0"/>
-                </a:solidFill>
-                <a:latin typeface="Courier"/>
-              </a:rPr>
-              <a:t>"Jennifer"</a:t>
-            </a:r>
-            <a:r>
-              <a:rPr sz="1800">
-                <a:latin typeface="Courier"/>
-              </a:rPr>
-              <a:t>)</a:t>
-            </a:r>
-            <a:br/>
-            <a:r>
-              <a:rPr sz="1800">
-                <a:latin typeface="Courier"/>
-              </a:rPr>
-              <a:t>age &lt;-</a:t>
-            </a:r>
-            <a:r>
-              <a:rPr sz="1800">
-                <a:solidFill>
-                  <a:srgbClr val="4070A0"/>
-                </a:solidFill>
-                <a:latin typeface="Courier"/>
-              </a:rPr>
-              <a:t> </a:t>
-            </a:r>
-            <a:r>
-              <a:rPr sz="1800" b="1">
-                <a:solidFill>
-                  <a:srgbClr val="007020"/>
-                </a:solidFill>
-                <a:latin typeface="Courier"/>
-              </a:rPr>
-              <a:t>c</a:t>
-            </a:r>
-            <a:r>
-              <a:rPr sz="1800">
-                <a:latin typeface="Courier"/>
-              </a:rPr>
-              <a:t>(</a:t>
-            </a:r>
-            <a:r>
-              <a:rPr sz="1800">
-                <a:solidFill>
-                  <a:srgbClr val="40A070"/>
-                </a:solidFill>
-                <a:latin typeface="Courier"/>
-              </a:rPr>
-              <a:t>50</a:t>
-            </a:r>
-            <a:r>
-              <a:rPr sz="1800">
-                <a:latin typeface="Courier"/>
-              </a:rPr>
-              <a:t>, </a:t>
-            </a:r>
-            <a:r>
-              <a:rPr sz="1800">
-                <a:solidFill>
-                  <a:srgbClr val="40A070"/>
-                </a:solidFill>
-                <a:latin typeface="Courier"/>
-              </a:rPr>
-              <a:t>25</a:t>
-            </a:r>
-            <a:r>
-              <a:rPr sz="1800">
-                <a:latin typeface="Courier"/>
-              </a:rPr>
-              <a:t>, </a:t>
-            </a:r>
-            <a:r>
-              <a:rPr sz="1800">
-                <a:solidFill>
-                  <a:srgbClr val="40A070"/>
-                </a:solidFill>
-                <a:latin typeface="Courier"/>
-              </a:rPr>
-              <a:t>32</a:t>
-            </a:r>
-            <a:r>
-              <a:rPr sz="1800">
-                <a:latin typeface="Courier"/>
-              </a:rPr>
-              <a:t>, </a:t>
-            </a:r>
-            <a:r>
-              <a:rPr sz="1800">
-                <a:solidFill>
-                  <a:srgbClr val="40A070"/>
-                </a:solidFill>
-                <a:latin typeface="Courier"/>
-              </a:rPr>
-              <a:t>67</a:t>
-            </a:r>
-            <a:r>
-              <a:rPr sz="1800">
-                <a:latin typeface="Courier"/>
-              </a:rPr>
-              <a:t>, </a:t>
-            </a:r>
-            <a:r>
-              <a:rPr sz="1800">
-                <a:solidFill>
-                  <a:srgbClr val="40A070"/>
-                </a:solidFill>
-                <a:latin typeface="Courier"/>
-              </a:rPr>
-              <a:t>46</a:t>
-            </a:r>
-            <a:r>
-              <a:rPr sz="1800">
-                <a:latin typeface="Courier"/>
-              </a:rPr>
-              <a:t>, </a:t>
-            </a:r>
-            <a:r>
-              <a:rPr sz="1800">
-                <a:solidFill>
-                  <a:srgbClr val="40A070"/>
-                </a:solidFill>
-                <a:latin typeface="Courier"/>
-              </a:rPr>
-              <a:t>19</a:t>
-            </a:r>
-            <a:r>
-              <a:rPr sz="1800">
-                <a:latin typeface="Courier"/>
-              </a:rPr>
-              <a:t>)</a:t>
-            </a:r>
-            <a:br/>
-            <a:r>
-              <a:rPr sz="1800">
-                <a:latin typeface="Courier"/>
-              </a:rPr>
-              <a:t>gender &lt;-</a:t>
-            </a:r>
-            <a:r>
-              <a:rPr sz="1800">
-                <a:solidFill>
-                  <a:srgbClr val="4070A0"/>
-                </a:solidFill>
-                <a:latin typeface="Courier"/>
-              </a:rPr>
-              <a:t> </a:t>
-            </a:r>
-            <a:r>
-              <a:rPr sz="1800" b="1">
-                <a:solidFill>
-                  <a:srgbClr val="007020"/>
-                </a:solidFill>
-                <a:latin typeface="Courier"/>
-              </a:rPr>
-              <a:t>c</a:t>
-            </a:r>
-            <a:r>
-              <a:rPr sz="1800">
-                <a:latin typeface="Courier"/>
-              </a:rPr>
-              <a:t>(</a:t>
-            </a:r>
-            <a:r>
-              <a:rPr sz="1800">
-                <a:solidFill>
-                  <a:srgbClr val="4070A0"/>
-                </a:solidFill>
-                <a:latin typeface="Courier"/>
-              </a:rPr>
-              <a:t>"male"</a:t>
-            </a:r>
-            <a:r>
-              <a:rPr sz="1800">
-                <a:latin typeface="Courier"/>
-              </a:rPr>
-              <a:t>, </a:t>
-            </a:r>
-            <a:r>
-              <a:rPr sz="1800">
-                <a:solidFill>
-                  <a:srgbClr val="4070A0"/>
-                </a:solidFill>
-                <a:latin typeface="Courier"/>
-              </a:rPr>
-              <a:t>"female"</a:t>
-            </a:r>
-            <a:r>
-              <a:rPr sz="1800">
-                <a:latin typeface="Courier"/>
-              </a:rPr>
-              <a:t>, </a:t>
-            </a:r>
-            <a:r>
-              <a:rPr sz="1800">
-                <a:solidFill>
-                  <a:srgbClr val="4070A0"/>
-                </a:solidFill>
-                <a:latin typeface="Courier"/>
-              </a:rPr>
-              <a:t>"female"</a:t>
-            </a:r>
-            <a:r>
-              <a:rPr sz="1800">
-                <a:latin typeface="Courier"/>
-              </a:rPr>
-              <a:t>, </a:t>
-            </a:r>
-            <a:r>
-              <a:rPr sz="1800">
-                <a:solidFill>
-                  <a:srgbClr val="4070A0"/>
-                </a:solidFill>
-                <a:latin typeface="Courier"/>
-              </a:rPr>
-              <a:t>"male"</a:t>
-            </a:r>
-            <a:r>
-              <a:rPr sz="1800">
-                <a:latin typeface="Courier"/>
-              </a:rPr>
-              <a:t>, </a:t>
-            </a:r>
-            <a:r>
-              <a:rPr sz="1800">
-                <a:solidFill>
-                  <a:srgbClr val="4070A0"/>
-                </a:solidFill>
-                <a:latin typeface="Courier"/>
-              </a:rPr>
-              <a:t>"male"</a:t>
-            </a:r>
-            <a:r>
-              <a:rPr sz="1800">
-                <a:latin typeface="Courier"/>
-              </a:rPr>
-              <a:t>, </a:t>
-            </a:r>
-            <a:r>
-              <a:rPr sz="1800">
-                <a:solidFill>
-                  <a:srgbClr val="4070A0"/>
-                </a:solidFill>
-                <a:latin typeface="Courier"/>
-              </a:rPr>
-              <a:t>"female"</a:t>
-            </a:r>
-            <a:r>
-              <a:rPr sz="1800">
-                <a:latin typeface="Courier"/>
-              </a:rPr>
-              <a:t>)</a:t>
-            </a:r>
-            <a:br/>
-            <a:br/>
-            <a:br/>
-            <a:r>
-              <a:rPr sz="1800" i="1">
-                <a:solidFill>
-                  <a:srgbClr val="60A0B0"/>
-                </a:solidFill>
-                <a:latin typeface="Courier"/>
-              </a:rPr>
-              <a:t># Combining into a data frame.</a:t>
-            </a:r>
-            <a:br/>
-            <a:br/>
-            <a:r>
-              <a:rPr sz="1800">
-                <a:latin typeface="Courier"/>
-              </a:rPr>
-              <a:t>patients &lt;-</a:t>
-            </a:r>
-            <a:r>
-              <a:rPr sz="1800">
-                <a:solidFill>
-                  <a:srgbClr val="4070A0"/>
-                </a:solidFill>
-                <a:latin typeface="Courier"/>
-              </a:rPr>
-              <a:t> </a:t>
-            </a:r>
-            <a:r>
-              <a:rPr sz="1800" b="1">
-                <a:solidFill>
-                  <a:srgbClr val="007020"/>
-                </a:solidFill>
-                <a:latin typeface="Courier"/>
-              </a:rPr>
-              <a:t>data.frame</a:t>
-            </a:r>
-            <a:r>
-              <a:rPr sz="1800">
-                <a:latin typeface="Courier"/>
-              </a:rPr>
-              <a:t>(name, age, gender)</a:t>
+            <a:pPr lvl="1"/>
+            <a:r>
+              <a:rPr/>
+              <a:t>Combine these vectors into a data frame using </a:t>
+            </a:r>
+            <a:r>
+              <a:rPr sz="1800">
+                <a:latin typeface="Courier"/>
+              </a:rPr>
+              <a:t>data.frame()</a:t>
+            </a:r>
+          </a:p>
+          <a:p>
+            <a:pPr lvl="2"/>
+            <a:r>
+              <a:rPr/>
+              <a:t>Hint, the vector names need to go inside the </a:t>
+            </a:r>
+            <a:r>
+              <a:rPr sz="1800">
+                <a:latin typeface="Courier"/>
+              </a:rPr>
+              <a:t>()</a:t>
+            </a:r>
+          </a:p>
+          <a:p>
+            <a:pPr lvl="1"/>
+            <a:r>
+              <a:rPr/>
+              <a:t>Save the data frame under the name </a:t>
+            </a:r>
+            <a:r>
+              <a:rPr sz="1800">
+                <a:latin typeface="Courier"/>
+              </a:rPr>
+              <a:t>patients</a:t>
+            </a:r>
+          </a:p>
+          <a:p>
+            <a:pPr lvl="1"/>
+            <a:r>
+              <a:rPr/>
+              <a:t>Print the data frame called </a:t>
+            </a:r>
+            <a:r>
+              <a:rPr sz="1800">
+                <a:latin typeface="Courier"/>
+              </a:rPr>
+              <a:t>patients</a:t>
+            </a:r>
+            <a:r>
+              <a:rPr/>
+              <a:t> to your console</a:t>
             </a:r>
           </a:p>
         </p:txBody>
@@ -9783,23 +9337,15 @@
             </a:pPr>
             <a:r>
               <a:rPr/>
-              <a:t>This</a:t>
-            </a:r>
-            <a:r>
-              <a:rPr/>
-              <a:t> </a:t>
-            </a:r>
-            <a:r>
-              <a:rPr/>
-              <a:t>is</a:t>
-            </a:r>
-            <a:r>
-              <a:rPr/>
-              <a:t> </a:t>
-            </a:r>
-            <a:r>
-              <a:rPr/>
-              <a:t>the</a:t>
+              <a:t>Creating</a:t>
+            </a:r>
+            <a:r>
+              <a:rPr/>
+              <a:t> </a:t>
+            </a:r>
+            <a:r>
+              <a:rPr/>
+              <a:t>a</a:t>
             </a:r>
             <a:r>
               <a:rPr/>
@@ -9815,7 +9361,23 @@
             </a:r>
             <a:r>
               <a:rPr/>
-              <a:t>frame.</a:t>
+              <a:t>frame</a:t>
+            </a:r>
+            <a:r>
+              <a:rPr/>
+              <a:t> </a:t>
+            </a:r>
+            <a:r>
+              <a:rPr/>
+              <a:t>-</a:t>
+            </a:r>
+            <a:r>
+              <a:rPr/>
+              <a:t> </a:t>
+            </a:r>
+            <a:r>
+              <a:rPr/>
+              <a:t>solution</a:t>
             </a:r>
           </a:p>
         </p:txBody>
@@ -9845,48 +9407,421 @@
               <a:buNone/>
             </a:pPr>
             <a:r>
-              <a:rPr sz="1800">
-                <a:latin typeface="Courier"/>
-              </a:rPr>
-              <a:t>patients</a:t>
-            </a:r>
-          </a:p>
-          <a:p>
-            <a:pPr lvl="0" marL="1270000" indent="0">
-              <a:buNone/>
-            </a:pPr>
-            <a:r>
-              <a:rPr sz="1800">
-                <a:latin typeface="Courier"/>
-              </a:rPr>
-              <a:t>##       name age gender
-## 1     Adam  50   male
-## 2    Sally  25 female
-## 3      Eve  32 female
-## 4     John  67   male
-## 5    James  46   male
-## 6 Jennifer  19 female</a:t>
-            </a:r>
-          </a:p>
-          <a:p>
-            <a:pPr lvl="1"/>
-            <a:r>
-              <a:rPr/>
-              <a:t>R arranges the vectors as columns in the data frame</a:t>
-            </a:r>
-          </a:p>
-          <a:p>
-            <a:pPr lvl="1"/>
-            <a:r>
-              <a:rPr/>
-              <a:t>R names the columns of the data frame after the names of the vectors</a:t>
-            </a:r>
-          </a:p>
-          <a:p>
-            <a:pPr lvl="1"/>
-            <a:r>
-              <a:rPr/>
-              <a:t>R numbers each row of the data frame</a:t>
+              <a:rPr sz="1800" i="1">
+                <a:solidFill>
+                  <a:srgbClr val="60A0B0"/>
+                </a:solidFill>
+                <a:latin typeface="Courier"/>
+              </a:rPr>
+              <a:t># Creating individual vectors.</a:t>
+            </a:r>
+            <a:br/>
+            <a:br/>
+            <a:r>
+              <a:rPr sz="1800">
+                <a:latin typeface="Courier"/>
+              </a:rPr>
+              <a:t>name &lt;-</a:t>
+            </a:r>
+            <a:r>
+              <a:rPr sz="1800">
+                <a:solidFill>
+                  <a:srgbClr val="4070A0"/>
+                </a:solidFill>
+                <a:latin typeface="Courier"/>
+              </a:rPr>
+              <a:t> </a:t>
+            </a:r>
+            <a:r>
+              <a:rPr sz="1800" b="1">
+                <a:solidFill>
+                  <a:srgbClr val="007020"/>
+                </a:solidFill>
+                <a:latin typeface="Courier"/>
+              </a:rPr>
+              <a:t>c</a:t>
+            </a:r>
+            <a:r>
+              <a:rPr sz="1800">
+                <a:latin typeface="Courier"/>
+              </a:rPr>
+              <a:t>(</a:t>
+            </a:r>
+            <a:r>
+              <a:rPr sz="1800">
+                <a:solidFill>
+                  <a:srgbClr val="4070A0"/>
+                </a:solidFill>
+                <a:latin typeface="Courier"/>
+              </a:rPr>
+              <a:t>"Adam"</a:t>
+            </a:r>
+            <a:r>
+              <a:rPr sz="1800">
+                <a:latin typeface="Courier"/>
+              </a:rPr>
+              <a:t>, </a:t>
+            </a:r>
+            <a:r>
+              <a:rPr sz="1800">
+                <a:solidFill>
+                  <a:srgbClr val="4070A0"/>
+                </a:solidFill>
+                <a:latin typeface="Courier"/>
+              </a:rPr>
+              <a:t>"Sally"</a:t>
+            </a:r>
+            <a:r>
+              <a:rPr sz="1800">
+                <a:latin typeface="Courier"/>
+              </a:rPr>
+              <a:t>, </a:t>
+            </a:r>
+            <a:r>
+              <a:rPr sz="1800">
+                <a:solidFill>
+                  <a:srgbClr val="4070A0"/>
+                </a:solidFill>
+                <a:latin typeface="Courier"/>
+              </a:rPr>
+              <a:t>"Eve"</a:t>
+            </a:r>
+            <a:r>
+              <a:rPr sz="1800">
+                <a:latin typeface="Courier"/>
+              </a:rPr>
+              <a:t>, </a:t>
+            </a:r>
+            <a:r>
+              <a:rPr sz="1800">
+                <a:solidFill>
+                  <a:srgbClr val="4070A0"/>
+                </a:solidFill>
+                <a:latin typeface="Courier"/>
+              </a:rPr>
+              <a:t>"John"</a:t>
+            </a:r>
+            <a:r>
+              <a:rPr sz="1800">
+                <a:latin typeface="Courier"/>
+              </a:rPr>
+              <a:t>, </a:t>
+            </a:r>
+            <a:r>
+              <a:rPr sz="1800">
+                <a:solidFill>
+                  <a:srgbClr val="4070A0"/>
+                </a:solidFill>
+                <a:latin typeface="Courier"/>
+              </a:rPr>
+              <a:t>"James"</a:t>
+            </a:r>
+            <a:r>
+              <a:rPr sz="1800">
+                <a:latin typeface="Courier"/>
+              </a:rPr>
+              <a:t>, </a:t>
+            </a:r>
+            <a:r>
+              <a:rPr sz="1800">
+                <a:solidFill>
+                  <a:srgbClr val="4070A0"/>
+                </a:solidFill>
+                <a:latin typeface="Courier"/>
+              </a:rPr>
+              <a:t>"Jennifer"</a:t>
+            </a:r>
+            <a:r>
+              <a:rPr sz="1800">
+                <a:latin typeface="Courier"/>
+              </a:rPr>
+              <a:t>)</a:t>
+            </a:r>
+            <a:br/>
+            <a:r>
+              <a:rPr sz="1800">
+                <a:latin typeface="Courier"/>
+              </a:rPr>
+              <a:t>age &lt;-</a:t>
+            </a:r>
+            <a:r>
+              <a:rPr sz="1800">
+                <a:solidFill>
+                  <a:srgbClr val="4070A0"/>
+                </a:solidFill>
+                <a:latin typeface="Courier"/>
+              </a:rPr>
+              <a:t> </a:t>
+            </a:r>
+            <a:r>
+              <a:rPr sz="1800" b="1">
+                <a:solidFill>
+                  <a:srgbClr val="007020"/>
+                </a:solidFill>
+                <a:latin typeface="Courier"/>
+              </a:rPr>
+              <a:t>c</a:t>
+            </a:r>
+            <a:r>
+              <a:rPr sz="1800">
+                <a:latin typeface="Courier"/>
+              </a:rPr>
+              <a:t>(</a:t>
+            </a:r>
+            <a:r>
+              <a:rPr sz="1800">
+                <a:solidFill>
+                  <a:srgbClr val="40A070"/>
+                </a:solidFill>
+                <a:latin typeface="Courier"/>
+              </a:rPr>
+              <a:t>50</a:t>
+            </a:r>
+            <a:r>
+              <a:rPr sz="1800">
+                <a:latin typeface="Courier"/>
+              </a:rPr>
+              <a:t>, </a:t>
+            </a:r>
+            <a:r>
+              <a:rPr sz="1800">
+                <a:solidFill>
+                  <a:srgbClr val="40A070"/>
+                </a:solidFill>
+                <a:latin typeface="Courier"/>
+              </a:rPr>
+              <a:t>25</a:t>
+            </a:r>
+            <a:r>
+              <a:rPr sz="1800">
+                <a:latin typeface="Courier"/>
+              </a:rPr>
+              <a:t>, </a:t>
+            </a:r>
+            <a:r>
+              <a:rPr sz="1800">
+                <a:solidFill>
+                  <a:srgbClr val="40A070"/>
+                </a:solidFill>
+                <a:latin typeface="Courier"/>
+              </a:rPr>
+              <a:t>32</a:t>
+            </a:r>
+            <a:r>
+              <a:rPr sz="1800">
+                <a:latin typeface="Courier"/>
+              </a:rPr>
+              <a:t>, </a:t>
+            </a:r>
+            <a:r>
+              <a:rPr sz="1800">
+                <a:solidFill>
+                  <a:srgbClr val="40A070"/>
+                </a:solidFill>
+                <a:latin typeface="Courier"/>
+              </a:rPr>
+              <a:t>67</a:t>
+            </a:r>
+            <a:r>
+              <a:rPr sz="1800">
+                <a:latin typeface="Courier"/>
+              </a:rPr>
+              <a:t>, </a:t>
+            </a:r>
+            <a:r>
+              <a:rPr sz="1800">
+                <a:solidFill>
+                  <a:srgbClr val="40A070"/>
+                </a:solidFill>
+                <a:latin typeface="Courier"/>
+              </a:rPr>
+              <a:t>46</a:t>
+            </a:r>
+            <a:r>
+              <a:rPr sz="1800">
+                <a:latin typeface="Courier"/>
+              </a:rPr>
+              <a:t>, </a:t>
+            </a:r>
+            <a:r>
+              <a:rPr sz="1800">
+                <a:solidFill>
+                  <a:srgbClr val="40A070"/>
+                </a:solidFill>
+                <a:latin typeface="Courier"/>
+              </a:rPr>
+              <a:t>19</a:t>
+            </a:r>
+            <a:r>
+              <a:rPr sz="1800">
+                <a:latin typeface="Courier"/>
+              </a:rPr>
+              <a:t>)</a:t>
+            </a:r>
+            <a:br/>
+            <a:r>
+              <a:rPr sz="1800">
+                <a:latin typeface="Courier"/>
+              </a:rPr>
+              <a:t>gender &lt;-</a:t>
+            </a:r>
+            <a:r>
+              <a:rPr sz="1800">
+                <a:solidFill>
+                  <a:srgbClr val="4070A0"/>
+                </a:solidFill>
+                <a:latin typeface="Courier"/>
+              </a:rPr>
+              <a:t> </a:t>
+            </a:r>
+            <a:r>
+              <a:rPr sz="1800" b="1">
+                <a:solidFill>
+                  <a:srgbClr val="007020"/>
+                </a:solidFill>
+                <a:latin typeface="Courier"/>
+              </a:rPr>
+              <a:t>c</a:t>
+            </a:r>
+            <a:r>
+              <a:rPr sz="1800">
+                <a:latin typeface="Courier"/>
+              </a:rPr>
+              <a:t>(</a:t>
+            </a:r>
+            <a:r>
+              <a:rPr sz="1800">
+                <a:solidFill>
+                  <a:srgbClr val="4070A0"/>
+                </a:solidFill>
+                <a:latin typeface="Courier"/>
+              </a:rPr>
+              <a:t>"male"</a:t>
+            </a:r>
+            <a:r>
+              <a:rPr sz="1800">
+                <a:latin typeface="Courier"/>
+              </a:rPr>
+              <a:t>, </a:t>
+            </a:r>
+            <a:r>
+              <a:rPr sz="1800">
+                <a:solidFill>
+                  <a:srgbClr val="4070A0"/>
+                </a:solidFill>
+                <a:latin typeface="Courier"/>
+              </a:rPr>
+              <a:t>"female"</a:t>
+            </a:r>
+            <a:r>
+              <a:rPr sz="1800">
+                <a:latin typeface="Courier"/>
+              </a:rPr>
+              <a:t>, </a:t>
+            </a:r>
+            <a:r>
+              <a:rPr sz="1800">
+                <a:solidFill>
+                  <a:srgbClr val="4070A0"/>
+                </a:solidFill>
+                <a:latin typeface="Courier"/>
+              </a:rPr>
+              <a:t>"female"</a:t>
+            </a:r>
+            <a:r>
+              <a:rPr sz="1800">
+                <a:latin typeface="Courier"/>
+              </a:rPr>
+              <a:t>, </a:t>
+            </a:r>
+            <a:r>
+              <a:rPr sz="1800">
+                <a:solidFill>
+                  <a:srgbClr val="4070A0"/>
+                </a:solidFill>
+                <a:latin typeface="Courier"/>
+              </a:rPr>
+              <a:t>"male"</a:t>
+            </a:r>
+            <a:r>
+              <a:rPr sz="1800">
+                <a:latin typeface="Courier"/>
+              </a:rPr>
+              <a:t>, </a:t>
+            </a:r>
+            <a:r>
+              <a:rPr sz="1800">
+                <a:solidFill>
+                  <a:srgbClr val="4070A0"/>
+                </a:solidFill>
+                <a:latin typeface="Courier"/>
+              </a:rPr>
+              <a:t>"male"</a:t>
+            </a:r>
+            <a:r>
+              <a:rPr sz="1800">
+                <a:latin typeface="Courier"/>
+              </a:rPr>
+              <a:t>, </a:t>
+            </a:r>
+            <a:r>
+              <a:rPr sz="1800">
+                <a:solidFill>
+                  <a:srgbClr val="4070A0"/>
+                </a:solidFill>
+                <a:latin typeface="Courier"/>
+              </a:rPr>
+              <a:t>"female"</a:t>
+            </a:r>
+            <a:r>
+              <a:rPr sz="1800">
+                <a:latin typeface="Courier"/>
+              </a:rPr>
+              <a:t>)</a:t>
+            </a:r>
+            <a:br/>
+            <a:br/>
+            <a:br/>
+            <a:r>
+              <a:rPr sz="1800" i="1">
+                <a:solidFill>
+                  <a:srgbClr val="60A0B0"/>
+                </a:solidFill>
+                <a:latin typeface="Courier"/>
+              </a:rPr>
+              <a:t># Combining into a data frame.</a:t>
+            </a:r>
+            <a:br/>
+            <a:br/>
+            <a:r>
+              <a:rPr sz="1800">
+                <a:latin typeface="Courier"/>
+              </a:rPr>
+              <a:t>patients &lt;-</a:t>
+            </a:r>
+            <a:r>
+              <a:rPr sz="1800">
+                <a:solidFill>
+                  <a:srgbClr val="4070A0"/>
+                </a:solidFill>
+                <a:latin typeface="Courier"/>
+              </a:rPr>
+              <a:t> </a:t>
+            </a:r>
+            <a:r>
+              <a:rPr sz="1800" b="1">
+                <a:solidFill>
+                  <a:srgbClr val="007020"/>
+                </a:solidFill>
+                <a:latin typeface="Courier"/>
+              </a:rPr>
+              <a:t>data.frame</a:t>
+            </a:r>
+            <a:r>
+              <a:rPr sz="1800">
+                <a:latin typeface="Courier"/>
+              </a:rPr>
+              <a:t>(name, age, gender)</a:t>
             </a:r>
           </a:p>
         </p:txBody>
@@ -9939,39 +9874,23 @@
             </a:pPr>
             <a:r>
               <a:rPr/>
-              <a:t>Recalling</a:t>
-            </a:r>
-            <a:r>
-              <a:rPr/>
-              <a:t> </a:t>
-            </a:r>
-            <a:r>
-              <a:rPr/>
-              <a:t>a</a:t>
-            </a:r>
-            <a:r>
-              <a:rPr/>
-              <a:t> </a:t>
-            </a:r>
-            <a:r>
-              <a:rPr/>
-              <a:t>vector</a:t>
-            </a:r>
-            <a:r>
-              <a:rPr/>
-              <a:t> </a:t>
-            </a:r>
-            <a:r>
-              <a:rPr/>
-              <a:t>in</a:t>
-            </a:r>
-            <a:r>
-              <a:rPr/>
-              <a:t> </a:t>
-            </a:r>
-            <a:r>
-              <a:rPr/>
-              <a:t>a</a:t>
+              <a:t>This</a:t>
+            </a:r>
+            <a:r>
+              <a:rPr/>
+              <a:t> </a:t>
+            </a:r>
+            <a:r>
+              <a:rPr/>
+              <a:t>is</a:t>
+            </a:r>
+            <a:r>
+              <a:rPr/>
+              <a:t> </a:t>
+            </a:r>
+            <a:r>
+              <a:rPr/>
+              <a:t>the</a:t>
             </a:r>
             <a:r>
               <a:rPr/>
@@ -9987,7 +9906,7 @@
             </a:r>
             <a:r>
               <a:rPr/>
-              <a:t>frame</a:t>
+              <a:t>frame.</a:t>
             </a:r>
           </a:p>
         </p:txBody>
@@ -10013,83 +9932,52 @@
           <a:bodyPr/>
           <a:lstStyle/>
           <a:p>
+            <a:pPr lvl="0" marL="1270000" indent="0">
+              <a:buNone/>
+            </a:pPr>
+            <a:r>
+              <a:rPr sz="1800">
+                <a:latin typeface="Courier"/>
+              </a:rPr>
+              <a:t>patients</a:t>
+            </a:r>
+          </a:p>
+          <a:p>
+            <a:pPr lvl="0" marL="1270000" indent="0">
+              <a:buNone/>
+            </a:pPr>
+            <a:r>
+              <a:rPr sz="1800">
+                <a:latin typeface="Courier"/>
+              </a:rPr>
+              <a:t>##       name age gender
+## 1     Adam  50   male
+## 2    Sally  25 female
+## 3      Eve  32 female
+## 4     John  67   male
+## 5    James  46   male
+## 6 Jennifer  19 female</a:t>
+            </a:r>
+          </a:p>
+          <a:p>
             <a:pPr lvl="1"/>
             <a:r>
               <a:rPr/>
-              <a:t>Data frame colums are vectors.</a:t>
+              <a:t>R arranges the vectors as columns in the data frame</a:t>
             </a:r>
           </a:p>
           <a:p>
             <a:pPr lvl="1"/>
             <a:r>
-              <a:rPr sz="1800">
-                <a:latin typeface="Courier"/>
-              </a:rPr>
-              <a:t>$</a:t>
-            </a:r>
-            <a:r>
-              <a:rPr/>
-              <a:t> can be used to extract a vector from a data frame.</a:t>
+              <a:rPr/>
+              <a:t>R names the columns of the data frame after the names of the vectors</a:t>
             </a:r>
           </a:p>
           <a:p>
             <a:pPr lvl="1"/>
             <a:r>
               <a:rPr/>
-              <a:t>We can get the </a:t>
-            </a:r>
-            <a:r>
-              <a:rPr sz="1800">
-                <a:latin typeface="Courier"/>
-              </a:rPr>
-              <a:t>age</a:t>
-            </a:r>
-            <a:r>
-              <a:rPr/>
-              <a:t> column from the data frame </a:t>
-            </a:r>
-            <a:r>
-              <a:rPr sz="1800">
-                <a:latin typeface="Courier"/>
-              </a:rPr>
-              <a:t>group</a:t>
-            </a:r>
-          </a:p>
-          <a:p>
-            <a:pPr lvl="0" marL="1270000" indent="0">
-              <a:buNone/>
-            </a:pPr>
-            <a:r>
-              <a:rPr sz="1800">
-                <a:latin typeface="Courier"/>
-              </a:rPr>
-              <a:t>patients</a:t>
-            </a:r>
-            <a:r>
-              <a:rPr sz="1800">
-                <a:solidFill>
-                  <a:srgbClr val="666666"/>
-                </a:solidFill>
-                <a:latin typeface="Courier"/>
-              </a:rPr>
-              <a:t>$</a:t>
-            </a:r>
-            <a:r>
-              <a:rPr sz="1800">
-                <a:latin typeface="Courier"/>
-              </a:rPr>
-              <a:t>age</a:t>
-            </a:r>
-          </a:p>
-          <a:p>
-            <a:pPr lvl="0" marL="1270000" indent="0">
-              <a:buNone/>
-            </a:pPr>
-            <a:r>
-              <a:rPr sz="1800">
-                <a:latin typeface="Courier"/>
-              </a:rPr>
-              <a:t>## [1] 50 25 32 67 46 19</a:t>
+              <a:t>R numbers each row of the data frame</a:t>
             </a:r>
           </a:p>
         </p:txBody>
@@ -10142,31 +10030,55 @@
             </a:pPr>
             <a:r>
               <a:rPr/>
-              <a:t>Vectors</a:t>
-            </a:r>
-            <a:r>
-              <a:rPr/>
-              <a:t> </a:t>
-            </a:r>
-            <a:r>
-              <a:rPr/>
-              <a:t>-</a:t>
-            </a:r>
-            <a:r>
-              <a:rPr/>
-              <a:t> </a:t>
-            </a:r>
-            <a:r>
-              <a:rPr/>
-              <a:t>other</a:t>
-            </a:r>
-            <a:r>
-              <a:rPr/>
-              <a:t> </a:t>
-            </a:r>
-            <a:r>
-              <a:rPr/>
-              <a:t>properties</a:t>
+              <a:t>Recalling</a:t>
+            </a:r>
+            <a:r>
+              <a:rPr/>
+              <a:t> </a:t>
+            </a:r>
+            <a:r>
+              <a:rPr/>
+              <a:t>a</a:t>
+            </a:r>
+            <a:r>
+              <a:rPr/>
+              <a:t> </a:t>
+            </a:r>
+            <a:r>
+              <a:rPr/>
+              <a:t>vector</a:t>
+            </a:r>
+            <a:r>
+              <a:rPr/>
+              <a:t> </a:t>
+            </a:r>
+            <a:r>
+              <a:rPr/>
+              <a:t>in</a:t>
+            </a:r>
+            <a:r>
+              <a:rPr/>
+              <a:t> </a:t>
+            </a:r>
+            <a:r>
+              <a:rPr/>
+              <a:t>a</a:t>
+            </a:r>
+            <a:r>
+              <a:rPr/>
+              <a:t> </a:t>
+            </a:r>
+            <a:r>
+              <a:rPr/>
+              <a:t>data</a:t>
+            </a:r>
+            <a:r>
+              <a:rPr/>
+              <a:t> </a:t>
+            </a:r>
+            <a:r>
+              <a:rPr/>
+              <a:t>frame</a:t>
             </a:r>
           </a:p>
         </p:txBody>
@@ -10195,45 +10107,80 @@
             <a:pPr lvl="1"/>
             <a:r>
               <a:rPr/>
-              <a:t>Add a value of TRUE to a vector of integers</a:t>
+              <a:t>Data frame colums are vectors.</a:t>
             </a:r>
           </a:p>
           <a:p>
             <a:pPr lvl="1"/>
             <a:r>
-              <a:rPr/>
-              <a:t>Give it a name</a:t>
+              <a:rPr sz="1800">
+                <a:latin typeface="Courier"/>
+              </a:rPr>
+              <a:t>$</a:t>
+            </a:r>
+            <a:r>
+              <a:rPr/>
+              <a:t> can be used to extract a vector from a data frame.</a:t>
             </a:r>
           </a:p>
           <a:p>
             <a:pPr lvl="1"/>
             <a:r>
               <a:rPr/>
-              <a:t>Recall the vector</a:t>
-            </a:r>
-          </a:p>
-          <a:p>
-            <a:pPr lvl="1"/>
-            <a:r>
-              <a:rPr/>
-              <a:t>Use </a:t>
-            </a:r>
-            <a:r>
-              <a:rPr sz="1800">
-                <a:latin typeface="Courier"/>
-              </a:rPr>
-              <a:t>str()</a:t>
-            </a:r>
-            <a:r>
-              <a:rPr/>
-              <a:t> to examine the structure of the vector.</a:t>
-            </a:r>
-          </a:p>
-          <a:p>
-            <a:pPr lvl="1"/>
-            <a:r>
-              <a:rPr/>
-              <a:t>What has happened?</a:t>
+              <a:t>We can get the </a:t>
+            </a:r>
+            <a:r>
+              <a:rPr sz="1800">
+                <a:latin typeface="Courier"/>
+              </a:rPr>
+              <a:t>age</a:t>
+            </a:r>
+            <a:r>
+              <a:rPr/>
+              <a:t> column from the data frame </a:t>
+            </a:r>
+            <a:r>
+              <a:rPr sz="1800">
+                <a:latin typeface="Courier"/>
+              </a:rPr>
+              <a:t>group</a:t>
+            </a:r>
+          </a:p>
+          <a:p>
+            <a:pPr lvl="0" marL="1270000" indent="0">
+              <a:buNone/>
+            </a:pPr>
+            <a:r>
+              <a:rPr sz="1800">
+                <a:latin typeface="Courier"/>
+              </a:rPr>
+              <a:t>patients</a:t>
+            </a:r>
+            <a:r>
+              <a:rPr sz="1800">
+                <a:solidFill>
+                  <a:srgbClr val="666666"/>
+                </a:solidFill>
+                <a:latin typeface="Courier"/>
+              </a:rPr>
+              <a:t>$</a:t>
+            </a:r>
+            <a:r>
+              <a:rPr sz="1800">
+                <a:latin typeface="Courier"/>
+              </a:rPr>
+              <a:t>age</a:t>
+            </a:r>
+          </a:p>
+          <a:p>
+            <a:pPr lvl="0" marL="1270000" indent="0">
+              <a:buNone/>
+            </a:pPr>
+            <a:r>
+              <a:rPr sz="1800">
+                <a:latin typeface="Courier"/>
+              </a:rPr>
+              <a:t>## [1] 50 25 32 67 46 19</a:t>
             </a:r>
           </a:p>
         </p:txBody>
@@ -10336,186 +10283,48 @@
           <a:bodyPr/>
           <a:lstStyle/>
           <a:p>
-            <a:pPr lvl="0" marL="1270000" indent="0">
-              <a:buNone/>
-            </a:pPr>
-            <a:r>
-              <a:rPr sz="1800">
-                <a:latin typeface="Courier"/>
-              </a:rPr>
-              <a:t>test &lt;-</a:t>
-            </a:r>
-            <a:r>
-              <a:rPr sz="1800">
-                <a:solidFill>
-                  <a:srgbClr val="4070A0"/>
-                </a:solidFill>
-                <a:latin typeface="Courier"/>
-              </a:rPr>
-              <a:t> </a:t>
-            </a:r>
-            <a:r>
-              <a:rPr sz="1800" b="1">
-                <a:solidFill>
-                  <a:srgbClr val="007020"/>
-                </a:solidFill>
-                <a:latin typeface="Courier"/>
-              </a:rPr>
-              <a:t>c</a:t>
-            </a:r>
-            <a:r>
-              <a:rPr sz="1800">
-                <a:latin typeface="Courier"/>
-              </a:rPr>
-              <a:t>(</a:t>
-            </a:r>
-            <a:r>
-              <a:rPr sz="1800">
-                <a:solidFill>
-                  <a:srgbClr val="40A070"/>
-                </a:solidFill>
-                <a:latin typeface="Courier"/>
-              </a:rPr>
-              <a:t>1</a:t>
-            </a:r>
-            <a:r>
-              <a:rPr sz="1800">
-                <a:latin typeface="Courier"/>
-              </a:rPr>
-              <a:t>,</a:t>
-            </a:r>
-            <a:r>
-              <a:rPr sz="1800">
-                <a:solidFill>
-                  <a:srgbClr val="40A070"/>
-                </a:solidFill>
-                <a:latin typeface="Courier"/>
-              </a:rPr>
-              <a:t>2</a:t>
-            </a:r>
-            <a:r>
-              <a:rPr sz="1800">
-                <a:latin typeface="Courier"/>
-              </a:rPr>
-              <a:t>,</a:t>
-            </a:r>
-            <a:r>
-              <a:rPr sz="1800">
-                <a:solidFill>
-                  <a:srgbClr val="40A070"/>
-                </a:solidFill>
-                <a:latin typeface="Courier"/>
-              </a:rPr>
-              <a:t>3</a:t>
-            </a:r>
-            <a:r>
-              <a:rPr sz="1800">
-                <a:latin typeface="Courier"/>
-              </a:rPr>
-              <a:t>,</a:t>
-            </a:r>
-            <a:r>
-              <a:rPr sz="1800">
-                <a:solidFill>
-                  <a:srgbClr val="40A070"/>
-                </a:solidFill>
-                <a:latin typeface="Courier"/>
-              </a:rPr>
-              <a:t>4</a:t>
-            </a:r>
-            <a:r>
-              <a:rPr sz="1800">
-                <a:latin typeface="Courier"/>
-              </a:rPr>
-              <a:t>,</a:t>
-            </a:r>
-            <a:r>
-              <a:rPr sz="1800">
-                <a:solidFill>
-                  <a:srgbClr val="007020"/>
-                </a:solidFill>
-                <a:latin typeface="Courier"/>
-              </a:rPr>
-              <a:t>TRUE</a:t>
-            </a:r>
-            <a:r>
-              <a:rPr sz="1800">
-                <a:latin typeface="Courier"/>
-              </a:rPr>
-              <a:t>)</a:t>
-            </a:r>
-            <a:br/>
-            <a:r>
-              <a:rPr sz="1800">
-                <a:latin typeface="Courier"/>
-              </a:rPr>
-              <a:t>test</a:t>
-            </a:r>
-          </a:p>
-          <a:p>
-            <a:pPr lvl="0" marL="1270000" indent="0">
-              <a:buNone/>
-            </a:pPr>
-            <a:r>
-              <a:rPr sz="1800">
-                <a:latin typeface="Courier"/>
-              </a:rPr>
-              <a:t>## [1] 1 2 3 4 1</a:t>
-            </a:r>
-          </a:p>
-          <a:p>
-            <a:pPr lvl="0" marL="1270000" indent="0">
-              <a:buNone/>
-            </a:pPr>
-            <a:r>
-              <a:rPr sz="1800" b="1">
-                <a:solidFill>
-                  <a:srgbClr val="007020"/>
-                </a:solidFill>
-                <a:latin typeface="Courier"/>
-              </a:rPr>
-              <a:t>str</a:t>
-            </a:r>
-            <a:r>
-              <a:rPr sz="1800">
-                <a:latin typeface="Courier"/>
-              </a:rPr>
-              <a:t>(test)</a:t>
-            </a:r>
-          </a:p>
-          <a:p>
-            <a:pPr lvl="0" marL="1270000" indent="0">
-              <a:buNone/>
-            </a:pPr>
-            <a:r>
-              <a:rPr sz="1800">
-                <a:latin typeface="Courier"/>
-              </a:rPr>
-              <a:t>##  num [1:5] 1 2 3 4 1</a:t>
-            </a:r>
-          </a:p>
-          <a:p>
             <a:pPr lvl="1"/>
             <a:r>
               <a:rPr/>
-              <a:t>The value of </a:t>
-            </a:r>
-            <a:r>
-              <a:rPr sz="1800">
-                <a:latin typeface="Courier"/>
-              </a:rPr>
-              <a:t>TRUE</a:t>
-            </a:r>
-            <a:r>
-              <a:rPr/>
-              <a:t> has been changed to 1.</a:t>
+              <a:t>Add a value of TRUE to a vector of integers</a:t>
             </a:r>
           </a:p>
           <a:p>
             <a:pPr lvl="1"/>
             <a:r>
               <a:rPr/>
-              <a:t>The vector is still a numeric vector</a:t>
+              <a:t>Give it a name</a:t>
+            </a:r>
+          </a:p>
+          <a:p>
+            <a:pPr lvl="1"/>
+            <a:r>
+              <a:rPr/>
+              <a:t>Recall the vector</a:t>
+            </a:r>
+          </a:p>
+          <a:p>
+            <a:pPr lvl="1"/>
+            <a:r>
+              <a:rPr/>
+              <a:t>Use </a:t>
+            </a:r>
+            <a:r>
+              <a:rPr sz="1800">
+                <a:latin typeface="Courier"/>
+              </a:rPr>
+              <a:t>str()</a:t>
+            </a:r>
+            <a:r>
+              <a:rPr/>
+              <a:t> to examine the structure of the vector.</a:t>
+            </a:r>
+          </a:p>
+          <a:p>
+            <a:pPr lvl="1"/>
+            <a:r>
+              <a:rPr/>
+              <a:t>What has happened?</a:t>
             </a:r>
           </a:p>
         </p:txBody>
@@ -10618,24 +10427,186 @@
           <a:bodyPr/>
           <a:lstStyle/>
           <a:p>
+            <a:pPr lvl="0" marL="1270000" indent="0">
+              <a:buNone/>
+            </a:pPr>
+            <a:r>
+              <a:rPr sz="1800">
+                <a:latin typeface="Courier"/>
+              </a:rPr>
+              <a:t>test &lt;-</a:t>
+            </a:r>
+            <a:r>
+              <a:rPr sz="1800">
+                <a:solidFill>
+                  <a:srgbClr val="4070A0"/>
+                </a:solidFill>
+                <a:latin typeface="Courier"/>
+              </a:rPr>
+              <a:t> </a:t>
+            </a:r>
+            <a:r>
+              <a:rPr sz="1800" b="1">
+                <a:solidFill>
+                  <a:srgbClr val="007020"/>
+                </a:solidFill>
+                <a:latin typeface="Courier"/>
+              </a:rPr>
+              <a:t>c</a:t>
+            </a:r>
+            <a:r>
+              <a:rPr sz="1800">
+                <a:latin typeface="Courier"/>
+              </a:rPr>
+              <a:t>(</a:t>
+            </a:r>
+            <a:r>
+              <a:rPr sz="1800">
+                <a:solidFill>
+                  <a:srgbClr val="40A070"/>
+                </a:solidFill>
+                <a:latin typeface="Courier"/>
+              </a:rPr>
+              <a:t>1</a:t>
+            </a:r>
+            <a:r>
+              <a:rPr sz="1800">
+                <a:latin typeface="Courier"/>
+              </a:rPr>
+              <a:t>, </a:t>
+            </a:r>
+            <a:r>
+              <a:rPr sz="1800">
+                <a:solidFill>
+                  <a:srgbClr val="40A070"/>
+                </a:solidFill>
+                <a:latin typeface="Courier"/>
+              </a:rPr>
+              <a:t>2</a:t>
+            </a:r>
+            <a:r>
+              <a:rPr sz="1800">
+                <a:latin typeface="Courier"/>
+              </a:rPr>
+              <a:t>, </a:t>
+            </a:r>
+            <a:r>
+              <a:rPr sz="1800">
+                <a:solidFill>
+                  <a:srgbClr val="40A070"/>
+                </a:solidFill>
+                <a:latin typeface="Courier"/>
+              </a:rPr>
+              <a:t>3</a:t>
+            </a:r>
+            <a:r>
+              <a:rPr sz="1800">
+                <a:latin typeface="Courier"/>
+              </a:rPr>
+              <a:t>, </a:t>
+            </a:r>
+            <a:r>
+              <a:rPr sz="1800">
+                <a:solidFill>
+                  <a:srgbClr val="40A070"/>
+                </a:solidFill>
+                <a:latin typeface="Courier"/>
+              </a:rPr>
+              <a:t>4</a:t>
+            </a:r>
+            <a:r>
+              <a:rPr sz="1800">
+                <a:latin typeface="Courier"/>
+              </a:rPr>
+              <a:t>, </a:t>
+            </a:r>
+            <a:r>
+              <a:rPr sz="1800">
+                <a:solidFill>
+                  <a:srgbClr val="007020"/>
+                </a:solidFill>
+                <a:latin typeface="Courier"/>
+              </a:rPr>
+              <a:t>TRUE</a:t>
+            </a:r>
+            <a:r>
+              <a:rPr sz="1800">
+                <a:latin typeface="Courier"/>
+              </a:rPr>
+              <a:t>)</a:t>
+            </a:r>
+            <a:br/>
+            <a:r>
+              <a:rPr sz="1800">
+                <a:latin typeface="Courier"/>
+              </a:rPr>
+              <a:t>test</a:t>
+            </a:r>
+          </a:p>
+          <a:p>
+            <a:pPr lvl="0" marL="1270000" indent="0">
+              <a:buNone/>
+            </a:pPr>
+            <a:r>
+              <a:rPr sz="1800">
+                <a:latin typeface="Courier"/>
+              </a:rPr>
+              <a:t>## [1] 1 2 3 4 1</a:t>
+            </a:r>
+          </a:p>
+          <a:p>
+            <a:pPr lvl="0" marL="1270000" indent="0">
+              <a:buNone/>
+            </a:pPr>
+            <a:r>
+              <a:rPr sz="1800" b="1">
+                <a:solidFill>
+                  <a:srgbClr val="007020"/>
+                </a:solidFill>
+                <a:latin typeface="Courier"/>
+              </a:rPr>
+              <a:t>str</a:t>
+            </a:r>
+            <a:r>
+              <a:rPr sz="1800">
+                <a:latin typeface="Courier"/>
+              </a:rPr>
+              <a:t>(test)</a:t>
+            </a:r>
+          </a:p>
+          <a:p>
+            <a:pPr lvl="0" marL="1270000" indent="0">
+              <a:buNone/>
+            </a:pPr>
+            <a:r>
+              <a:rPr sz="1800">
+                <a:latin typeface="Courier"/>
+              </a:rPr>
+              <a:t>##  num [1:5] 1 2 3 4 1</a:t>
+            </a:r>
+          </a:p>
+          <a:p>
             <a:pPr lvl="1"/>
             <a:r>
               <a:rPr/>
-              <a:t>Add a string to a vector of integers</a:t>
+              <a:t>The value of </a:t>
+            </a:r>
+            <a:r>
+              <a:rPr sz="1800">
+                <a:latin typeface="Courier"/>
+              </a:rPr>
+              <a:t>TRUE</a:t>
+            </a:r>
+            <a:r>
+              <a:rPr/>
+              <a:t> has been changed to 1.</a:t>
             </a:r>
           </a:p>
           <a:p>
             <a:pPr lvl="1"/>
             <a:r>
               <a:rPr/>
-              <a:t>Recall the vector</a:t>
-            </a:r>
-          </a:p>
-          <a:p>
-            <a:pPr lvl="1"/>
-            <a:r>
-              <a:rPr/>
-              <a:t>What has happened?</a:t>
+              <a:t>The vector is still a numeric vector</a:t>
             </a:r>
           </a:p>
         </p:txBody>
@@ -10738,176 +10709,24 @@
           <a:bodyPr/>
           <a:lstStyle/>
           <a:p>
-            <a:pPr lvl="0" marL="1270000" indent="0">
-              <a:buNone/>
-            </a:pPr>
-            <a:r>
-              <a:rPr sz="1800">
-                <a:latin typeface="Courier"/>
-              </a:rPr>
-              <a:t>test2 &lt;-</a:t>
-            </a:r>
-            <a:r>
-              <a:rPr sz="1800">
-                <a:solidFill>
-                  <a:srgbClr val="4070A0"/>
-                </a:solidFill>
-                <a:latin typeface="Courier"/>
-              </a:rPr>
-              <a:t> </a:t>
-            </a:r>
-            <a:r>
-              <a:rPr sz="1800" b="1">
-                <a:solidFill>
-                  <a:srgbClr val="007020"/>
-                </a:solidFill>
-                <a:latin typeface="Courier"/>
-              </a:rPr>
-              <a:t>c</a:t>
-            </a:r>
-            <a:r>
-              <a:rPr sz="1800">
-                <a:latin typeface="Courier"/>
-              </a:rPr>
-              <a:t>(</a:t>
-            </a:r>
-            <a:r>
-              <a:rPr sz="1800">
-                <a:solidFill>
-                  <a:srgbClr val="40A070"/>
-                </a:solidFill>
-                <a:latin typeface="Courier"/>
-              </a:rPr>
-              <a:t>1</a:t>
-            </a:r>
-            <a:r>
-              <a:rPr sz="1800">
-                <a:latin typeface="Courier"/>
-              </a:rPr>
-              <a:t>, </a:t>
-            </a:r>
-            <a:r>
-              <a:rPr sz="1800">
-                <a:solidFill>
-                  <a:srgbClr val="40A070"/>
-                </a:solidFill>
-                <a:latin typeface="Courier"/>
-              </a:rPr>
-              <a:t>2</a:t>
-            </a:r>
-            <a:r>
-              <a:rPr sz="1800">
-                <a:latin typeface="Courier"/>
-              </a:rPr>
-              <a:t>, </a:t>
-            </a:r>
-            <a:r>
-              <a:rPr sz="1800">
-                <a:solidFill>
-                  <a:srgbClr val="40A070"/>
-                </a:solidFill>
-                <a:latin typeface="Courier"/>
-              </a:rPr>
-              <a:t>3</a:t>
-            </a:r>
-            <a:r>
-              <a:rPr sz="1800">
-                <a:latin typeface="Courier"/>
-              </a:rPr>
-              <a:t>, </a:t>
-            </a:r>
-            <a:r>
-              <a:rPr sz="1800">
-                <a:solidFill>
-                  <a:srgbClr val="40A070"/>
-                </a:solidFill>
-                <a:latin typeface="Courier"/>
-              </a:rPr>
-              <a:t>4</a:t>
-            </a:r>
-            <a:r>
-              <a:rPr sz="1800">
-                <a:latin typeface="Courier"/>
-              </a:rPr>
-              <a:t>, </a:t>
-            </a:r>
-            <a:r>
-              <a:rPr sz="1800">
-                <a:solidFill>
-                  <a:srgbClr val="4070A0"/>
-                </a:solidFill>
-                <a:latin typeface="Courier"/>
-              </a:rPr>
-              <a:t>"hi"</a:t>
-            </a:r>
-            <a:r>
-              <a:rPr sz="1800">
-                <a:latin typeface="Courier"/>
-              </a:rPr>
-              <a:t>)</a:t>
-            </a:r>
-            <a:br/>
-            <a:r>
-              <a:rPr sz="1800">
-                <a:latin typeface="Courier"/>
-              </a:rPr>
-              <a:t>test2</a:t>
-            </a:r>
-          </a:p>
-          <a:p>
-            <a:pPr lvl="0" marL="1270000" indent="0">
-              <a:buNone/>
-            </a:pPr>
-            <a:r>
-              <a:rPr sz="1800">
-                <a:latin typeface="Courier"/>
-              </a:rPr>
-              <a:t>## [1] "1"  "2"  "3"  "4"  "hi"</a:t>
-            </a:r>
-          </a:p>
-          <a:p>
-            <a:pPr lvl="0" marL="1270000" indent="0">
-              <a:buNone/>
-            </a:pPr>
-            <a:r>
-              <a:rPr sz="1800" b="1">
-                <a:solidFill>
-                  <a:srgbClr val="007020"/>
-                </a:solidFill>
-                <a:latin typeface="Courier"/>
-              </a:rPr>
-              <a:t>str</a:t>
-            </a:r>
-            <a:r>
-              <a:rPr sz="1800">
-                <a:latin typeface="Courier"/>
-              </a:rPr>
-              <a:t>(test2)</a:t>
-            </a:r>
-          </a:p>
-          <a:p>
-            <a:pPr lvl="0" marL="1270000" indent="0">
-              <a:buNone/>
-            </a:pPr>
-            <a:r>
-              <a:rPr sz="1800">
-                <a:latin typeface="Courier"/>
-              </a:rPr>
-              <a:t>##  chr [1:5] "1" "2" "3" "4" "hi"</a:t>
-            </a:r>
-          </a:p>
-          <a:p>
             <a:pPr lvl="1"/>
             <a:r>
               <a:rPr/>
-              <a:t>The string has been added on to the end of the vector.</a:t>
+              <a:t>Add a string to a vector of integers</a:t>
             </a:r>
           </a:p>
           <a:p>
             <a:pPr lvl="1"/>
             <a:r>
               <a:rPr/>
-              <a:t>The vector is now a string vector.</a:t>
+              <a:t>Recall the vector</a:t>
+            </a:r>
+          </a:p>
+          <a:p>
+            <a:pPr lvl="1"/>
+            <a:r>
+              <a:rPr/>
+              <a:t>What has happened?</a:t>
             </a:r>
           </a:p>
         </p:txBody>
@@ -10918,6 +10737,278 @@
 </file>
 
 <file path=ppt/slides/slide37.xml><?xml version="1.0" encoding="utf-8"?>
+<p:sld xmlns:a="http://schemas.openxmlformats.org/drawingml/2006/main" xmlns:r="http://schemas.openxmlformats.org/officeDocument/2006/relationships" xmlns:p="http://schemas.openxmlformats.org/presentationml/2006/main">
+  <p:cSld>
+    <p:spTree>
+      <p:nvGrpSpPr>
+        <p:cNvPr id="1" name=""/>
+        <p:cNvGrpSpPr/>
+        <p:nvPr/>
+      </p:nvGrpSpPr>
+      <p:grpSpPr>
+        <a:xfrm>
+          <a:off x="0" y="0"/>
+          <a:ext cx="0" cy="0"/>
+          <a:chOff x="0" y="0"/>
+          <a:chExt cx="0" cy="0"/>
+        </a:xfrm>
+      </p:grpSpPr>
+      <p:sp>
+        <p:nvSpPr>
+          <p:cNvPr id="2" name="Title 1">
+            <a:extLst>
+              <a:ext uri="{FF2B5EF4-FFF2-40B4-BE49-F238E27FC236}">
+                <a16:creationId xmlns:a16="http://schemas.microsoft.com/office/drawing/2014/main" id="{5567D468-EE70-CD4E-A3AC-039CC11EF1FB}"/>
+              </a:ext>
+            </a:extLst>
+          </p:cNvPr>
+          <p:cNvSpPr>
+            <a:spLocks noGrp="1"/>
+          </p:cNvSpPr>
+          <p:nvPr>
+            <p:ph type="title"/>
+          </p:nvPr>
+        </p:nvSpPr>
+        <p:spPr/>
+        <p:txBody>
+          <a:bodyPr/>
+          <a:lstStyle/>
+          <a:p>
+            <a:pPr lvl="0" marL="0" indent="0">
+              <a:buNone/>
+            </a:pPr>
+            <a:r>
+              <a:rPr/>
+              <a:t>Vectors</a:t>
+            </a:r>
+            <a:r>
+              <a:rPr/>
+              <a:t> </a:t>
+            </a:r>
+            <a:r>
+              <a:rPr/>
+              <a:t>-</a:t>
+            </a:r>
+            <a:r>
+              <a:rPr/>
+              <a:t> </a:t>
+            </a:r>
+            <a:r>
+              <a:rPr/>
+              <a:t>other</a:t>
+            </a:r>
+            <a:r>
+              <a:rPr/>
+              <a:t> </a:t>
+            </a:r>
+            <a:r>
+              <a:rPr/>
+              <a:t>properties</a:t>
+            </a:r>
+          </a:p>
+        </p:txBody>
+      </p:sp>
+      <p:sp>
+        <p:nvSpPr>
+          <p:cNvPr id="3" name="Content Placeholder 2">
+            <a:extLst>
+              <a:ext uri="{FF2B5EF4-FFF2-40B4-BE49-F238E27FC236}">
+                <a16:creationId xmlns:a16="http://schemas.microsoft.com/office/drawing/2014/main" id="{D10DDA37-E46B-B641-BC9F-636CB92A2C08}"/>
+              </a:ext>
+            </a:extLst>
+          </p:cNvPr>
+          <p:cNvSpPr>
+            <a:spLocks noGrp="1"/>
+          </p:cNvSpPr>
+          <p:nvPr>
+            <p:ph idx="1"/>
+          </p:nvPr>
+        </p:nvSpPr>
+        <p:spPr/>
+        <p:txBody>
+          <a:bodyPr/>
+          <a:lstStyle/>
+          <a:p>
+            <a:pPr lvl="0" marL="1270000" indent="0">
+              <a:buNone/>
+            </a:pPr>
+            <a:r>
+              <a:rPr sz="1800">
+                <a:latin typeface="Courier"/>
+              </a:rPr>
+              <a:t>test2 &lt;-</a:t>
+            </a:r>
+            <a:r>
+              <a:rPr sz="1800">
+                <a:solidFill>
+                  <a:srgbClr val="4070A0"/>
+                </a:solidFill>
+                <a:latin typeface="Courier"/>
+              </a:rPr>
+              <a:t> </a:t>
+            </a:r>
+            <a:r>
+              <a:rPr sz="1800" b="1">
+                <a:solidFill>
+                  <a:srgbClr val="007020"/>
+                </a:solidFill>
+                <a:latin typeface="Courier"/>
+              </a:rPr>
+              <a:t>c</a:t>
+            </a:r>
+            <a:r>
+              <a:rPr sz="1800">
+                <a:latin typeface="Courier"/>
+              </a:rPr>
+              <a:t>(</a:t>
+            </a:r>
+            <a:r>
+              <a:rPr sz="1800">
+                <a:solidFill>
+                  <a:srgbClr val="40A070"/>
+                </a:solidFill>
+                <a:latin typeface="Courier"/>
+              </a:rPr>
+              <a:t>1</a:t>
+            </a:r>
+            <a:r>
+              <a:rPr sz="1800">
+                <a:latin typeface="Courier"/>
+              </a:rPr>
+              <a:t>, </a:t>
+            </a:r>
+            <a:r>
+              <a:rPr sz="1800">
+                <a:solidFill>
+                  <a:srgbClr val="40A070"/>
+                </a:solidFill>
+                <a:latin typeface="Courier"/>
+              </a:rPr>
+              <a:t>2</a:t>
+            </a:r>
+            <a:r>
+              <a:rPr sz="1800">
+                <a:latin typeface="Courier"/>
+              </a:rPr>
+              <a:t>, </a:t>
+            </a:r>
+            <a:r>
+              <a:rPr sz="1800">
+                <a:solidFill>
+                  <a:srgbClr val="40A070"/>
+                </a:solidFill>
+                <a:latin typeface="Courier"/>
+              </a:rPr>
+              <a:t>3</a:t>
+            </a:r>
+            <a:r>
+              <a:rPr sz="1800">
+                <a:latin typeface="Courier"/>
+              </a:rPr>
+              <a:t>, </a:t>
+            </a:r>
+            <a:r>
+              <a:rPr sz="1800">
+                <a:solidFill>
+                  <a:srgbClr val="40A070"/>
+                </a:solidFill>
+                <a:latin typeface="Courier"/>
+              </a:rPr>
+              <a:t>4</a:t>
+            </a:r>
+            <a:r>
+              <a:rPr sz="1800">
+                <a:latin typeface="Courier"/>
+              </a:rPr>
+              <a:t>, </a:t>
+            </a:r>
+            <a:r>
+              <a:rPr sz="1800">
+                <a:solidFill>
+                  <a:srgbClr val="4070A0"/>
+                </a:solidFill>
+                <a:latin typeface="Courier"/>
+              </a:rPr>
+              <a:t>"hi"</a:t>
+            </a:r>
+            <a:r>
+              <a:rPr sz="1800">
+                <a:latin typeface="Courier"/>
+              </a:rPr>
+              <a:t>)</a:t>
+            </a:r>
+            <a:br/>
+            <a:r>
+              <a:rPr sz="1800">
+                <a:latin typeface="Courier"/>
+              </a:rPr>
+              <a:t>test2</a:t>
+            </a:r>
+          </a:p>
+          <a:p>
+            <a:pPr lvl="0" marL="1270000" indent="0">
+              <a:buNone/>
+            </a:pPr>
+            <a:r>
+              <a:rPr sz="1800">
+                <a:latin typeface="Courier"/>
+              </a:rPr>
+              <a:t>## [1] "1"  "2"  "3"  "4"  "hi"</a:t>
+            </a:r>
+          </a:p>
+          <a:p>
+            <a:pPr lvl="0" marL="1270000" indent="0">
+              <a:buNone/>
+            </a:pPr>
+            <a:r>
+              <a:rPr sz="1800" b="1">
+                <a:solidFill>
+                  <a:srgbClr val="007020"/>
+                </a:solidFill>
+                <a:latin typeface="Courier"/>
+              </a:rPr>
+              <a:t>str</a:t>
+            </a:r>
+            <a:r>
+              <a:rPr sz="1800">
+                <a:latin typeface="Courier"/>
+              </a:rPr>
+              <a:t>(test2)</a:t>
+            </a:r>
+          </a:p>
+          <a:p>
+            <a:pPr lvl="0" marL="1270000" indent="0">
+              <a:buNone/>
+            </a:pPr>
+            <a:r>
+              <a:rPr sz="1800">
+                <a:latin typeface="Courier"/>
+              </a:rPr>
+              <a:t>##  chr [1:5] "1" "2" "3" "4" "hi"</a:t>
+            </a:r>
+          </a:p>
+          <a:p>
+            <a:pPr lvl="1"/>
+            <a:r>
+              <a:rPr/>
+              <a:t>The string has been added on to the end of the vector.</a:t>
+            </a:r>
+          </a:p>
+          <a:p>
+            <a:pPr lvl="1"/>
+            <a:r>
+              <a:rPr/>
+              <a:t>The vector is now a string vector.</a:t>
+            </a:r>
+          </a:p>
+        </p:txBody>
+      </p:sp>
+    </p:spTree>
+  </p:cSld>
+</p:sld>
+</file>
+
+<file path=ppt/slides/slide38.xml><?xml version="1.0" encoding="utf-8"?>
 <p:sld xmlns:a="http://schemas.openxmlformats.org/drawingml/2006/main" xmlns:r="http://schemas.openxmlformats.org/officeDocument/2006/relationships" xmlns:p="http://schemas.openxmlformats.org/presentationml/2006/main">
   <p:cSld>
     <p:spTree>
@@ -11016,7 +11107,7 @@
 </p:sld>
 </file>
 
-<file path=ppt/slides/slide38.xml><?xml version="1.0" encoding="utf-8"?>
+<file path=ppt/slides/slide39.xml><?xml version="1.0" encoding="utf-8"?>
 <p:sld xmlns:a="http://schemas.openxmlformats.org/drawingml/2006/main" xmlns:r="http://schemas.openxmlformats.org/officeDocument/2006/relationships" xmlns:p="http://schemas.openxmlformats.org/presentationml/2006/main">
   <p:cSld>
     <p:spTree>
@@ -11115,7 +11206,110 @@
 </p:sld>
 </file>
 
-<file path=ppt/slides/slide39.xml><?xml version="1.0" encoding="utf-8"?>
+<file path=ppt/slides/slide4.xml><?xml version="1.0" encoding="utf-8"?>
+<p:sld xmlns:a="http://schemas.openxmlformats.org/drawingml/2006/main" xmlns:r="http://schemas.openxmlformats.org/officeDocument/2006/relationships" xmlns:p="http://schemas.openxmlformats.org/presentationml/2006/main">
+  <p:cSld>
+    <p:spTree>
+      <p:nvGrpSpPr>
+        <p:cNvPr id="1" name=""/>
+        <p:cNvGrpSpPr/>
+        <p:nvPr/>
+      </p:nvGrpSpPr>
+      <p:grpSpPr>
+        <a:xfrm>
+          <a:off x="0" y="0"/>
+          <a:ext cx="0" cy="0"/>
+          <a:chOff x="0" y="0"/>
+          <a:chExt cx="0" cy="0"/>
+        </a:xfrm>
+      </p:grpSpPr>
+      <p:sp>
+        <p:nvSpPr>
+          <p:cNvPr id="2" name="Title 1">
+            <a:extLst>
+              <a:ext uri="{FF2B5EF4-FFF2-40B4-BE49-F238E27FC236}">
+                <a16:creationId xmlns:a16="http://schemas.microsoft.com/office/drawing/2014/main" id="{5567D468-EE70-CD4E-A3AC-039CC11EF1FB}"/>
+              </a:ext>
+            </a:extLst>
+          </p:cNvPr>
+          <p:cNvSpPr>
+            <a:spLocks noGrp="1"/>
+          </p:cNvSpPr>
+          <p:nvPr>
+            <p:ph type="title"/>
+          </p:nvPr>
+        </p:nvSpPr>
+        <p:spPr/>
+        <p:txBody>
+          <a:bodyPr/>
+          <a:lstStyle/>
+          <a:p>
+            <a:pPr lvl="0" marL="0" indent="0">
+              <a:buNone/>
+            </a:pPr>
+            <a:r>
+              <a:rPr/>
+              <a:t>Content</a:t>
+            </a:r>
+          </a:p>
+        </p:txBody>
+      </p:sp>
+      <p:sp>
+        <p:nvSpPr>
+          <p:cNvPr id="3" name="Content Placeholder 2">
+            <a:extLst>
+              <a:ext uri="{FF2B5EF4-FFF2-40B4-BE49-F238E27FC236}">
+                <a16:creationId xmlns:a16="http://schemas.microsoft.com/office/drawing/2014/main" id="{D10DDA37-E46B-B641-BC9F-636CB92A2C08}"/>
+              </a:ext>
+            </a:extLst>
+          </p:cNvPr>
+          <p:cNvSpPr>
+            <a:spLocks noGrp="1"/>
+          </p:cNvSpPr>
+          <p:nvPr>
+            <p:ph idx="1"/>
+          </p:nvPr>
+        </p:nvSpPr>
+        <p:spPr/>
+        <p:txBody>
+          <a:bodyPr/>
+          <a:lstStyle/>
+          <a:p>
+            <a:pPr lvl="1"/>
+            <a:r>
+              <a:rPr/>
+              <a:t>Motivation for R: what and why?</a:t>
+            </a:r>
+          </a:p>
+          <a:p>
+            <a:pPr lvl="1"/>
+            <a:r>
+              <a:rPr/>
+              <a:t>R studio: a tour</a:t>
+            </a:r>
+          </a:p>
+          <a:p>
+            <a:pPr lvl="1"/>
+            <a:r>
+              <a:rPr/>
+              <a:t>R building blocks</a:t>
+            </a:r>
+          </a:p>
+          <a:p>
+            <a:pPr lvl="1"/>
+            <a:r>
+              <a:rPr/>
+              <a:t>Using/Writing functions</a:t>
+            </a:r>
+          </a:p>
+        </p:txBody>
+      </p:sp>
+    </p:spTree>
+  </p:cSld>
+</p:sld>
+</file>
+
+<file path=ppt/slides/slide40.xml><?xml version="1.0" encoding="utf-8"?>
 <p:sld xmlns:a="http://schemas.openxmlformats.org/drawingml/2006/main" xmlns:r="http://schemas.openxmlformats.org/officeDocument/2006/relationships" xmlns:p="http://schemas.openxmlformats.org/presentationml/2006/main">
   <p:cSld>
     <p:spTree>
@@ -11214,7 +11408,7 @@
 </p:sld>
 </file>
 
-<file path=ppt/slides/slide4.xml><?xml version="1.0" encoding="utf-8"?>
+<file path=ppt/slides/slide41.xml><?xml version="1.0" encoding="utf-8"?>
 <p:sld xmlns:a="http://schemas.openxmlformats.org/drawingml/2006/main" xmlns:r="http://schemas.openxmlformats.org/officeDocument/2006/relationships" xmlns:p="http://schemas.openxmlformats.org/presentationml/2006/main">
   <p:cSld>
     <p:spTree>
@@ -11257,23 +11451,7 @@
             </a:pPr>
             <a:r>
               <a:rPr/>
-              <a:t>What</a:t>
-            </a:r>
-            <a:r>
-              <a:rPr/>
-              <a:t> </a:t>
-            </a:r>
-            <a:r>
-              <a:rPr/>
-              <a:t>is</a:t>
-            </a:r>
-            <a:r>
-              <a:rPr/>
-              <a:t> </a:t>
-            </a:r>
-            <a:r>
-              <a:rPr/>
-              <a:t>R?</a:t>
+              <a:t>Functions</a:t>
             </a:r>
           </a:p>
         </p:txBody>
@@ -11302,49 +11480,60 @@
             <a:pPr lvl="1"/>
             <a:r>
               <a:rPr/>
-              <a:t>Free software for statistical computing and plotting</a:t>
+              <a:t>Sometimes taught as a “black box”</a:t>
             </a:r>
           </a:p>
           <a:p>
             <a:pPr lvl="1"/>
             <a:r>
               <a:rPr/>
-              <a:t>Works with variety of platforms</a:t>
+              <a:t>You can think of them as a factory</a:t>
+            </a:r>
+          </a:p>
+          <a:p>
+            <a:pPr lvl="1"/>
+            <a:r>
+              <a:rPr/>
+              <a:t>Usually labelled as a verb (they are “doing” something)</a:t>
+            </a:r>
+          </a:p>
+          <a:p>
+            <a:pPr lvl="1"/>
+            <a:r>
+              <a:rPr/>
+              <a:t>Many come built into R</a:t>
             </a:r>
           </a:p>
           <a:p>
             <a:pPr lvl="2"/>
             <a:r>
-              <a:rPr/>
-              <a:t>UNIX</a:t>
+              <a:rPr sz="1800">
+                <a:latin typeface="Courier"/>
+              </a:rPr>
+              <a:t>Sys.time()</a:t>
             </a:r>
           </a:p>
           <a:p>
             <a:pPr lvl="2"/>
             <a:r>
-              <a:rPr/>
-              <a:t>MacOS</a:t>
-            </a:r>
-          </a:p>
-          <a:p>
-            <a:pPr lvl="2"/>
-            <a:r>
-              <a:rPr/>
-              <a:t>Windows</a:t>
+              <a:rPr sz="1800">
+                <a:latin typeface="Courier"/>
+              </a:rPr>
+              <a:t>mean(1:100)</a:t>
             </a:r>
           </a:p>
           <a:p>
             <a:pPr lvl="1"/>
             <a:r>
               <a:rPr/>
-              <a:t>Built around handling data. ‘Understands’ data.</a:t>
-            </a:r>
-          </a:p>
-          <a:p>
-            <a:pPr lvl="2"/>
-            <a:r>
-              <a:rPr/>
-              <a:t>Particularly well suited to data science / statistics</a:t>
+              <a:t>You can also install ‘packages’ containing bundles of functions</a:t>
+            </a:r>
+          </a:p>
+          <a:p>
+            <a:pPr lvl="1"/>
+            <a:r>
+              <a:rPr/>
+              <a:t>View each function as a separate separate factory in a production line</a:t>
             </a:r>
           </a:p>
         </p:txBody>
@@ -11354,142 +11543,7 @@
 </p:sld>
 </file>
 
-<file path=ppt/slides/slide40.xml><?xml version="1.0" encoding="utf-8"?>
-<p:sld xmlns:a="http://schemas.openxmlformats.org/drawingml/2006/main" xmlns:r="http://schemas.openxmlformats.org/officeDocument/2006/relationships" xmlns:p="http://schemas.openxmlformats.org/presentationml/2006/main">
-  <p:cSld>
-    <p:spTree>
-      <p:nvGrpSpPr>
-        <p:cNvPr id="1" name=""/>
-        <p:cNvGrpSpPr/>
-        <p:nvPr/>
-      </p:nvGrpSpPr>
-      <p:grpSpPr>
-        <a:xfrm>
-          <a:off x="0" y="0"/>
-          <a:ext cx="0" cy="0"/>
-          <a:chOff x="0" y="0"/>
-          <a:chExt cx="0" cy="0"/>
-        </a:xfrm>
-      </p:grpSpPr>
-      <p:sp>
-        <p:nvSpPr>
-          <p:cNvPr id="2" name="Title 1">
-            <a:extLst>
-              <a:ext uri="{FF2B5EF4-FFF2-40B4-BE49-F238E27FC236}">
-                <a16:creationId xmlns:a16="http://schemas.microsoft.com/office/drawing/2014/main" id="{5567D468-EE70-CD4E-A3AC-039CC11EF1FB}"/>
-              </a:ext>
-            </a:extLst>
-          </p:cNvPr>
-          <p:cNvSpPr>
-            <a:spLocks noGrp="1"/>
-          </p:cNvSpPr>
-          <p:nvPr>
-            <p:ph type="title"/>
-          </p:nvPr>
-        </p:nvSpPr>
-        <p:spPr/>
-        <p:txBody>
-          <a:bodyPr/>
-          <a:lstStyle/>
-          <a:p>
-            <a:pPr lvl="0" marL="0" indent="0">
-              <a:buNone/>
-            </a:pPr>
-            <a:r>
-              <a:rPr/>
-              <a:t>Functions</a:t>
-            </a:r>
-          </a:p>
-        </p:txBody>
-      </p:sp>
-      <p:sp>
-        <p:nvSpPr>
-          <p:cNvPr id="3" name="Content Placeholder 2">
-            <a:extLst>
-              <a:ext uri="{FF2B5EF4-FFF2-40B4-BE49-F238E27FC236}">
-                <a16:creationId xmlns:a16="http://schemas.microsoft.com/office/drawing/2014/main" id="{D10DDA37-E46B-B641-BC9F-636CB92A2C08}"/>
-              </a:ext>
-            </a:extLst>
-          </p:cNvPr>
-          <p:cNvSpPr>
-            <a:spLocks noGrp="1"/>
-          </p:cNvSpPr>
-          <p:nvPr>
-            <p:ph idx="1"/>
-          </p:nvPr>
-        </p:nvSpPr>
-        <p:spPr/>
-        <p:txBody>
-          <a:bodyPr/>
-          <a:lstStyle/>
-          <a:p>
-            <a:pPr lvl="1"/>
-            <a:r>
-              <a:rPr/>
-              <a:t>Sometimes taught as a “black box”</a:t>
-            </a:r>
-          </a:p>
-          <a:p>
-            <a:pPr lvl="1"/>
-            <a:r>
-              <a:rPr/>
-              <a:t>You can think of them as a factory</a:t>
-            </a:r>
-          </a:p>
-          <a:p>
-            <a:pPr lvl="1"/>
-            <a:r>
-              <a:rPr/>
-              <a:t>Usually labelled as a verb (they are “doing” something)</a:t>
-            </a:r>
-          </a:p>
-          <a:p>
-            <a:pPr lvl="1"/>
-            <a:r>
-              <a:rPr/>
-              <a:t>Many come built into R</a:t>
-            </a:r>
-          </a:p>
-          <a:p>
-            <a:pPr lvl="2"/>
-            <a:r>
-              <a:rPr sz="1800">
-                <a:latin typeface="Courier"/>
-              </a:rPr>
-              <a:t>Sys.time()</a:t>
-            </a:r>
-          </a:p>
-          <a:p>
-            <a:pPr lvl="2"/>
-            <a:r>
-              <a:rPr sz="1800">
-                <a:latin typeface="Courier"/>
-              </a:rPr>
-              <a:t>mean(1:100)</a:t>
-            </a:r>
-          </a:p>
-          <a:p>
-            <a:pPr lvl="1"/>
-            <a:r>
-              <a:rPr/>
-              <a:t>You can also install ‘packages’ containing bundles of functions</a:t>
-            </a:r>
-          </a:p>
-          <a:p>
-            <a:pPr lvl="1"/>
-            <a:r>
-              <a:rPr/>
-              <a:t>View each function as a separate separate factory in a production line</a:t>
-            </a:r>
-          </a:p>
-        </p:txBody>
-      </p:sp>
-    </p:spTree>
-  </p:cSld>
-</p:sld>
-</file>
-
-<file path=ppt/slides/slide41.xml><?xml version="1.0" encoding="utf-8"?>
+<file path=ppt/slides/slide42.xml><?xml version="1.0" encoding="utf-8"?>
 <p:sld xmlns:a="http://schemas.openxmlformats.org/drawingml/2006/main" xmlns:r="http://schemas.openxmlformats.org/officeDocument/2006/relationships" xmlns:p="http://schemas.openxmlformats.org/presentationml/2006/main">
   <p:cSld>
     <p:spTree>
@@ -11596,158 +11650,6 @@
 </p:sld>
 </file>
 
-<file path=ppt/slides/slide42.xml><?xml version="1.0" encoding="utf-8"?>
-<p:sld xmlns:a="http://schemas.openxmlformats.org/drawingml/2006/main" xmlns:r="http://schemas.openxmlformats.org/officeDocument/2006/relationships" xmlns:p="http://schemas.openxmlformats.org/presentationml/2006/main">
-  <p:cSld>
-    <p:spTree>
-      <p:nvGrpSpPr>
-        <p:cNvPr id="1" name=""/>
-        <p:cNvGrpSpPr/>
-        <p:nvPr/>
-      </p:nvGrpSpPr>
-      <p:grpSpPr>
-        <a:xfrm>
-          <a:off x="0" y="0"/>
-          <a:ext cx="0" cy="0"/>
-          <a:chOff x="0" y="0"/>
-          <a:chExt cx="0" cy="0"/>
-        </a:xfrm>
-      </p:grpSpPr>
-      <p:sp>
-        <p:nvSpPr>
-          <p:cNvPr id="2" name="Title 1">
-            <a:extLst>
-              <a:ext uri="{FF2B5EF4-FFF2-40B4-BE49-F238E27FC236}">
-                <a16:creationId xmlns:a16="http://schemas.microsoft.com/office/drawing/2014/main" id="{5567D468-EE70-CD4E-A3AC-039CC11EF1FB}"/>
-              </a:ext>
-            </a:extLst>
-          </p:cNvPr>
-          <p:cNvSpPr>
-            <a:spLocks noGrp="1"/>
-          </p:cNvSpPr>
-          <p:nvPr>
-            <p:ph type="title"/>
-          </p:nvPr>
-        </p:nvSpPr>
-        <p:spPr/>
-        <p:txBody>
-          <a:bodyPr/>
-          <a:lstStyle/>
-          <a:p>
-            <a:pPr lvl="0" marL="0" indent="0">
-              <a:buNone/>
-            </a:pPr>
-            <a:r>
-              <a:rPr/>
-              <a:t>Functions</a:t>
-            </a:r>
-          </a:p>
-        </p:txBody>
-      </p:sp>
-      <p:sp>
-        <p:nvSpPr>
-          <p:cNvPr id="3" name="Content Placeholder 2">
-            <a:extLst>
-              <a:ext uri="{FF2B5EF4-FFF2-40B4-BE49-F238E27FC236}">
-                <a16:creationId xmlns:a16="http://schemas.microsoft.com/office/drawing/2014/main" id="{D10DDA37-E46B-B641-BC9F-636CB92A2C08}"/>
-              </a:ext>
-            </a:extLst>
-          </p:cNvPr>
-          <p:cNvSpPr>
-            <a:spLocks noGrp="1"/>
-          </p:cNvSpPr>
-          <p:nvPr>
-            <p:ph idx="1"/>
-          </p:nvPr>
-        </p:nvSpPr>
-        <p:spPr/>
-        <p:txBody>
-          <a:bodyPr/>
-          <a:lstStyle/>
-          <a:p>
-            <a:pPr lvl="1"/>
-            <a:r>
-              <a:rPr/>
-              <a:t>You have been using functions already!</a:t>
-            </a:r>
-          </a:p>
-          <a:p>
-            <a:pPr lvl="1"/>
-            <a:r>
-              <a:rPr sz="1800">
-                <a:latin typeface="Courier"/>
-              </a:rPr>
-              <a:t>data.frame()</a:t>
-            </a:r>
-            <a:r>
-              <a:rPr/>
-              <a:t> is a function.</a:t>
-            </a:r>
-          </a:p>
-          <a:p>
-            <a:pPr lvl="1"/>
-            <a:r>
-              <a:rPr sz="1800">
-                <a:latin typeface="Courier"/>
-              </a:rPr>
-              <a:t>age, gender, weight</a:t>
-            </a:r>
-            <a:r>
-              <a:rPr/>
-              <a:t> are arguments.</a:t>
-            </a:r>
-          </a:p>
-          <a:p>
-            <a:pPr lvl="0" marL="1270000" indent="0">
-              <a:buNone/>
-            </a:pPr>
-            <a:r>
-              <a:rPr sz="1800" b="1">
-                <a:solidFill>
-                  <a:srgbClr val="007020"/>
-                </a:solidFill>
-                <a:latin typeface="Courier"/>
-              </a:rPr>
-              <a:t>data.frame</a:t>
-            </a:r>
-            <a:r>
-              <a:rPr sz="1800">
-                <a:latin typeface="Courier"/>
-              </a:rPr>
-              <a:t>(name, age, gender)</a:t>
-            </a:r>
-          </a:p>
-          <a:p>
-            <a:pPr lvl="0" marL="1270000" indent="0">
-              <a:buNone/>
-            </a:pPr>
-            <a:r>
-              <a:rPr sz="1800">
-                <a:latin typeface="Courier"/>
-              </a:rPr>
-              <a:t>##       name age gender
-## 1     Adam  50   male
-## 2    Sally  25 female
-## 3      Eve  32 female
-## 4     John  67   male
-## 5    James  46   male
-## 6 Jennifer  19 female</a:t>
-            </a:r>
-          </a:p>
-          <a:p>
-            <a:pPr lvl="1"/>
-            <a:r>
-              <a:rPr/>
-              <a:t>The data frame is the output</a:t>
-            </a:r>
-          </a:p>
-        </p:txBody>
-      </p:sp>
-    </p:spTree>
-  </p:cSld>
-</p:sld>
-</file>
-
 <file path=ppt/slides/slide43.xml><?xml version="1.0" encoding="utf-8"?>
 <p:sld xmlns:a="http://schemas.openxmlformats.org/drawingml/2006/main" xmlns:r="http://schemas.openxmlformats.org/officeDocument/2006/relationships" xmlns:p="http://schemas.openxmlformats.org/presentationml/2006/main">
   <p:cSld>
@@ -11791,63 +11693,7 @@
             </a:pPr>
             <a:r>
               <a:rPr/>
-              <a:t>Try</a:t>
-            </a:r>
-            <a:r>
-              <a:rPr/>
-              <a:t> </a:t>
-            </a:r>
-            <a:r>
-              <a:rPr/>
-              <a:t>these</a:t>
-            </a:r>
-            <a:r>
-              <a:rPr/>
-              <a:t> </a:t>
-            </a:r>
-            <a:r>
-              <a:rPr/>
-              <a:t>functions</a:t>
-            </a:r>
-            <a:r>
-              <a:rPr/>
-              <a:t> </a:t>
-            </a:r>
-            <a:r>
-              <a:rPr/>
-              <a:t>yourself.</a:t>
-            </a:r>
-            <a:r>
-              <a:rPr/>
-              <a:t> </a:t>
-            </a:r>
-            <a:r>
-              <a:rPr/>
-              <a:t>What</a:t>
-            </a:r>
-            <a:r>
-              <a:rPr/>
-              <a:t> </a:t>
-            </a:r>
-            <a:r>
-              <a:rPr/>
-              <a:t>do</a:t>
-            </a:r>
-            <a:r>
-              <a:rPr/>
-              <a:t> </a:t>
-            </a:r>
-            <a:r>
-              <a:rPr/>
-              <a:t>they</a:t>
-            </a:r>
-            <a:r>
-              <a:rPr/>
-              <a:t> </a:t>
-            </a:r>
-            <a:r>
-              <a:rPr/>
-              <a:t>do?</a:t>
+              <a:t>Functions</a:t>
             </a:r>
           </a:p>
         </p:txBody>
@@ -11876,17 +11722,7 @@
             <a:pPr lvl="1"/>
             <a:r>
               <a:rPr/>
-              <a:t>Use the </a:t>
-            </a:r>
-            <a:r>
-              <a:rPr sz="1800">
-                <a:latin typeface="Courier"/>
-              </a:rPr>
-              <a:t>group</a:t>
-            </a:r>
-            <a:r>
-              <a:rPr/>
-              <a:t> data frame as the argument.</a:t>
+              <a:t>You have been using functions already!</a:t>
             </a:r>
           </a:p>
           <a:p>
@@ -11895,7 +11731,11 @@
               <a:rPr sz="1800">
                 <a:latin typeface="Courier"/>
               </a:rPr>
-              <a:t>head()</a:t>
+              <a:t>data.frame()</a:t>
+            </a:r>
+            <a:r>
+              <a:rPr/>
+              <a:t> is a function.</a:t>
             </a:r>
           </a:p>
           <a:p>
@@ -11904,25 +11744,55 @@
               <a:rPr sz="1800">
                 <a:latin typeface="Courier"/>
               </a:rPr>
-              <a:t>tail()</a:t>
+              <a:t>age, gender, weight</a:t>
+            </a:r>
+            <a:r>
+              <a:rPr/>
+              <a:t> are arguments.</a:t>
+            </a:r>
+          </a:p>
+          <a:p>
+            <a:pPr lvl="0" marL="1270000" indent="0">
+              <a:buNone/>
+            </a:pPr>
+            <a:r>
+              <a:rPr sz="1800" b="1">
+                <a:solidFill>
+                  <a:srgbClr val="007020"/>
+                </a:solidFill>
+                <a:latin typeface="Courier"/>
+              </a:rPr>
+              <a:t>data.frame</a:t>
+            </a:r>
+            <a:r>
+              <a:rPr sz="1800">
+                <a:latin typeface="Courier"/>
+              </a:rPr>
+              <a:t>(name, age, gender)</a:t>
+            </a:r>
+          </a:p>
+          <a:p>
+            <a:pPr lvl="0" marL="1270000" indent="0">
+              <a:buNone/>
+            </a:pPr>
+            <a:r>
+              <a:rPr sz="1800">
+                <a:latin typeface="Courier"/>
+              </a:rPr>
+              <a:t>##       name age gender
+## 1     Adam  50   male
+## 2    Sally  25 female
+## 3      Eve  32 female
+## 4     John  67   male
+## 5    James  46   male
+## 6 Jennifer  19 female</a:t>
             </a:r>
           </a:p>
           <a:p>
             <a:pPr lvl="1"/>
             <a:r>
-              <a:rPr sz="1800">
-                <a:latin typeface="Courier"/>
-              </a:rPr>
-              <a:t>summary()</a:t>
-            </a:r>
-          </a:p>
-          <a:p>
-            <a:pPr lvl="1"/>
-            <a:r>
-              <a:rPr sz="1800">
-                <a:latin typeface="Courier"/>
-              </a:rPr>
-              <a:t>mean()</a:t>
+              <a:rPr/>
+              <a:t>The data frame is the output</a:t>
             </a:r>
           </a:p>
         </p:txBody>
@@ -12001,6 +11871,38 @@
               <a:rPr/>
               <a:t>yourself.</a:t>
             </a:r>
+            <a:r>
+              <a:rPr/>
+              <a:t> </a:t>
+            </a:r>
+            <a:r>
+              <a:rPr/>
+              <a:t>What</a:t>
+            </a:r>
+            <a:r>
+              <a:rPr/>
+              <a:t> </a:t>
+            </a:r>
+            <a:r>
+              <a:rPr/>
+              <a:t>do</a:t>
+            </a:r>
+            <a:r>
+              <a:rPr/>
+              <a:t> </a:t>
+            </a:r>
+            <a:r>
+              <a:rPr/>
+              <a:t>they</a:t>
+            </a:r>
+            <a:r>
+              <a:rPr/>
+              <a:t> </a:t>
+            </a:r>
+            <a:r>
+              <a:rPr/>
+              <a:t>do?</a:t>
+            </a:r>
           </a:p>
         </p:txBody>
       </p:sp>
@@ -12027,15 +11929,28 @@
           <a:p>
             <a:pPr lvl="1"/>
             <a:r>
+              <a:rPr/>
+              <a:t>Use the </a:t>
+            </a:r>
+            <a:r>
+              <a:rPr sz="1800">
+                <a:latin typeface="Courier"/>
+              </a:rPr>
+              <a:t>group</a:t>
+            </a:r>
+            <a:r>
+              <a:rPr/>
+              <a:t> data frame as the argument.</a:t>
+            </a:r>
+          </a:p>
+          <a:p>
+            <a:pPr lvl="1"/>
+            <a:r>
               <a:rPr sz="1800">
                 <a:latin typeface="Courier"/>
               </a:rPr>
               <a:t>head()</a:t>
             </a:r>
-            <a:r>
-              <a:rPr/>
-              <a:t> Gives you the first 6 rows</a:t>
-            </a:r>
           </a:p>
           <a:p>
             <a:pPr lvl="1"/>
@@ -12045,10 +11960,6 @@
               </a:rPr>
               <a:t>tail()</a:t>
             </a:r>
-            <a:r>
-              <a:rPr/>
-              <a:t> Gives you the last 6 rows</a:t>
-            </a:r>
           </a:p>
           <a:p>
             <a:pPr lvl="1"/>
@@ -12058,10 +11969,6 @@
               </a:rPr>
               <a:t>summary()</a:t>
             </a:r>
-            <a:r>
-              <a:rPr/>
-              <a:t> Gives an overview of the object</a:t>
-            </a:r>
           </a:p>
           <a:p>
             <a:pPr lvl="1"/>
@@ -12070,10 +11977,6 @@
                 <a:latin typeface="Courier"/>
               </a:rPr>
               <a:t>mean()</a:t>
-            </a:r>
-            <a:r>
-              <a:rPr/>
-              <a:t> Gives the mean of a numeric vector</a:t>
             </a:r>
           </a:p>
         </p:txBody>
@@ -12126,15 +12029,31 @@
             </a:pPr>
             <a:r>
               <a:rPr/>
-              <a:t>Warning</a:t>
-            </a:r>
-            <a:r>
-              <a:rPr/>
-              <a:t> </a:t>
-            </a:r>
-            <a:r>
-              <a:rPr/>
-              <a:t>note</a:t>
+              <a:t>Try</a:t>
+            </a:r>
+            <a:r>
+              <a:rPr/>
+              <a:t> </a:t>
+            </a:r>
+            <a:r>
+              <a:rPr/>
+              <a:t>these</a:t>
+            </a:r>
+            <a:r>
+              <a:rPr/>
+              <a:t> </a:t>
+            </a:r>
+            <a:r>
+              <a:rPr/>
+              <a:t>functions</a:t>
+            </a:r>
+            <a:r>
+              <a:rPr/>
+              <a:t> </a:t>
+            </a:r>
+            <a:r>
+              <a:rPr/>
+              <a:t>yourself.</a:t>
             </a:r>
           </a:p>
         </p:txBody>
@@ -12162,56 +12081,53 @@
           <a:p>
             <a:pPr lvl="1"/>
             <a:r>
-              <a:rPr/>
-              <a:t>Functions are carrying out pre-written instructions</a:t>
+              <a:rPr sz="1800">
+                <a:latin typeface="Courier"/>
+              </a:rPr>
+              <a:t>head()</a:t>
+            </a:r>
+            <a:r>
+              <a:rPr/>
+              <a:t> Gives you the first 6 rows</a:t>
             </a:r>
           </a:p>
           <a:p>
             <a:pPr lvl="1"/>
             <a:r>
-              <a:rPr/>
-              <a:t>They will fail if they are supplied with the wrong kind of data - they will return an error message instead</a:t>
+              <a:rPr sz="1800">
+                <a:latin typeface="Courier"/>
+              </a:rPr>
+              <a:t>tail()</a:t>
+            </a:r>
+            <a:r>
+              <a:rPr/>
+              <a:t> Gives you the last 6 rows</a:t>
             </a:r>
           </a:p>
           <a:p>
             <a:pPr lvl="1"/>
             <a:r>
-              <a:rPr/>
-              <a:t>Try </a:t>
-            </a:r>
-            <a:r>
-              <a:rPr sz="1800">
-                <a:latin typeface="Courier"/>
-              </a:rPr>
-              <a:t>mean(group$gender)</a:t>
+              <a:rPr sz="1800">
+                <a:latin typeface="Courier"/>
+              </a:rPr>
+              <a:t>summary()</a:t>
+            </a:r>
+            <a:r>
+              <a:rPr/>
+              <a:t> Gives an overview of the object</a:t>
             </a:r>
           </a:p>
           <a:p>
             <a:pPr lvl="1"/>
             <a:r>
-              <a:rPr/>
-              <a:t>There are other constraints</a:t>
-            </a:r>
-          </a:p>
-          <a:p>
-            <a:pPr lvl="1"/>
-            <a:r>
-              <a:rPr/>
-              <a:t>Dependent on the function itself</a:t>
-            </a:r>
-          </a:p>
-          <a:p>
-            <a:pPr lvl="1"/>
-            <a:r>
-              <a:rPr/>
-              <a:t>HINT: some functions will not work with missing values</a:t>
-            </a:r>
-          </a:p>
-          <a:p>
-            <a:pPr lvl="1"/>
-            <a:r>
-              <a:rPr/>
-              <a:t>You will then need to specify the argument to remove these missing values</a:t>
+              <a:rPr sz="1800">
+                <a:latin typeface="Courier"/>
+              </a:rPr>
+              <a:t>mean()</a:t>
+            </a:r>
+            <a:r>
+              <a:rPr/>
+              <a:t> Gives the mean of a numeric vector</a:t>
             </a:r>
           </a:p>
         </p:txBody>
@@ -12264,23 +12180,15 @@
             </a:pPr>
             <a:r>
               <a:rPr/>
-              <a:t>Help</a:t>
-            </a:r>
-            <a:r>
-              <a:rPr/>
-              <a:t> </a:t>
-            </a:r>
-            <a:r>
-              <a:rPr/>
-              <a:t>with</a:t>
-            </a:r>
-            <a:r>
-              <a:rPr/>
-              <a:t> </a:t>
-            </a:r>
-            <a:r>
-              <a:rPr/>
-              <a:t>functions</a:t>
+              <a:t>Warning</a:t>
+            </a:r>
+            <a:r>
+              <a:rPr/>
+              <a:t> </a:t>
+            </a:r>
+            <a:r>
+              <a:rPr/>
+              <a:t>note</a:t>
             </a:r>
           </a:p>
         </p:txBody>
@@ -12309,65 +12217,55 @@
             <a:pPr lvl="1"/>
             <a:r>
               <a:rPr/>
-              <a:t>How do you find out how to use a particular function?</a:t>
+              <a:t>Functions are carrying out pre-written instructions</a:t>
             </a:r>
           </a:p>
           <a:p>
             <a:pPr lvl="1"/>
             <a:r>
               <a:rPr/>
-              <a:t>Three ways:</a:t>
-            </a:r>
-          </a:p>
-          <a:p>
-            <a:pPr lvl="2"/>
-            <a:r>
-              <a:rPr/>
-              <a:t>Select the </a:t>
-            </a:r>
-            <a:r>
-              <a:rPr sz="1800">
-                <a:latin typeface="Courier"/>
-              </a:rPr>
-              <a:t>help</a:t>
-            </a:r>
-            <a:r>
-              <a:rPr/>
-              <a:t> tab in bottom right of RStudio, then type the function name into the search box, and read the help page.</a:t>
-            </a:r>
-          </a:p>
-          <a:p>
-            <a:pPr lvl="2"/>
-            <a:r>
-              <a:rPr/>
-              <a:t>Type </a:t>
-            </a:r>
-            <a:r>
-              <a:rPr sz="1800">
-                <a:latin typeface="Courier"/>
-              </a:rPr>
-              <a:t>?function_name</a:t>
-            </a:r>
-            <a:r>
-              <a:rPr/>
-              <a:t> into the console.</a:t>
-            </a:r>
-          </a:p>
-          <a:p>
-            <a:pPr lvl="2"/>
-            <a:r>
-              <a:rPr/>
-              <a:t>If you can’t remember the exact function name try typing </a:t>
-            </a:r>
-            <a:r>
-              <a:rPr sz="1800">
-                <a:latin typeface="Courier"/>
-              </a:rPr>
-              <a:t>??whatever_you_want_to_do</a:t>
-            </a:r>
-            <a:r>
-              <a:rPr/>
-              <a:t> into the console. It searches the whole database for matching terms.</a:t>
+              <a:t>They will fail if they are supplied with the wrong kind of data - they will return an error message instead</a:t>
+            </a:r>
+          </a:p>
+          <a:p>
+            <a:pPr lvl="1"/>
+            <a:r>
+              <a:rPr/>
+              <a:t>Try </a:t>
+            </a:r>
+            <a:r>
+              <a:rPr sz="1800">
+                <a:latin typeface="Courier"/>
+              </a:rPr>
+              <a:t>mean(group$gender)</a:t>
+            </a:r>
+          </a:p>
+          <a:p>
+            <a:pPr lvl="1"/>
+            <a:r>
+              <a:rPr/>
+              <a:t>There are other constraints</a:t>
+            </a:r>
+          </a:p>
+          <a:p>
+            <a:pPr lvl="1"/>
+            <a:r>
+              <a:rPr/>
+              <a:t>Dependent on the function itself</a:t>
+            </a:r>
+          </a:p>
+          <a:p>
+            <a:pPr lvl="1"/>
+            <a:r>
+              <a:rPr/>
+              <a:t>HINT: some functions will not work with missing values</a:t>
+            </a:r>
+          </a:p>
+          <a:p>
+            <a:pPr lvl="1"/>
+            <a:r>
+              <a:rPr/>
+              <a:t>You will then need to specify the argument to remove these missing values</a:t>
             </a:r>
           </a:p>
         </p:txBody>
@@ -12378,6 +12276,162 @@
 </file>
 
 <file path=ppt/slides/slide47.xml><?xml version="1.0" encoding="utf-8"?>
+<p:sld xmlns:a="http://schemas.openxmlformats.org/drawingml/2006/main" xmlns:r="http://schemas.openxmlformats.org/officeDocument/2006/relationships" xmlns:p="http://schemas.openxmlformats.org/presentationml/2006/main">
+  <p:cSld>
+    <p:spTree>
+      <p:nvGrpSpPr>
+        <p:cNvPr id="1" name=""/>
+        <p:cNvGrpSpPr/>
+        <p:nvPr/>
+      </p:nvGrpSpPr>
+      <p:grpSpPr>
+        <a:xfrm>
+          <a:off x="0" y="0"/>
+          <a:ext cx="0" cy="0"/>
+          <a:chOff x="0" y="0"/>
+          <a:chExt cx="0" cy="0"/>
+        </a:xfrm>
+      </p:grpSpPr>
+      <p:sp>
+        <p:nvSpPr>
+          <p:cNvPr id="2" name="Title 1">
+            <a:extLst>
+              <a:ext uri="{FF2B5EF4-FFF2-40B4-BE49-F238E27FC236}">
+                <a16:creationId xmlns:a16="http://schemas.microsoft.com/office/drawing/2014/main" id="{5567D468-EE70-CD4E-A3AC-039CC11EF1FB}"/>
+              </a:ext>
+            </a:extLst>
+          </p:cNvPr>
+          <p:cNvSpPr>
+            <a:spLocks noGrp="1"/>
+          </p:cNvSpPr>
+          <p:nvPr>
+            <p:ph type="title"/>
+          </p:nvPr>
+        </p:nvSpPr>
+        <p:spPr/>
+        <p:txBody>
+          <a:bodyPr/>
+          <a:lstStyle/>
+          <a:p>
+            <a:pPr lvl="0" marL="0" indent="0">
+              <a:buNone/>
+            </a:pPr>
+            <a:r>
+              <a:rPr/>
+              <a:t>Help</a:t>
+            </a:r>
+            <a:r>
+              <a:rPr/>
+              <a:t> </a:t>
+            </a:r>
+            <a:r>
+              <a:rPr/>
+              <a:t>with</a:t>
+            </a:r>
+            <a:r>
+              <a:rPr/>
+              <a:t> </a:t>
+            </a:r>
+            <a:r>
+              <a:rPr/>
+              <a:t>functions</a:t>
+            </a:r>
+          </a:p>
+        </p:txBody>
+      </p:sp>
+      <p:sp>
+        <p:nvSpPr>
+          <p:cNvPr id="3" name="Content Placeholder 2">
+            <a:extLst>
+              <a:ext uri="{FF2B5EF4-FFF2-40B4-BE49-F238E27FC236}">
+                <a16:creationId xmlns:a16="http://schemas.microsoft.com/office/drawing/2014/main" id="{D10DDA37-E46B-B641-BC9F-636CB92A2C08}"/>
+              </a:ext>
+            </a:extLst>
+          </p:cNvPr>
+          <p:cNvSpPr>
+            <a:spLocks noGrp="1"/>
+          </p:cNvSpPr>
+          <p:nvPr>
+            <p:ph idx="1"/>
+          </p:nvPr>
+        </p:nvSpPr>
+        <p:spPr/>
+        <p:txBody>
+          <a:bodyPr/>
+          <a:lstStyle/>
+          <a:p>
+            <a:pPr lvl="1"/>
+            <a:r>
+              <a:rPr/>
+              <a:t>How do you find out how to use a particular function?</a:t>
+            </a:r>
+          </a:p>
+          <a:p>
+            <a:pPr lvl="1"/>
+            <a:r>
+              <a:rPr/>
+              <a:t>Three ways:</a:t>
+            </a:r>
+          </a:p>
+          <a:p>
+            <a:pPr lvl="2"/>
+            <a:r>
+              <a:rPr/>
+              <a:t>Select the </a:t>
+            </a:r>
+            <a:r>
+              <a:rPr sz="1800">
+                <a:latin typeface="Courier"/>
+              </a:rPr>
+              <a:t>help</a:t>
+            </a:r>
+            <a:r>
+              <a:rPr/>
+              <a:t> tab in bottom right of RStudio, then type the function name into the search box, and read the help page.</a:t>
+            </a:r>
+          </a:p>
+          <a:p>
+            <a:pPr lvl="2"/>
+            <a:r>
+              <a:rPr/>
+              <a:t>Type </a:t>
+            </a:r>
+            <a:r>
+              <a:rPr sz="1800">
+                <a:latin typeface="Courier"/>
+              </a:rPr>
+              <a:t>?function_name</a:t>
+            </a:r>
+            <a:r>
+              <a:rPr/>
+              <a:t> into the console.</a:t>
+            </a:r>
+          </a:p>
+          <a:p>
+            <a:pPr lvl="2"/>
+            <a:r>
+              <a:rPr/>
+              <a:t>If you can’t remember the exact function name try typing </a:t>
+            </a:r>
+            <a:r>
+              <a:rPr sz="1800">
+                <a:latin typeface="Courier"/>
+              </a:rPr>
+              <a:t>??whatever_you_want_to_do</a:t>
+            </a:r>
+            <a:r>
+              <a:rPr/>
+              <a:t> into the console. It searches the whole database for matching terms.</a:t>
+            </a:r>
+          </a:p>
+        </p:txBody>
+      </p:sp>
+    </p:spTree>
+  </p:cSld>
+</p:sld>
+</file>
+
+<file path=ppt/slides/slide48.xml><?xml version="1.0" encoding="utf-8"?>
 <p:sld xmlns:a="http://schemas.openxmlformats.org/drawingml/2006/main" xmlns:r="http://schemas.openxmlformats.org/officeDocument/2006/relationships" xmlns:p="http://schemas.openxmlformats.org/presentationml/2006/main">
   <p:cSld>
     <p:spTree>
@@ -12516,161 +12570,6 @@
 </p:sld>
 </file>
 
-<file path=ppt/slides/slide48.xml><?xml version="1.0" encoding="utf-8"?>
-<p:sld xmlns:a="http://schemas.openxmlformats.org/drawingml/2006/main" xmlns:r="http://schemas.openxmlformats.org/officeDocument/2006/relationships" xmlns:p="http://schemas.openxmlformats.org/presentationml/2006/main">
-  <p:cSld>
-    <p:spTree>
-      <p:nvGrpSpPr>
-        <p:cNvPr id="1" name=""/>
-        <p:cNvGrpSpPr/>
-        <p:nvPr/>
-      </p:nvGrpSpPr>
-      <p:grpSpPr>
-        <a:xfrm>
-          <a:off x="0" y="0"/>
-          <a:ext cx="0" cy="0"/>
-          <a:chOff x="0" y="0"/>
-          <a:chExt cx="0" cy="0"/>
-        </a:xfrm>
-      </p:grpSpPr>
-      <p:sp>
-        <p:nvSpPr>
-          <p:cNvPr id="2" name="Title 1">
-            <a:extLst>
-              <a:ext uri="{FF2B5EF4-FFF2-40B4-BE49-F238E27FC236}">
-                <a16:creationId xmlns:a16="http://schemas.microsoft.com/office/drawing/2014/main" id="{5567D468-EE70-CD4E-A3AC-039CC11EF1FB}"/>
-              </a:ext>
-            </a:extLst>
-          </p:cNvPr>
-          <p:cNvSpPr>
-            <a:spLocks noGrp="1"/>
-          </p:cNvSpPr>
-          <p:nvPr>
-            <p:ph type="title"/>
-          </p:nvPr>
-        </p:nvSpPr>
-        <p:spPr/>
-        <p:txBody>
-          <a:bodyPr/>
-          <a:lstStyle/>
-          <a:p>
-            <a:pPr lvl="0" marL="0" indent="0">
-              <a:buNone/>
-            </a:pPr>
-            <a:r>
-              <a:rPr/>
-              <a:t>Reading</a:t>
-            </a:r>
-            <a:r>
-              <a:rPr/>
-              <a:t> </a:t>
-            </a:r>
-            <a:r>
-              <a:rPr/>
-              <a:t>the</a:t>
-            </a:r>
-            <a:r>
-              <a:rPr/>
-              <a:t> </a:t>
-            </a:r>
-            <a:r>
-              <a:rPr/>
-              <a:t>help</a:t>
-            </a:r>
-            <a:r>
-              <a:rPr/>
-              <a:t> </a:t>
-            </a:r>
-            <a:r>
-              <a:rPr/>
-              <a:t>page</a:t>
-            </a:r>
-          </a:p>
-        </p:txBody>
-      </p:sp>
-      <p:sp>
-        <p:nvSpPr>
-          <p:cNvPr id="3" name="Content Placeholder 2">
-            <a:extLst>
-              <a:ext uri="{FF2B5EF4-FFF2-40B4-BE49-F238E27FC236}">
-                <a16:creationId xmlns:a16="http://schemas.microsoft.com/office/drawing/2014/main" id="{D10DDA37-E46B-B641-BC9F-636CB92A2C08}"/>
-              </a:ext>
-            </a:extLst>
-          </p:cNvPr>
-          <p:cNvSpPr>
-            <a:spLocks noGrp="1"/>
-          </p:cNvSpPr>
-          <p:nvPr>
-            <p:ph idx="1"/>
-          </p:nvPr>
-        </p:nvSpPr>
-        <p:spPr/>
-        <p:txBody>
-          <a:bodyPr/>
-          <a:lstStyle/>
-          <a:p>
-            <a:pPr lvl="1"/>
-            <a:r>
-              <a:rPr/>
-              <a:t>It’s quite complicated.</a:t>
-            </a:r>
-          </a:p>
-          <a:p>
-            <a:pPr lvl="1"/>
-            <a:r>
-              <a:rPr/>
-              <a:t>But the information is usually displayed in a standard format:</a:t>
-            </a:r>
-          </a:p>
-          <a:p>
-            <a:pPr lvl="2"/>
-            <a:r>
-              <a:rPr/>
-              <a:t>Brief description</a:t>
-            </a:r>
-          </a:p>
-          <a:p>
-            <a:pPr lvl="2"/>
-            <a:r>
-              <a:rPr/>
-              <a:t>An example of use</a:t>
-            </a:r>
-          </a:p>
-          <a:p>
-            <a:pPr lvl="2"/>
-            <a:r>
-              <a:rPr/>
-              <a:t>The argument(s) that can be passed to the function - along with any default value it takes if there is no value provided.</a:t>
-            </a:r>
-          </a:p>
-          <a:p>
-            <a:pPr lvl="2"/>
-            <a:r>
-              <a:rPr/>
-              <a:t>Breakdown of these arguments. Gives you more information about what you need to put in.</a:t>
-            </a:r>
-          </a:p>
-          <a:p>
-            <a:pPr lvl="2"/>
-            <a:r>
-              <a:rPr/>
-              <a:t>Tells you how the function works and what to expect to see in the output.</a:t>
-            </a:r>
-          </a:p>
-          <a:p>
-            <a:pPr lvl="2"/>
-            <a:r>
-              <a:rPr/>
-              <a:t>A reproducible example of use, that you can normally use verbatim.</a:t>
-            </a:r>
-          </a:p>
-        </p:txBody>
-      </p:sp>
-    </p:spTree>
-  </p:cSld>
-</p:sld>
-</file>
-
 <file path=ppt/slides/slide49.xml><?xml version="1.0" encoding="utf-8"?>
 <p:sld xmlns:a="http://schemas.openxmlformats.org/drawingml/2006/main" xmlns:r="http://schemas.openxmlformats.org/officeDocument/2006/relationships" xmlns:p="http://schemas.openxmlformats.org/presentationml/2006/main">
   <p:cSld>
@@ -12714,23 +12613,31 @@
             </a:pPr>
             <a:r>
               <a:rPr/>
-              <a:t>Explore</a:t>
-            </a:r>
-            <a:r>
-              <a:rPr/>
-              <a:t> </a:t>
-            </a:r>
-            <a:r>
-              <a:rPr/>
-              <a:t>functions</a:t>
-            </a:r>
-            <a:r>
-              <a:rPr/>
-              <a:t> </a:t>
-            </a:r>
-            <a:r>
-              <a:rPr/>
-              <a:t>yourself</a:t>
+              <a:t>Reading</a:t>
+            </a:r>
+            <a:r>
+              <a:rPr/>
+              <a:t> </a:t>
+            </a:r>
+            <a:r>
+              <a:rPr/>
+              <a:t>the</a:t>
+            </a:r>
+            <a:r>
+              <a:rPr/>
+              <a:t> </a:t>
+            </a:r>
+            <a:r>
+              <a:rPr/>
+              <a:t>help</a:t>
+            </a:r>
+            <a:r>
+              <a:rPr/>
+              <a:t> </a:t>
+            </a:r>
+            <a:r>
+              <a:rPr/>
+              <a:t>page</a:t>
             </a:r>
           </a:p>
         </p:txBody>
@@ -12759,48 +12666,56 @@
             <a:pPr lvl="1"/>
             <a:r>
               <a:rPr/>
-              <a:t>Look up the function </a:t>
-            </a:r>
-            <a:r>
-              <a:rPr sz="1800">
-                <a:latin typeface="Courier"/>
-              </a:rPr>
-              <a:t>ls</a:t>
+              <a:t>It’s quite complicated.</a:t>
             </a:r>
           </a:p>
           <a:p>
             <a:pPr lvl="1"/>
             <a:r>
               <a:rPr/>
-              <a:t>What are the arguments you can give the function?</a:t>
+              <a:t>But the information is usually displayed in a standard format:</a:t>
             </a:r>
           </a:p>
           <a:p>
             <a:pPr lvl="2"/>
             <a:r>
               <a:rPr/>
-              <a:t>How do you specify the argument for ‘pattern’? Try it</a:t>
+              <a:t>Brief description</a:t>
             </a:r>
           </a:p>
           <a:p>
             <a:pPr lvl="2"/>
             <a:r>
               <a:rPr/>
-              <a:t>When might this be useful?</a:t>
+              <a:t>An example of use</a:t>
             </a:r>
           </a:p>
           <a:p>
             <a:pPr lvl="2"/>
             <a:r>
               <a:rPr/>
-              <a:t>How do you specify the argument for ‘sorted’? Try it</a:t>
+              <a:t>The argument(s) that can be passed to the function - along with any default value it takes if there is no value provided.</a:t>
             </a:r>
           </a:p>
           <a:p>
             <a:pPr lvl="2"/>
             <a:r>
               <a:rPr/>
-              <a:t>When might this be useful?</a:t>
+              <a:t>Breakdown of these arguments. Gives you more information about what you need to put in.</a:t>
+            </a:r>
+          </a:p>
+          <a:p>
+            <a:pPr lvl="2"/>
+            <a:r>
+              <a:rPr/>
+              <a:t>Tells you how the function works and what to expect to see in the output.</a:t>
+            </a:r>
+          </a:p>
+          <a:p>
+            <a:pPr lvl="2"/>
+            <a:r>
+              <a:rPr/>
+              <a:t>A reproducible example of use, that you can normally use verbatim.</a:t>
             </a:r>
           </a:p>
         </p:txBody>
@@ -12853,15 +12768,15 @@
             </a:pPr>
             <a:r>
               <a:rPr/>
-              <a:t>Why</a:t>
-            </a:r>
-            <a:r>
-              <a:rPr/>
-              <a:t> </a:t>
-            </a:r>
-            <a:r>
-              <a:rPr/>
-              <a:t>use</a:t>
+              <a:t>What</a:t>
+            </a:r>
+            <a:r>
+              <a:rPr/>
+              <a:t> </a:t>
+            </a:r>
+            <a:r>
+              <a:rPr/>
+              <a:t>is</a:t>
             </a:r>
             <a:r>
               <a:rPr/>
@@ -12898,60 +12813,49 @@
             <a:pPr lvl="1"/>
             <a:r>
               <a:rPr/>
-              <a:t>Why not?</a:t>
+              <a:t>Free software for statistical computing and plotting</a:t>
+            </a:r>
+          </a:p>
+          <a:p>
+            <a:pPr lvl="1"/>
+            <a:r>
+              <a:rPr/>
+              <a:t>Works with variety of platforms</a:t>
             </a:r>
           </a:p>
           <a:p>
             <a:pPr lvl="2"/>
             <a:r>
               <a:rPr/>
-              <a:t>Need to learn a new language</a:t>
+              <a:t>UNIX</a:t>
             </a:r>
           </a:p>
           <a:p>
             <a:pPr lvl="2"/>
             <a:r>
               <a:rPr/>
-              <a:t>Does not use ‘point and click’</a:t>
+              <a:t>MacOS</a:t>
             </a:r>
           </a:p>
           <a:p>
             <a:pPr lvl="2"/>
             <a:r>
               <a:rPr/>
-              <a:t>Need to describe to the computer the steps you want it to take</a:t>
+              <a:t>Windows</a:t>
             </a:r>
           </a:p>
           <a:p>
             <a:pPr lvl="1"/>
             <a:r>
               <a:rPr/>
-              <a:t>Why?</a:t>
+              <a:t>Built around handling data. ‘Understands’ data.</a:t>
             </a:r>
           </a:p>
           <a:p>
             <a:pPr lvl="2"/>
             <a:r>
               <a:rPr/>
-              <a:t>You can do </a:t>
-            </a:r>
-            <a:r>
-              <a:rPr i="1"/>
-              <a:t>anything</a:t>
-            </a:r>
-          </a:p>
-          <a:p>
-            <a:pPr lvl="2"/>
-            <a:r>
-              <a:rPr/>
-              <a:t>Not limited to the pre-designed command process of an app.</a:t>
-            </a:r>
-          </a:p>
-          <a:p>
-            <a:pPr lvl="2"/>
-            <a:r>
-              <a:rPr/>
-              <a:t>You record everything you do, so you can do it again.</a:t>
+              <a:t>Particularly well suited to data science / statistics</a:t>
             </a:r>
           </a:p>
         </p:txBody>
@@ -13004,31 +12908,7 @@
             </a:pPr>
             <a:r>
               <a:rPr/>
-              <a:t>Packages</a:t>
-            </a:r>
-            <a:r>
-              <a:rPr/>
-              <a:t> </a:t>
-            </a:r>
-            <a:r>
-              <a:rPr/>
-              <a:t>-</a:t>
-            </a:r>
-            <a:r>
-              <a:rPr/>
-              <a:t> </a:t>
-            </a:r>
-            <a:r>
-              <a:rPr/>
-              <a:t>collections</a:t>
-            </a:r>
-            <a:r>
-              <a:rPr/>
-              <a:t> </a:t>
-            </a:r>
-            <a:r>
-              <a:rPr/>
-              <a:t>of</a:t>
+              <a:t>Explore</a:t>
             </a:r>
             <a:r>
               <a:rPr/>
@@ -13038,6 +12918,14 @@
               <a:rPr/>
               <a:t>functions</a:t>
             </a:r>
+            <a:r>
+              <a:rPr/>
+              <a:t> </a:t>
+            </a:r>
+            <a:r>
+              <a:rPr/>
+              <a:t>yourself</a:t>
+            </a:r>
           </a:p>
         </p:txBody>
       </p:sp>
@@ -13065,103 +12953,48 @@
             <a:pPr lvl="1"/>
             <a:r>
               <a:rPr/>
-              <a:t>There are bunch of functions that come with R. They are ‘base R’ functions.</a:t>
+              <a:t>Look up the function </a:t>
+            </a:r>
+            <a:r>
+              <a:rPr sz="1800">
+                <a:latin typeface="Courier"/>
+              </a:rPr>
+              <a:t>ls</a:t>
             </a:r>
           </a:p>
           <a:p>
             <a:pPr lvl="1"/>
             <a:r>
               <a:rPr/>
-              <a:t>Thousands of open access functions in other packages</a:t>
-            </a:r>
-          </a:p>
-          <a:p>
-            <a:pPr lvl="1"/>
-            <a:r>
-              <a:rPr/>
-              <a:t>To access these: install the packages, then load them.</a:t>
-            </a:r>
-          </a:p>
-          <a:p>
-            <a:pPr lvl="1"/>
-            <a:r>
-              <a:rPr/>
-              <a:t>Let’s install and load the ‘tidyverse’ package</a:t>
-            </a:r>
-          </a:p>
-          <a:p>
-            <a:pPr lvl="0" marL="1270000" indent="0">
-              <a:buNone/>
-            </a:pPr>
-            <a:r>
-              <a:rPr sz="1800" b="1">
-                <a:solidFill>
-                  <a:srgbClr val="007020"/>
-                </a:solidFill>
-                <a:latin typeface="Courier"/>
-              </a:rPr>
-              <a:t>install.packages</a:t>
-            </a:r>
-            <a:r>
-              <a:rPr sz="1800">
-                <a:latin typeface="Courier"/>
-              </a:rPr>
-              <a:t>(</a:t>
-            </a:r>
-            <a:r>
-              <a:rPr sz="1800">
-                <a:solidFill>
-                  <a:srgbClr val="4070A0"/>
-                </a:solidFill>
-                <a:latin typeface="Courier"/>
-              </a:rPr>
-              <a:t>"tidyverse"</a:t>
-            </a:r>
-            <a:r>
-              <a:rPr sz="1800">
-                <a:latin typeface="Courier"/>
-              </a:rPr>
-              <a:t>)</a:t>
-            </a:r>
-            <a:br/>
-            <a:r>
-              <a:rPr sz="1800" b="1">
-                <a:solidFill>
-                  <a:srgbClr val="007020"/>
-                </a:solidFill>
-                <a:latin typeface="Courier"/>
-              </a:rPr>
-              <a:t>library</a:t>
-            </a:r>
-            <a:r>
-              <a:rPr sz="1800">
-                <a:latin typeface="Courier"/>
-              </a:rPr>
-              <a:t>(tidyverse)</a:t>
-            </a:r>
-          </a:p>
-          <a:p>
-            <a:pPr lvl="1"/>
-            <a:r>
-              <a:rPr/>
-              <a:t>You can now use all of the functions that come with ‘tidyverse’.</a:t>
-            </a:r>
-          </a:p>
-          <a:p>
-            <a:pPr lvl="1"/>
-            <a:r>
-              <a:rPr/>
-              <a:t>You need to load the package using </a:t>
-            </a:r>
-            <a:r>
-              <a:rPr sz="1800">
-                <a:latin typeface="Courier"/>
-              </a:rPr>
-              <a:t>library</a:t>
-            </a:r>
-            <a:r>
-              <a:rPr/>
-              <a:t> each time you open R. But you will not need to install it again.</a:t>
+              <a:t>What are the arguments you can give the function?</a:t>
+            </a:r>
+          </a:p>
+          <a:p>
+            <a:pPr lvl="2"/>
+            <a:r>
+              <a:rPr/>
+              <a:t>How do you specify the argument for ‘pattern’? Try it</a:t>
+            </a:r>
+          </a:p>
+          <a:p>
+            <a:pPr lvl="2"/>
+            <a:r>
+              <a:rPr/>
+              <a:t>When might this be useful?</a:t>
+            </a:r>
+          </a:p>
+          <a:p>
+            <a:pPr lvl="2"/>
+            <a:r>
+              <a:rPr/>
+              <a:t>How do you specify the argument for ‘sorted’? Try it</a:t>
+            </a:r>
+          </a:p>
+          <a:p>
+            <a:pPr lvl="2"/>
+            <a:r>
+              <a:rPr/>
+              <a:t>When might this be useful?</a:t>
             </a:r>
           </a:p>
         </p:txBody>
@@ -13214,6 +13047,216 @@
             </a:pPr>
             <a:r>
               <a:rPr/>
+              <a:t>Packages</a:t>
+            </a:r>
+            <a:r>
+              <a:rPr/>
+              <a:t> </a:t>
+            </a:r>
+            <a:r>
+              <a:rPr/>
+              <a:t>-</a:t>
+            </a:r>
+            <a:r>
+              <a:rPr/>
+              <a:t> </a:t>
+            </a:r>
+            <a:r>
+              <a:rPr/>
+              <a:t>collections</a:t>
+            </a:r>
+            <a:r>
+              <a:rPr/>
+              <a:t> </a:t>
+            </a:r>
+            <a:r>
+              <a:rPr/>
+              <a:t>of</a:t>
+            </a:r>
+            <a:r>
+              <a:rPr/>
+              <a:t> </a:t>
+            </a:r>
+            <a:r>
+              <a:rPr/>
+              <a:t>functions</a:t>
+            </a:r>
+          </a:p>
+        </p:txBody>
+      </p:sp>
+      <p:sp>
+        <p:nvSpPr>
+          <p:cNvPr id="3" name="Content Placeholder 2">
+            <a:extLst>
+              <a:ext uri="{FF2B5EF4-FFF2-40B4-BE49-F238E27FC236}">
+                <a16:creationId xmlns:a16="http://schemas.microsoft.com/office/drawing/2014/main" id="{D10DDA37-E46B-B641-BC9F-636CB92A2C08}"/>
+              </a:ext>
+            </a:extLst>
+          </p:cNvPr>
+          <p:cNvSpPr>
+            <a:spLocks noGrp="1"/>
+          </p:cNvSpPr>
+          <p:nvPr>
+            <p:ph idx="1"/>
+          </p:nvPr>
+        </p:nvSpPr>
+        <p:spPr/>
+        <p:txBody>
+          <a:bodyPr/>
+          <a:lstStyle/>
+          <a:p>
+            <a:pPr lvl="1"/>
+            <a:r>
+              <a:rPr/>
+              <a:t>There are bunch of functions that come with R. They are ‘base R’ functions.</a:t>
+            </a:r>
+          </a:p>
+          <a:p>
+            <a:pPr lvl="1"/>
+            <a:r>
+              <a:rPr/>
+              <a:t>Thousands of open access functions in other packages</a:t>
+            </a:r>
+          </a:p>
+          <a:p>
+            <a:pPr lvl="1"/>
+            <a:r>
+              <a:rPr/>
+              <a:t>To access these: install the packages, then load them.</a:t>
+            </a:r>
+          </a:p>
+          <a:p>
+            <a:pPr lvl="1"/>
+            <a:r>
+              <a:rPr/>
+              <a:t>Let’s install and load the ‘tidyverse’ package</a:t>
+            </a:r>
+          </a:p>
+          <a:p>
+            <a:pPr lvl="0" marL="1270000" indent="0">
+              <a:buNone/>
+            </a:pPr>
+            <a:r>
+              <a:rPr sz="1800" b="1">
+                <a:solidFill>
+                  <a:srgbClr val="007020"/>
+                </a:solidFill>
+                <a:latin typeface="Courier"/>
+              </a:rPr>
+              <a:t>install.packages</a:t>
+            </a:r>
+            <a:r>
+              <a:rPr sz="1800">
+                <a:latin typeface="Courier"/>
+              </a:rPr>
+              <a:t>(</a:t>
+            </a:r>
+            <a:r>
+              <a:rPr sz="1800">
+                <a:solidFill>
+                  <a:srgbClr val="4070A0"/>
+                </a:solidFill>
+                <a:latin typeface="Courier"/>
+              </a:rPr>
+              <a:t>"tidyverse"</a:t>
+            </a:r>
+            <a:r>
+              <a:rPr sz="1800">
+                <a:latin typeface="Courier"/>
+              </a:rPr>
+              <a:t>)</a:t>
+            </a:r>
+            <a:br/>
+            <a:r>
+              <a:rPr sz="1800" b="1">
+                <a:solidFill>
+                  <a:srgbClr val="007020"/>
+                </a:solidFill>
+                <a:latin typeface="Courier"/>
+              </a:rPr>
+              <a:t>library</a:t>
+            </a:r>
+            <a:r>
+              <a:rPr sz="1800">
+                <a:latin typeface="Courier"/>
+              </a:rPr>
+              <a:t>(tidyverse)</a:t>
+            </a:r>
+          </a:p>
+          <a:p>
+            <a:pPr lvl="1"/>
+            <a:r>
+              <a:rPr/>
+              <a:t>You can now use all of the functions that come with ‘tidyverse’.</a:t>
+            </a:r>
+          </a:p>
+          <a:p>
+            <a:pPr lvl="1"/>
+            <a:r>
+              <a:rPr/>
+              <a:t>You need to load the package using </a:t>
+            </a:r>
+            <a:r>
+              <a:rPr sz="1800">
+                <a:latin typeface="Courier"/>
+              </a:rPr>
+              <a:t>library</a:t>
+            </a:r>
+            <a:r>
+              <a:rPr/>
+              <a:t> each time you open R. But you will not need to install it again.</a:t>
+            </a:r>
+          </a:p>
+        </p:txBody>
+      </p:sp>
+    </p:spTree>
+  </p:cSld>
+</p:sld>
+</file>
+
+<file path=ppt/slides/slide52.xml><?xml version="1.0" encoding="utf-8"?>
+<p:sld xmlns:a="http://schemas.openxmlformats.org/drawingml/2006/main" xmlns:r="http://schemas.openxmlformats.org/officeDocument/2006/relationships" xmlns:p="http://schemas.openxmlformats.org/presentationml/2006/main">
+  <p:cSld>
+    <p:spTree>
+      <p:nvGrpSpPr>
+        <p:cNvPr id="1" name=""/>
+        <p:cNvGrpSpPr/>
+        <p:nvPr/>
+      </p:nvGrpSpPr>
+      <p:grpSpPr>
+        <a:xfrm>
+          <a:off x="0" y="0"/>
+          <a:ext cx="0" cy="0"/>
+          <a:chOff x="0" y="0"/>
+          <a:chExt cx="0" cy="0"/>
+        </a:xfrm>
+      </p:grpSpPr>
+      <p:sp>
+        <p:nvSpPr>
+          <p:cNvPr id="2" name="Title 1">
+            <a:extLst>
+              <a:ext uri="{FF2B5EF4-FFF2-40B4-BE49-F238E27FC236}">
+                <a16:creationId xmlns:a16="http://schemas.microsoft.com/office/drawing/2014/main" id="{5567D468-EE70-CD4E-A3AC-039CC11EF1FB}"/>
+              </a:ext>
+            </a:extLst>
+          </p:cNvPr>
+          <p:cNvSpPr>
+            <a:spLocks noGrp="1"/>
+          </p:cNvSpPr>
+          <p:nvPr>
+            <p:ph type="title"/>
+          </p:nvPr>
+        </p:nvSpPr>
+        <p:spPr/>
+        <p:txBody>
+          <a:bodyPr/>
+          <a:lstStyle/>
+          <a:p>
+            <a:pPr lvl="0" marL="0" indent="0">
+              <a:buNone/>
+            </a:pPr>
+            <a:r>
+              <a:rPr/>
               <a:t>Other</a:t>
             </a:r>
             <a:r>
@@ -13366,15 +13409,15 @@
             </a:pPr>
             <a:r>
               <a:rPr/>
-              <a:t>Really,</a:t>
-            </a:r>
-            <a:r>
-              <a:rPr/>
-              <a:t> </a:t>
-            </a:r>
-            <a:r>
-              <a:rPr/>
-              <a:t>why</a:t>
+              <a:t>Why</a:t>
+            </a:r>
+            <a:r>
+              <a:rPr/>
+              <a:t> </a:t>
+            </a:r>
+            <a:r>
+              <a:rPr/>
+              <a:t>use</a:t>
             </a:r>
             <a:r>
               <a:rPr/>
@@ -13411,56 +13454,60 @@
             <a:pPr lvl="1"/>
             <a:r>
               <a:rPr/>
-              <a:t>Save time</a:t>
+              <a:t>Why not?</a:t>
             </a:r>
           </a:p>
           <a:p>
             <a:pPr lvl="2"/>
             <a:r>
               <a:rPr/>
-              <a:t>Small upfront investment for long term gain</a:t>
+              <a:t>Need to learn a new language</a:t>
             </a:r>
           </a:p>
           <a:p>
             <a:pPr lvl="2"/>
             <a:r>
               <a:rPr/>
-              <a:t>New data? - Easy</a:t>
+              <a:t>Does not use ‘point and click’</a:t>
             </a:r>
           </a:p>
           <a:p>
             <a:pPr lvl="2"/>
             <a:r>
               <a:rPr/>
-              <a:t>Repeat analysis? - Easy</a:t>
+              <a:t>Need to describe to the computer the steps you want it to take</a:t>
+            </a:r>
+          </a:p>
+          <a:p>
+            <a:pPr lvl="1"/>
+            <a:r>
+              <a:rPr/>
+              <a:t>Why?</a:t>
             </a:r>
           </a:p>
           <a:p>
             <a:pPr lvl="2"/>
             <a:r>
               <a:rPr/>
-              <a:t>Found an error? - Easy</a:t>
-            </a:r>
-          </a:p>
-          <a:p>
-            <a:pPr lvl="1"/>
-            <a:r>
-              <a:rPr/>
-              <a:t>Reproducible Science</a:t>
+              <a:t>You can do </a:t>
+            </a:r>
+            <a:r>
+              <a:rPr i="1"/>
+              <a:t>anything</a:t>
             </a:r>
           </a:p>
           <a:p>
             <a:pPr lvl="2"/>
             <a:r>
               <a:rPr/>
-              <a:t>Code makes your analysis explicit</a:t>
+              <a:t>Not limited to the pre-designed command process of an app.</a:t>
             </a:r>
           </a:p>
           <a:p>
             <a:pPr lvl="2"/>
             <a:r>
               <a:rPr/>
-              <a:t>Writing code = writing lab-book = good reproducible science</a:t>
+              <a:t>You record everything you do, so you can do it again.</a:t>
             </a:r>
           </a:p>
         </p:txBody>
@@ -13471,6 +13518,153 @@
 </file>
 
 <file path=ppt/slides/slide7.xml><?xml version="1.0" encoding="utf-8"?>
+<p:sld xmlns:a="http://schemas.openxmlformats.org/drawingml/2006/main" xmlns:r="http://schemas.openxmlformats.org/officeDocument/2006/relationships" xmlns:p="http://schemas.openxmlformats.org/presentationml/2006/main">
+  <p:cSld>
+    <p:spTree>
+      <p:nvGrpSpPr>
+        <p:cNvPr id="1" name=""/>
+        <p:cNvGrpSpPr/>
+        <p:nvPr/>
+      </p:nvGrpSpPr>
+      <p:grpSpPr>
+        <a:xfrm>
+          <a:off x="0" y="0"/>
+          <a:ext cx="0" cy="0"/>
+          <a:chOff x="0" y="0"/>
+          <a:chExt cx="0" cy="0"/>
+        </a:xfrm>
+      </p:grpSpPr>
+      <p:sp>
+        <p:nvSpPr>
+          <p:cNvPr id="2" name="Title 1">
+            <a:extLst>
+              <a:ext uri="{FF2B5EF4-FFF2-40B4-BE49-F238E27FC236}">
+                <a16:creationId xmlns:a16="http://schemas.microsoft.com/office/drawing/2014/main" id="{5567D468-EE70-CD4E-A3AC-039CC11EF1FB}"/>
+              </a:ext>
+            </a:extLst>
+          </p:cNvPr>
+          <p:cNvSpPr>
+            <a:spLocks noGrp="1"/>
+          </p:cNvSpPr>
+          <p:nvPr>
+            <p:ph type="title"/>
+          </p:nvPr>
+        </p:nvSpPr>
+        <p:spPr/>
+        <p:txBody>
+          <a:bodyPr/>
+          <a:lstStyle/>
+          <a:p>
+            <a:pPr lvl="0" marL="0" indent="0">
+              <a:buNone/>
+            </a:pPr>
+            <a:r>
+              <a:rPr/>
+              <a:t>Really,</a:t>
+            </a:r>
+            <a:r>
+              <a:rPr/>
+              <a:t> </a:t>
+            </a:r>
+            <a:r>
+              <a:rPr/>
+              <a:t>why</a:t>
+            </a:r>
+            <a:r>
+              <a:rPr/>
+              <a:t> </a:t>
+            </a:r>
+            <a:r>
+              <a:rPr/>
+              <a:t>R?</a:t>
+            </a:r>
+          </a:p>
+        </p:txBody>
+      </p:sp>
+      <p:sp>
+        <p:nvSpPr>
+          <p:cNvPr id="3" name="Content Placeholder 2">
+            <a:extLst>
+              <a:ext uri="{FF2B5EF4-FFF2-40B4-BE49-F238E27FC236}">
+                <a16:creationId xmlns:a16="http://schemas.microsoft.com/office/drawing/2014/main" id="{D10DDA37-E46B-B641-BC9F-636CB92A2C08}"/>
+              </a:ext>
+            </a:extLst>
+          </p:cNvPr>
+          <p:cNvSpPr>
+            <a:spLocks noGrp="1"/>
+          </p:cNvSpPr>
+          <p:nvPr>
+            <p:ph idx="1"/>
+          </p:nvPr>
+        </p:nvSpPr>
+        <p:spPr/>
+        <p:txBody>
+          <a:bodyPr/>
+          <a:lstStyle/>
+          <a:p>
+            <a:pPr lvl="1"/>
+            <a:r>
+              <a:rPr/>
+              <a:t>Save time</a:t>
+            </a:r>
+          </a:p>
+          <a:p>
+            <a:pPr lvl="2"/>
+            <a:r>
+              <a:rPr/>
+              <a:t>Small upfront investment for long term gain</a:t>
+            </a:r>
+          </a:p>
+          <a:p>
+            <a:pPr lvl="2"/>
+            <a:r>
+              <a:rPr/>
+              <a:t>New data? - Easy</a:t>
+            </a:r>
+          </a:p>
+          <a:p>
+            <a:pPr lvl="2"/>
+            <a:r>
+              <a:rPr/>
+              <a:t>Repeat analysis? - Easy</a:t>
+            </a:r>
+          </a:p>
+          <a:p>
+            <a:pPr lvl="2"/>
+            <a:r>
+              <a:rPr/>
+              <a:t>Found an error? - Easy</a:t>
+            </a:r>
+          </a:p>
+          <a:p>
+            <a:pPr lvl="1"/>
+            <a:r>
+              <a:rPr/>
+              <a:t>Reproducible Science</a:t>
+            </a:r>
+          </a:p>
+          <a:p>
+            <a:pPr lvl="2"/>
+            <a:r>
+              <a:rPr/>
+              <a:t>Code makes your analysis explicit</a:t>
+            </a:r>
+          </a:p>
+          <a:p>
+            <a:pPr lvl="2"/>
+            <a:r>
+              <a:rPr/>
+              <a:t>Writing code = writing lab-book = good reproducible science</a:t>
+            </a:r>
+          </a:p>
+        </p:txBody>
+      </p:sp>
+    </p:spTree>
+  </p:cSld>
+</p:sld>
+</file>
+
+<file path=ppt/slides/slide8.xml><?xml version="1.0" encoding="utf-8"?>
 <p:sld xmlns:a="http://schemas.openxmlformats.org/drawingml/2006/main" xmlns:r="http://schemas.openxmlformats.org/officeDocument/2006/relationships" xmlns:p="http://schemas.openxmlformats.org/presentationml/2006/main">
   <p:cSld>
     <p:spTree>
@@ -13577,146 +13771,6 @@
 </p:sld>
 </file>
 
-<file path=ppt/slides/slide8.xml><?xml version="1.0" encoding="utf-8"?>
-<p:sld xmlns:a="http://schemas.openxmlformats.org/drawingml/2006/main" xmlns:r="http://schemas.openxmlformats.org/officeDocument/2006/relationships" xmlns:p="http://schemas.openxmlformats.org/presentationml/2006/main">
-  <p:cSld>
-    <p:spTree>
-      <p:nvGrpSpPr>
-        <p:cNvPr id="1" name=""/>
-        <p:cNvGrpSpPr/>
-        <p:nvPr/>
-      </p:nvGrpSpPr>
-      <p:grpSpPr>
-        <a:xfrm>
-          <a:off x="0" y="0"/>
-          <a:ext cx="0" cy="0"/>
-          <a:chOff x="0" y="0"/>
-          <a:chExt cx="0" cy="0"/>
-        </a:xfrm>
-      </p:grpSpPr>
-      <p:sp>
-        <p:nvSpPr>
-          <p:cNvPr id="2" name="Title 1">
-            <a:extLst>
-              <a:ext uri="{FF2B5EF4-FFF2-40B4-BE49-F238E27FC236}">
-                <a16:creationId xmlns:a16="http://schemas.microsoft.com/office/drawing/2014/main" id="{5567D468-EE70-CD4E-A3AC-039CC11EF1FB}"/>
-              </a:ext>
-            </a:extLst>
-          </p:cNvPr>
-          <p:cNvSpPr>
-            <a:spLocks noGrp="1"/>
-          </p:cNvSpPr>
-          <p:nvPr>
-            <p:ph type="title"/>
-          </p:nvPr>
-        </p:nvSpPr>
-        <p:spPr/>
-        <p:txBody>
-          <a:bodyPr/>
-          <a:lstStyle/>
-          <a:p>
-            <a:pPr lvl="0" marL="0" indent="0">
-              <a:buNone/>
-            </a:pPr>
-            <a:r>
-              <a:rPr/>
-              <a:t>Working</a:t>
-            </a:r>
-            <a:r>
-              <a:rPr/>
-              <a:t> </a:t>
-            </a:r>
-            <a:r>
-              <a:rPr/>
-              <a:t>with</a:t>
-            </a:r>
-            <a:r>
-              <a:rPr/>
-              <a:t> </a:t>
-            </a:r>
-            <a:r>
-              <a:rPr/>
-              <a:t>RStudio</a:t>
-            </a:r>
-          </a:p>
-        </p:txBody>
-      </p:sp>
-      <p:sp>
-        <p:nvSpPr>
-          <p:cNvPr id="3" name="Content Placeholder 2">
-            <a:extLst>
-              <a:ext uri="{FF2B5EF4-FFF2-40B4-BE49-F238E27FC236}">
-                <a16:creationId xmlns:a16="http://schemas.microsoft.com/office/drawing/2014/main" id="{D10DDA37-E46B-B641-BC9F-636CB92A2C08}"/>
-              </a:ext>
-            </a:extLst>
-          </p:cNvPr>
-          <p:cNvSpPr>
-            <a:spLocks noGrp="1"/>
-          </p:cNvSpPr>
-          <p:nvPr>
-            <p:ph idx="1"/>
-          </p:nvPr>
-        </p:nvSpPr>
-        <p:spPr/>
-        <p:txBody>
-          <a:bodyPr/>
-          <a:lstStyle/>
-          <a:p>
-            <a:pPr lvl="1"/>
-            <a:r>
-              <a:rPr/>
-              <a:t>RStudio is an Integrated Development Environment.</a:t>
-            </a:r>
-          </a:p>
-          <a:p>
-            <a:pPr lvl="1"/>
-            <a:r>
-              <a:rPr/>
-              <a:t>Easier to work with than R on it’s own, since it it a bit more ‘point and clicky’</a:t>
-            </a:r>
-          </a:p>
-          <a:p>
-            <a:pPr lvl="1"/>
-            <a:r>
-              <a:rPr/>
-              <a:t>Allows</a:t>
-            </a:r>
-          </a:p>
-          <a:p>
-            <a:pPr lvl="2"/>
-            <a:r>
-              <a:rPr/>
-              <a:t>Code editing</a:t>
-            </a:r>
-          </a:p>
-          <a:p>
-            <a:pPr lvl="2"/>
-            <a:r>
-              <a:rPr/>
-              <a:t>Syntax highlighting</a:t>
-            </a:r>
-          </a:p>
-          <a:p>
-            <a:pPr lvl="2"/>
-            <a:r>
-              <a:rPr/>
-              <a:t>Plotting tools</a:t>
-            </a:r>
-          </a:p>
-          <a:p>
-            <a:pPr lvl="2"/>
-            <a:r>
-              <a:rPr/>
-              <a:t>Workspace management</a:t>
-            </a:r>
-          </a:p>
-        </p:txBody>
-      </p:sp>
-    </p:spTree>
-  </p:cSld>
-</p:sld>
-</file>
-
 <file path=ppt/slides/slide9.xml><?xml version="1.0" encoding="utf-8"?>
 <p:sld xmlns:a="http://schemas.openxmlformats.org/drawingml/2006/main" xmlns:r="http://schemas.openxmlformats.org/officeDocument/2006/relationships" xmlns:p="http://schemas.openxmlformats.org/presentationml/2006/main">
   <p:cSld>
@@ -13760,105 +13814,98 @@
             </a:pPr>
             <a:r>
               <a:rPr/>
-              <a:t>This</a:t>
-            </a:r>
-            <a:r>
-              <a:rPr/>
-              <a:t> </a:t>
-            </a:r>
-            <a:r>
-              <a:rPr/>
-              <a:t>is</a:t>
-            </a:r>
-            <a:r>
-              <a:rPr/>
-              <a:t> </a:t>
-            </a:r>
-            <a:r>
-              <a:rPr/>
-              <a:t>what</a:t>
-            </a:r>
-            <a:r>
-              <a:rPr/>
-              <a:t> </a:t>
-            </a:r>
-            <a:r>
-              <a:rPr/>
-              <a:t>R</a:t>
-            </a:r>
-            <a:r>
-              <a:rPr/>
-              <a:t> </a:t>
-            </a:r>
-            <a:r>
-              <a:rPr/>
-              <a:t>on</a:t>
-            </a:r>
-            <a:r>
-              <a:rPr/>
-              <a:t> </a:t>
-            </a:r>
-            <a:r>
-              <a:rPr/>
-              <a:t>it’s</a:t>
-            </a:r>
-            <a:r>
-              <a:rPr/>
-              <a:t> </a:t>
-            </a:r>
-            <a:r>
-              <a:rPr/>
-              <a:t>own</a:t>
-            </a:r>
-            <a:r>
-              <a:rPr/>
-              <a:t> </a:t>
-            </a:r>
-            <a:r>
-              <a:rPr/>
-              <a:t>looks</a:t>
-            </a:r>
-            <a:r>
-              <a:rPr/>
-              <a:t> </a:t>
-            </a:r>
-            <a:r>
-              <a:rPr/>
-              <a:t>like</a:t>
-            </a:r>
-          </a:p>
-        </p:txBody>
-      </p:sp>
-      <p:pic>
-        <p:nvPicPr>
-          <p:cNvPr descr="Images/RConsole.png" id="0" name="Picture 1"/>
-          <p:cNvPicPr>
-            <a:picLocks noGrp="1" noChangeAspect="1"/>
-          </p:cNvPicPr>
-          <p:nvPr/>
-        </p:nvPicPr>
-        <p:blipFill>
-          <a:blip r:embed="rId2"/>
-          <a:stretch>
-            <a:fillRect/>
-          </a:stretch>
-        </p:blipFill>
-        <p:spPr bwMode="auto">
-          <a:xfrm>
-            <a:off x="2984500" y="1816100"/>
-            <a:ext cx="6210300" cy="4343400"/>
-          </a:xfrm>
-          <a:prstGeom prst="rect">
-            <a:avLst/>
-          </a:prstGeom>
-          <a:noFill/>
-          <a:ln w="9525">
-            <a:noFill/>
-            <a:headEnd/>
-            <a:tailEnd/>
-          </a:ln>
-        </p:spPr>
-      </p:pic>
+              <a:t>Working</a:t>
+            </a:r>
+            <a:r>
+              <a:rPr/>
+              <a:t> </a:t>
+            </a:r>
+            <a:r>
+              <a:rPr/>
+              <a:t>with</a:t>
+            </a:r>
+            <a:r>
+              <a:rPr/>
+              <a:t> </a:t>
+            </a:r>
+            <a:r>
+              <a:rPr/>
+              <a:t>RStudio</a:t>
+            </a:r>
+          </a:p>
+        </p:txBody>
+      </p:sp>
+      <p:sp>
+        <p:nvSpPr>
+          <p:cNvPr id="3" name="Content Placeholder 2">
+            <a:extLst>
+              <a:ext uri="{FF2B5EF4-FFF2-40B4-BE49-F238E27FC236}">
+                <a16:creationId xmlns:a16="http://schemas.microsoft.com/office/drawing/2014/main" id="{D10DDA37-E46B-B641-BC9F-636CB92A2C08}"/>
+              </a:ext>
+            </a:extLst>
+          </p:cNvPr>
+          <p:cNvSpPr>
+            <a:spLocks noGrp="1"/>
+          </p:cNvSpPr>
+          <p:nvPr>
+            <p:ph idx="1"/>
+          </p:nvPr>
+        </p:nvSpPr>
+        <p:spPr/>
+        <p:txBody>
+          <a:bodyPr/>
+          <a:lstStyle/>
+          <a:p>
+            <a:pPr lvl="1"/>
+            <a:r>
+              <a:rPr/>
+              <a:t>RStudio is an Integrated Development Environment.</a:t>
+            </a:r>
+          </a:p>
+          <a:p>
+            <a:pPr lvl="1"/>
+            <a:r>
+              <a:rPr/>
+              <a:t>Easier to work with than R on it’s own, since it it a bit more ‘point and clicky’</a:t>
+            </a:r>
+          </a:p>
+          <a:p>
+            <a:pPr lvl="1"/>
+            <a:r>
+              <a:rPr/>
+              <a:t>Allows</a:t>
+            </a:r>
+          </a:p>
+          <a:p>
+            <a:pPr lvl="2"/>
+            <a:r>
+              <a:rPr/>
+              <a:t>Code editing</a:t>
+            </a:r>
+          </a:p>
+          <a:p>
+            <a:pPr lvl="2"/>
+            <a:r>
+              <a:rPr/>
+              <a:t>Syntax highlighting</a:t>
+            </a:r>
+          </a:p>
+          <a:p>
+            <a:pPr lvl="2"/>
+            <a:r>
+              <a:rPr/>
+              <a:t>Plotting tools</a:t>
+            </a:r>
+          </a:p>
+          <a:p>
+            <a:pPr lvl="2"/>
+            <a:r>
+              <a:rPr/>
+              <a:t>Workspace management</a:t>
+            </a:r>
+          </a:p>
+        </p:txBody>
+      </p:sp>
     </p:spTree>
   </p:cSld>
 </p:sld>
